--- a/testing_codes/vscode_unittest/sergio_vscode_unittest.pptx
+++ b/testing_codes/vscode_unittest/sergio_vscode_unittest.pptx
@@ -4,19 +4,21 @@
   <p:sldMasterIdLst>
     <p:sldMasterId id="2147483648" r:id="rId2"/>
     <p:sldMasterId id="2147483661" r:id="rId3"/>
+    <p:sldMasterId id="2147483674" r:id="rId4"/>
   </p:sldMasterIdLst>
   <p:sldIdLst>
-    <p:sldId id="256" r:id="rId4"/>
-    <p:sldId id="257" r:id="rId5"/>
-    <p:sldId id="258" r:id="rId6"/>
-    <p:sldId id="259" r:id="rId7"/>
-    <p:sldId id="260" r:id="rId8"/>
-    <p:sldId id="261" r:id="rId9"/>
-    <p:sldId id="262" r:id="rId10"/>
-    <p:sldId id="263" r:id="rId11"/>
-    <p:sldId id="264" r:id="rId12"/>
-    <p:sldId id="265" r:id="rId13"/>
-    <p:sldId id="266" r:id="rId14"/>
+    <p:sldId id="256" r:id="rId5"/>
+    <p:sldId id="257" r:id="rId6"/>
+    <p:sldId id="258" r:id="rId7"/>
+    <p:sldId id="259" r:id="rId8"/>
+    <p:sldId id="260" r:id="rId9"/>
+    <p:sldId id="261" r:id="rId10"/>
+    <p:sldId id="262" r:id="rId11"/>
+    <p:sldId id="263" r:id="rId12"/>
+    <p:sldId id="264" r:id="rId13"/>
+    <p:sldId id="265" r:id="rId14"/>
+    <p:sldId id="266" r:id="rId15"/>
+    <p:sldId id="267" r:id="rId16"/>
   </p:sldIdLst>
   <p:sldSz cx="10080625" cy="5670550"/>
   <p:notesSz cx="7559675" cy="10691812"/>
@@ -64,7 +66,7 @@
       </p:grpSpPr>
       <p:sp>
         <p:nvSpPr>
-          <p:cNvPr id="28" name="PlaceHolder 1"/>
+          <p:cNvPr id="25" name="PlaceHolder 1"/>
           <p:cNvSpPr>
             <a:spLocks noGrp="1"/>
           </p:cNvSpPr>
@@ -75,7 +77,7 @@
         <p:spPr>
           <a:xfrm>
             <a:off x="504000" y="565560"/>
-            <a:ext cx="9071640" cy="946440"/>
+            <a:ext cx="9071280" cy="946080"/>
           </a:xfrm>
           <a:prstGeom prst="rect">
             <a:avLst/>
@@ -86,18 +88,16 @@
             <a:noAutofit/>
           </a:bodyPr>
           <a:p>
+            <a:pPr algn="ctr"/>
             <a:endParaRPr b="0" lang="pt-BR" sz="4400" spc="-1" strike="noStrike">
-              <a:solidFill>
-                <a:srgbClr val="c7243a"/>
-              </a:solidFill>
-              <a:latin typeface="Arial"/>
-            </a:endParaRPr>
-          </a:p>
-        </p:txBody>
-      </p:sp>
-      <p:sp>
-        <p:nvSpPr>
-          <p:cNvPr id="29" name="PlaceHolder 2"/>
+              <a:latin typeface="Arial"/>
+            </a:endParaRPr>
+          </a:p>
+        </p:txBody>
+      </p:sp>
+      <p:sp>
+        <p:nvSpPr>
+          <p:cNvPr id="26" name="PlaceHolder 2"/>
           <p:cNvSpPr>
             <a:spLocks noGrp="1"/>
           </p:cNvSpPr>
@@ -108,7 +108,7 @@
         <p:spPr>
           <a:xfrm>
             <a:off x="504000" y="1656000"/>
-            <a:ext cx="9071640" cy="1411200"/>
+            <a:ext cx="9071280" cy="1410840"/>
           </a:xfrm>
           <a:prstGeom prst="rect">
             <a:avLst/>
@@ -127,7 +127,7 @@
       </p:sp>
       <p:sp>
         <p:nvSpPr>
-          <p:cNvPr id="30" name="PlaceHolder 3"/>
+          <p:cNvPr id="27" name="PlaceHolder 3"/>
           <p:cNvSpPr>
             <a:spLocks noGrp="1"/>
           </p:cNvSpPr>
@@ -137,8 +137,8 @@
         </p:nvSpPr>
         <p:spPr>
           <a:xfrm>
-            <a:off x="504000" y="3201480"/>
-            <a:ext cx="9071640" cy="1411200"/>
+            <a:off x="504000" y="3201120"/>
+            <a:ext cx="9071280" cy="1410840"/>
           </a:xfrm>
           <a:prstGeom prst="rect">
             <a:avLst/>
@@ -179,7 +179,7 @@
       </p:grpSpPr>
       <p:sp>
         <p:nvSpPr>
-          <p:cNvPr id="31" name="PlaceHolder 1"/>
+          <p:cNvPr id="28" name="PlaceHolder 1"/>
           <p:cNvSpPr>
             <a:spLocks noGrp="1"/>
           </p:cNvSpPr>
@@ -190,7 +190,7 @@
         <p:spPr>
           <a:xfrm>
             <a:off x="504000" y="565560"/>
-            <a:ext cx="9071640" cy="946440"/>
+            <a:ext cx="9071280" cy="946080"/>
           </a:xfrm>
           <a:prstGeom prst="rect">
             <a:avLst/>
@@ -201,18 +201,16 @@
             <a:noAutofit/>
           </a:bodyPr>
           <a:p>
+            <a:pPr algn="ctr"/>
             <a:endParaRPr b="0" lang="pt-BR" sz="4400" spc="-1" strike="noStrike">
-              <a:solidFill>
-                <a:srgbClr val="c7243a"/>
-              </a:solidFill>
-              <a:latin typeface="Arial"/>
-            </a:endParaRPr>
-          </a:p>
-        </p:txBody>
-      </p:sp>
-      <p:sp>
-        <p:nvSpPr>
-          <p:cNvPr id="32" name="PlaceHolder 2"/>
+              <a:latin typeface="Arial"/>
+            </a:endParaRPr>
+          </a:p>
+        </p:txBody>
+      </p:sp>
+      <p:sp>
+        <p:nvSpPr>
+          <p:cNvPr id="29" name="PlaceHolder 2"/>
           <p:cNvSpPr>
             <a:spLocks noGrp="1"/>
           </p:cNvSpPr>
@@ -223,7 +221,7 @@
         <p:spPr>
           <a:xfrm>
             <a:off x="504000" y="1656000"/>
-            <a:ext cx="4426920" cy="1411200"/>
+            <a:ext cx="4426560" cy="1410840"/>
           </a:xfrm>
           <a:prstGeom prst="rect">
             <a:avLst/>
@@ -242,7 +240,7 @@
       </p:sp>
       <p:sp>
         <p:nvSpPr>
-          <p:cNvPr id="33" name="PlaceHolder 3"/>
+          <p:cNvPr id="30" name="PlaceHolder 3"/>
           <p:cNvSpPr>
             <a:spLocks noGrp="1"/>
           </p:cNvSpPr>
@@ -252,8 +250,8 @@
         </p:nvSpPr>
         <p:spPr>
           <a:xfrm>
-            <a:off x="5152680" y="1656000"/>
-            <a:ext cx="4426920" cy="1411200"/>
+            <a:off x="5152320" y="1656000"/>
+            <a:ext cx="4426560" cy="1410840"/>
           </a:xfrm>
           <a:prstGeom prst="rect">
             <a:avLst/>
@@ -272,7 +270,7 @@
       </p:sp>
       <p:sp>
         <p:nvSpPr>
-          <p:cNvPr id="34" name="PlaceHolder 4"/>
+          <p:cNvPr id="31" name="PlaceHolder 4"/>
           <p:cNvSpPr>
             <a:spLocks noGrp="1"/>
           </p:cNvSpPr>
@@ -282,8 +280,8 @@
         </p:nvSpPr>
         <p:spPr>
           <a:xfrm>
-            <a:off x="504000" y="3201480"/>
-            <a:ext cx="4426920" cy="1411200"/>
+            <a:off x="504000" y="3201120"/>
+            <a:ext cx="4426560" cy="1410840"/>
           </a:xfrm>
           <a:prstGeom prst="rect">
             <a:avLst/>
@@ -302,7 +300,7 @@
       </p:sp>
       <p:sp>
         <p:nvSpPr>
-          <p:cNvPr id="35" name="PlaceHolder 5"/>
+          <p:cNvPr id="32" name="PlaceHolder 5"/>
           <p:cNvSpPr>
             <a:spLocks noGrp="1"/>
           </p:cNvSpPr>
@@ -312,8 +310,8 @@
         </p:nvSpPr>
         <p:spPr>
           <a:xfrm>
-            <a:off x="5152680" y="3201480"/>
-            <a:ext cx="4426920" cy="1411200"/>
+            <a:off x="5152320" y="3201120"/>
+            <a:ext cx="4426560" cy="1410840"/>
           </a:xfrm>
           <a:prstGeom prst="rect">
             <a:avLst/>
@@ -354,7 +352,7 @@
       </p:grpSpPr>
       <p:sp>
         <p:nvSpPr>
-          <p:cNvPr id="36" name="PlaceHolder 1"/>
+          <p:cNvPr id="33" name="PlaceHolder 1"/>
           <p:cNvSpPr>
             <a:spLocks noGrp="1"/>
           </p:cNvSpPr>
@@ -365,7 +363,7 @@
         <p:spPr>
           <a:xfrm>
             <a:off x="504000" y="565560"/>
-            <a:ext cx="9071640" cy="946440"/>
+            <a:ext cx="9071280" cy="946080"/>
           </a:xfrm>
           <a:prstGeom prst="rect">
             <a:avLst/>
@@ -376,18 +374,16 @@
             <a:noAutofit/>
           </a:bodyPr>
           <a:p>
+            <a:pPr algn="ctr"/>
             <a:endParaRPr b="0" lang="pt-BR" sz="4400" spc="-1" strike="noStrike">
-              <a:solidFill>
-                <a:srgbClr val="c7243a"/>
-              </a:solidFill>
-              <a:latin typeface="Arial"/>
-            </a:endParaRPr>
-          </a:p>
-        </p:txBody>
-      </p:sp>
-      <p:sp>
-        <p:nvSpPr>
-          <p:cNvPr id="37" name="PlaceHolder 2"/>
+              <a:latin typeface="Arial"/>
+            </a:endParaRPr>
+          </a:p>
+        </p:txBody>
+      </p:sp>
+      <p:sp>
+        <p:nvSpPr>
+          <p:cNvPr id="34" name="PlaceHolder 2"/>
           <p:cNvSpPr>
             <a:spLocks noGrp="1"/>
           </p:cNvSpPr>
@@ -398,7 +394,7 @@
         <p:spPr>
           <a:xfrm>
             <a:off x="504000" y="1656000"/>
-            <a:ext cx="2920680" cy="1411200"/>
+            <a:ext cx="2920680" cy="1410840"/>
           </a:xfrm>
           <a:prstGeom prst="rect">
             <a:avLst/>
@@ -417,7 +413,7 @@
       </p:sp>
       <p:sp>
         <p:nvSpPr>
-          <p:cNvPr id="38" name="PlaceHolder 3"/>
+          <p:cNvPr id="35" name="PlaceHolder 3"/>
           <p:cNvSpPr>
             <a:spLocks noGrp="1"/>
           </p:cNvSpPr>
@@ -428,7 +424,7 @@
         <p:spPr>
           <a:xfrm>
             <a:off x="3571200" y="1656000"/>
-            <a:ext cx="2920680" cy="1411200"/>
+            <a:ext cx="2920680" cy="1410840"/>
           </a:xfrm>
           <a:prstGeom prst="rect">
             <a:avLst/>
@@ -447,7 +443,7 @@
       </p:sp>
       <p:sp>
         <p:nvSpPr>
-          <p:cNvPr id="39" name="PlaceHolder 4"/>
+          <p:cNvPr id="36" name="PlaceHolder 4"/>
           <p:cNvSpPr>
             <a:spLocks noGrp="1"/>
           </p:cNvSpPr>
@@ -458,7 +454,7 @@
         <p:spPr>
           <a:xfrm>
             <a:off x="6638040" y="1656000"/>
-            <a:ext cx="2920680" cy="1411200"/>
+            <a:ext cx="2920680" cy="1410840"/>
           </a:xfrm>
           <a:prstGeom prst="rect">
             <a:avLst/>
@@ -477,7 +473,7 @@
       </p:sp>
       <p:sp>
         <p:nvSpPr>
-          <p:cNvPr id="40" name="PlaceHolder 5"/>
+          <p:cNvPr id="37" name="PlaceHolder 5"/>
           <p:cNvSpPr>
             <a:spLocks noGrp="1"/>
           </p:cNvSpPr>
@@ -487,8 +483,8 @@
         </p:nvSpPr>
         <p:spPr>
           <a:xfrm>
-            <a:off x="504000" y="3201480"/>
-            <a:ext cx="2920680" cy="1411200"/>
+            <a:off x="504000" y="3201120"/>
+            <a:ext cx="2920680" cy="1410840"/>
           </a:xfrm>
           <a:prstGeom prst="rect">
             <a:avLst/>
@@ -507,7 +503,7 @@
       </p:sp>
       <p:sp>
         <p:nvSpPr>
-          <p:cNvPr id="41" name="PlaceHolder 6"/>
+          <p:cNvPr id="38" name="PlaceHolder 6"/>
           <p:cNvSpPr>
             <a:spLocks noGrp="1"/>
           </p:cNvSpPr>
@@ -517,8 +513,8 @@
         </p:nvSpPr>
         <p:spPr>
           <a:xfrm>
-            <a:off x="3571200" y="3201480"/>
-            <a:ext cx="2920680" cy="1411200"/>
+            <a:off x="3571200" y="3201120"/>
+            <a:ext cx="2920680" cy="1410840"/>
           </a:xfrm>
           <a:prstGeom prst="rect">
             <a:avLst/>
@@ -537,7 +533,7 @@
       </p:sp>
       <p:sp>
         <p:nvSpPr>
-          <p:cNvPr id="42" name="PlaceHolder 7"/>
+          <p:cNvPr id="39" name="PlaceHolder 7"/>
           <p:cNvSpPr>
             <a:spLocks noGrp="1"/>
           </p:cNvSpPr>
@@ -547,8 +543,8 @@
         </p:nvSpPr>
         <p:spPr>
           <a:xfrm>
-            <a:off x="6638040" y="3201480"/>
-            <a:ext cx="2920680" cy="1411200"/>
+            <a:off x="6638040" y="3201120"/>
+            <a:ext cx="2920680" cy="1410840"/>
           </a:xfrm>
           <a:prstGeom prst="rect">
             <a:avLst/>
@@ -611,7 +607,7 @@
       </p:grpSpPr>
       <p:sp>
         <p:nvSpPr>
-          <p:cNvPr id="51" name="PlaceHolder 1"/>
+          <p:cNvPr id="47" name="PlaceHolder 1"/>
           <p:cNvSpPr>
             <a:spLocks noGrp="1"/>
           </p:cNvSpPr>
@@ -622,7 +618,7 @@
         <p:spPr>
           <a:xfrm>
             <a:off x="504000" y="565560"/>
-            <a:ext cx="9071640" cy="946440"/>
+            <a:ext cx="9071280" cy="946080"/>
           </a:xfrm>
           <a:prstGeom prst="rect">
             <a:avLst/>
@@ -633,18 +629,16 @@
             <a:noAutofit/>
           </a:bodyPr>
           <a:p>
+            <a:pPr algn="ctr"/>
             <a:endParaRPr b="0" lang="pt-BR" sz="4400" spc="-1" strike="noStrike">
-              <a:solidFill>
-                <a:srgbClr val="c7243a"/>
-              </a:solidFill>
-              <a:latin typeface="Arial"/>
-            </a:endParaRPr>
-          </a:p>
-        </p:txBody>
-      </p:sp>
-      <p:sp>
-        <p:nvSpPr>
-          <p:cNvPr id="52" name="PlaceHolder 2"/>
+              <a:latin typeface="Arial"/>
+            </a:endParaRPr>
+          </a:p>
+        </p:txBody>
+      </p:sp>
+      <p:sp>
+        <p:nvSpPr>
+          <p:cNvPr id="48" name="PlaceHolder 2"/>
           <p:cNvSpPr>
             <a:spLocks noGrp="1"/>
           </p:cNvSpPr>
@@ -655,7 +649,7 @@
         <p:spPr>
           <a:xfrm>
             <a:off x="504000" y="1656000"/>
-            <a:ext cx="9071640" cy="2958840"/>
+            <a:ext cx="9071280" cy="2958480"/>
           </a:xfrm>
           <a:prstGeom prst="rect">
             <a:avLst/>
@@ -697,7 +691,7 @@
       </p:grpSpPr>
       <p:sp>
         <p:nvSpPr>
-          <p:cNvPr id="53" name="PlaceHolder 1"/>
+          <p:cNvPr id="49" name="PlaceHolder 1"/>
           <p:cNvSpPr>
             <a:spLocks noGrp="1"/>
           </p:cNvSpPr>
@@ -708,7 +702,7 @@
         <p:spPr>
           <a:xfrm>
             <a:off x="504000" y="565560"/>
-            <a:ext cx="9071640" cy="946440"/>
+            <a:ext cx="9071280" cy="946080"/>
           </a:xfrm>
           <a:prstGeom prst="rect">
             <a:avLst/>
@@ -719,18 +713,16 @@
             <a:noAutofit/>
           </a:bodyPr>
           <a:p>
+            <a:pPr algn="ctr"/>
             <a:endParaRPr b="0" lang="pt-BR" sz="4400" spc="-1" strike="noStrike">
-              <a:solidFill>
-                <a:srgbClr val="c7243a"/>
-              </a:solidFill>
-              <a:latin typeface="Arial"/>
-            </a:endParaRPr>
-          </a:p>
-        </p:txBody>
-      </p:sp>
-      <p:sp>
-        <p:nvSpPr>
-          <p:cNvPr id="54" name="PlaceHolder 2"/>
+              <a:latin typeface="Arial"/>
+            </a:endParaRPr>
+          </a:p>
+        </p:txBody>
+      </p:sp>
+      <p:sp>
+        <p:nvSpPr>
+          <p:cNvPr id="50" name="PlaceHolder 2"/>
           <p:cNvSpPr>
             <a:spLocks noGrp="1"/>
           </p:cNvSpPr>
@@ -741,7 +733,7 @@
         <p:spPr>
           <a:xfrm>
             <a:off x="504000" y="1656000"/>
-            <a:ext cx="9071640" cy="2958840"/>
+            <a:ext cx="9071280" cy="2958480"/>
           </a:xfrm>
           <a:prstGeom prst="rect">
             <a:avLst/>
@@ -782,7 +774,7 @@
       </p:grpSpPr>
       <p:sp>
         <p:nvSpPr>
-          <p:cNvPr id="55" name="PlaceHolder 1"/>
+          <p:cNvPr id="51" name="PlaceHolder 1"/>
           <p:cNvSpPr>
             <a:spLocks noGrp="1"/>
           </p:cNvSpPr>
@@ -793,7 +785,7 @@
         <p:spPr>
           <a:xfrm>
             <a:off x="504000" y="565560"/>
-            <a:ext cx="9071640" cy="946440"/>
+            <a:ext cx="9071280" cy="946080"/>
           </a:xfrm>
           <a:prstGeom prst="rect">
             <a:avLst/>
@@ -804,18 +796,16 @@
             <a:noAutofit/>
           </a:bodyPr>
           <a:p>
+            <a:pPr algn="ctr"/>
             <a:endParaRPr b="0" lang="pt-BR" sz="4400" spc="-1" strike="noStrike">
-              <a:solidFill>
-                <a:srgbClr val="c7243a"/>
-              </a:solidFill>
-              <a:latin typeface="Arial"/>
-            </a:endParaRPr>
-          </a:p>
-        </p:txBody>
-      </p:sp>
-      <p:sp>
-        <p:nvSpPr>
-          <p:cNvPr id="56" name="PlaceHolder 2"/>
+              <a:latin typeface="Arial"/>
+            </a:endParaRPr>
+          </a:p>
+        </p:txBody>
+      </p:sp>
+      <p:sp>
+        <p:nvSpPr>
+          <p:cNvPr id="52" name="PlaceHolder 2"/>
           <p:cNvSpPr>
             <a:spLocks noGrp="1"/>
           </p:cNvSpPr>
@@ -826,7 +816,7 @@
         <p:spPr>
           <a:xfrm>
             <a:off x="504000" y="1656000"/>
-            <a:ext cx="4426920" cy="2958840"/>
+            <a:ext cx="4426560" cy="2958480"/>
           </a:xfrm>
           <a:prstGeom prst="rect">
             <a:avLst/>
@@ -845,7 +835,7 @@
       </p:sp>
       <p:sp>
         <p:nvSpPr>
-          <p:cNvPr id="57" name="PlaceHolder 3"/>
+          <p:cNvPr id="53" name="PlaceHolder 3"/>
           <p:cNvSpPr>
             <a:spLocks noGrp="1"/>
           </p:cNvSpPr>
@@ -855,8 +845,8 @@
         </p:nvSpPr>
         <p:spPr>
           <a:xfrm>
-            <a:off x="5152680" y="1656000"/>
-            <a:ext cx="4426920" cy="2958840"/>
+            <a:off x="5152320" y="1656000"/>
+            <a:ext cx="4426560" cy="2958480"/>
           </a:xfrm>
           <a:prstGeom prst="rect">
             <a:avLst/>
@@ -897,7 +887,7 @@
       </p:grpSpPr>
       <p:sp>
         <p:nvSpPr>
-          <p:cNvPr id="58" name="PlaceHolder 1"/>
+          <p:cNvPr id="54" name="PlaceHolder 1"/>
           <p:cNvSpPr>
             <a:spLocks noGrp="1"/>
           </p:cNvSpPr>
@@ -908,7 +898,7 @@
         <p:spPr>
           <a:xfrm>
             <a:off x="504000" y="565560"/>
-            <a:ext cx="9071640" cy="946440"/>
+            <a:ext cx="9071280" cy="946080"/>
           </a:xfrm>
           <a:prstGeom prst="rect">
             <a:avLst/>
@@ -919,10 +909,8 @@
             <a:noAutofit/>
           </a:bodyPr>
           <a:p>
+            <a:pPr algn="ctr"/>
             <a:endParaRPr b="0" lang="pt-BR" sz="4400" spc="-1" strike="noStrike">
-              <a:solidFill>
-                <a:srgbClr val="c7243a"/>
-              </a:solidFill>
               <a:latin typeface="Arial"/>
             </a:endParaRPr>
           </a:p>
@@ -952,7 +940,7 @@
       </p:grpSpPr>
       <p:sp>
         <p:nvSpPr>
-          <p:cNvPr id="59" name="PlaceHolder 1"/>
+          <p:cNvPr id="55" name="PlaceHolder 1"/>
           <p:cNvSpPr>
             <a:spLocks noGrp="1"/>
           </p:cNvSpPr>
@@ -963,7 +951,7 @@
         <p:spPr>
           <a:xfrm>
             <a:off x="504000" y="565560"/>
-            <a:ext cx="9071640" cy="4388400"/>
+            <a:ext cx="9071280" cy="4386600"/>
           </a:xfrm>
           <a:prstGeom prst="rect">
             <a:avLst/>
@@ -1005,7 +993,7 @@
       </p:grpSpPr>
       <p:sp>
         <p:nvSpPr>
-          <p:cNvPr id="60" name="PlaceHolder 1"/>
+          <p:cNvPr id="56" name="PlaceHolder 1"/>
           <p:cNvSpPr>
             <a:spLocks noGrp="1"/>
           </p:cNvSpPr>
@@ -1016,7 +1004,7 @@
         <p:spPr>
           <a:xfrm>
             <a:off x="504000" y="565560"/>
-            <a:ext cx="9071640" cy="946440"/>
+            <a:ext cx="9071280" cy="946080"/>
           </a:xfrm>
           <a:prstGeom prst="rect">
             <a:avLst/>
@@ -1027,18 +1015,16 @@
             <a:noAutofit/>
           </a:bodyPr>
           <a:p>
+            <a:pPr algn="ctr"/>
             <a:endParaRPr b="0" lang="pt-BR" sz="4400" spc="-1" strike="noStrike">
-              <a:solidFill>
-                <a:srgbClr val="c7243a"/>
-              </a:solidFill>
-              <a:latin typeface="Arial"/>
-            </a:endParaRPr>
-          </a:p>
-        </p:txBody>
-      </p:sp>
-      <p:sp>
-        <p:nvSpPr>
-          <p:cNvPr id="61" name="PlaceHolder 2"/>
+              <a:latin typeface="Arial"/>
+            </a:endParaRPr>
+          </a:p>
+        </p:txBody>
+      </p:sp>
+      <p:sp>
+        <p:nvSpPr>
+          <p:cNvPr id="57" name="PlaceHolder 2"/>
           <p:cNvSpPr>
             <a:spLocks noGrp="1"/>
           </p:cNvSpPr>
@@ -1049,7 +1035,7 @@
         <p:spPr>
           <a:xfrm>
             <a:off x="504000" y="1656000"/>
-            <a:ext cx="4426920" cy="1411200"/>
+            <a:ext cx="4426560" cy="1410840"/>
           </a:xfrm>
           <a:prstGeom prst="rect">
             <a:avLst/>
@@ -1068,7 +1054,7 @@
       </p:sp>
       <p:sp>
         <p:nvSpPr>
-          <p:cNvPr id="62" name="PlaceHolder 3"/>
+          <p:cNvPr id="58" name="PlaceHolder 3"/>
           <p:cNvSpPr>
             <a:spLocks noGrp="1"/>
           </p:cNvSpPr>
@@ -1078,8 +1064,8 @@
         </p:nvSpPr>
         <p:spPr>
           <a:xfrm>
-            <a:off x="5152680" y="1656000"/>
-            <a:ext cx="4426920" cy="2958840"/>
+            <a:off x="5152320" y="1656000"/>
+            <a:ext cx="4426560" cy="2958480"/>
           </a:xfrm>
           <a:prstGeom prst="rect">
             <a:avLst/>
@@ -1098,7 +1084,7 @@
       </p:sp>
       <p:sp>
         <p:nvSpPr>
-          <p:cNvPr id="63" name="PlaceHolder 4"/>
+          <p:cNvPr id="59" name="PlaceHolder 4"/>
           <p:cNvSpPr>
             <a:spLocks noGrp="1"/>
           </p:cNvSpPr>
@@ -1108,8 +1094,8 @@
         </p:nvSpPr>
         <p:spPr>
           <a:xfrm>
-            <a:off x="504000" y="3201480"/>
-            <a:ext cx="4426920" cy="1411200"/>
+            <a:off x="504000" y="3201120"/>
+            <a:ext cx="4426560" cy="1410840"/>
           </a:xfrm>
           <a:prstGeom prst="rect">
             <a:avLst/>
@@ -1150,7 +1136,7 @@
       </p:grpSpPr>
       <p:sp>
         <p:nvSpPr>
-          <p:cNvPr id="7" name="PlaceHolder 1"/>
+          <p:cNvPr id="4" name="PlaceHolder 1"/>
           <p:cNvSpPr>
             <a:spLocks noGrp="1"/>
           </p:cNvSpPr>
@@ -1161,7 +1147,7 @@
         <p:spPr>
           <a:xfrm>
             <a:off x="504000" y="565560"/>
-            <a:ext cx="9071640" cy="946440"/>
+            <a:ext cx="9071280" cy="946080"/>
           </a:xfrm>
           <a:prstGeom prst="rect">
             <a:avLst/>
@@ -1172,18 +1158,16 @@
             <a:noAutofit/>
           </a:bodyPr>
           <a:p>
+            <a:pPr algn="ctr"/>
             <a:endParaRPr b="0" lang="pt-BR" sz="4400" spc="-1" strike="noStrike">
-              <a:solidFill>
-                <a:srgbClr val="c7243a"/>
-              </a:solidFill>
-              <a:latin typeface="Arial"/>
-            </a:endParaRPr>
-          </a:p>
-        </p:txBody>
-      </p:sp>
-      <p:sp>
-        <p:nvSpPr>
-          <p:cNvPr id="8" name="PlaceHolder 2"/>
+              <a:latin typeface="Arial"/>
+            </a:endParaRPr>
+          </a:p>
+        </p:txBody>
+      </p:sp>
+      <p:sp>
+        <p:nvSpPr>
+          <p:cNvPr id="5" name="PlaceHolder 2"/>
           <p:cNvSpPr>
             <a:spLocks noGrp="1"/>
           </p:cNvSpPr>
@@ -1194,7 +1178,7 @@
         <p:spPr>
           <a:xfrm>
             <a:off x="504000" y="1656000"/>
-            <a:ext cx="9071640" cy="2958840"/>
+            <a:ext cx="9071280" cy="2958480"/>
           </a:xfrm>
           <a:prstGeom prst="rect">
             <a:avLst/>
@@ -1236,7 +1220,7 @@
       </p:grpSpPr>
       <p:sp>
         <p:nvSpPr>
-          <p:cNvPr id="64" name="PlaceHolder 1"/>
+          <p:cNvPr id="60" name="PlaceHolder 1"/>
           <p:cNvSpPr>
             <a:spLocks noGrp="1"/>
           </p:cNvSpPr>
@@ -1247,7 +1231,7 @@
         <p:spPr>
           <a:xfrm>
             <a:off x="504000" y="565560"/>
-            <a:ext cx="9071640" cy="946440"/>
+            <a:ext cx="9071280" cy="946080"/>
           </a:xfrm>
           <a:prstGeom prst="rect">
             <a:avLst/>
@@ -1258,18 +1242,16 @@
             <a:noAutofit/>
           </a:bodyPr>
           <a:p>
+            <a:pPr algn="ctr"/>
             <a:endParaRPr b="0" lang="pt-BR" sz="4400" spc="-1" strike="noStrike">
-              <a:solidFill>
-                <a:srgbClr val="c7243a"/>
-              </a:solidFill>
-              <a:latin typeface="Arial"/>
-            </a:endParaRPr>
-          </a:p>
-        </p:txBody>
-      </p:sp>
-      <p:sp>
-        <p:nvSpPr>
-          <p:cNvPr id="65" name="PlaceHolder 2"/>
+              <a:latin typeface="Arial"/>
+            </a:endParaRPr>
+          </a:p>
+        </p:txBody>
+      </p:sp>
+      <p:sp>
+        <p:nvSpPr>
+          <p:cNvPr id="61" name="PlaceHolder 2"/>
           <p:cNvSpPr>
             <a:spLocks noGrp="1"/>
           </p:cNvSpPr>
@@ -1280,7 +1262,7 @@
         <p:spPr>
           <a:xfrm>
             <a:off x="504000" y="1656000"/>
-            <a:ext cx="4426920" cy="2958840"/>
+            <a:ext cx="4426560" cy="2958480"/>
           </a:xfrm>
           <a:prstGeom prst="rect">
             <a:avLst/>
@@ -1299,7 +1281,7 @@
       </p:sp>
       <p:sp>
         <p:nvSpPr>
-          <p:cNvPr id="66" name="PlaceHolder 3"/>
+          <p:cNvPr id="62" name="PlaceHolder 3"/>
           <p:cNvSpPr>
             <a:spLocks noGrp="1"/>
           </p:cNvSpPr>
@@ -1309,8 +1291,8 @@
         </p:nvSpPr>
         <p:spPr>
           <a:xfrm>
-            <a:off x="5152680" y="1656000"/>
-            <a:ext cx="4426920" cy="1411200"/>
+            <a:off x="5152320" y="1656000"/>
+            <a:ext cx="4426560" cy="1410840"/>
           </a:xfrm>
           <a:prstGeom prst="rect">
             <a:avLst/>
@@ -1329,7 +1311,7 @@
       </p:sp>
       <p:sp>
         <p:nvSpPr>
-          <p:cNvPr id="67" name="PlaceHolder 4"/>
+          <p:cNvPr id="63" name="PlaceHolder 4"/>
           <p:cNvSpPr>
             <a:spLocks noGrp="1"/>
           </p:cNvSpPr>
@@ -1339,8 +1321,8 @@
         </p:nvSpPr>
         <p:spPr>
           <a:xfrm>
-            <a:off x="5152680" y="3201480"/>
-            <a:ext cx="4426920" cy="1411200"/>
+            <a:off x="5152320" y="3201120"/>
+            <a:ext cx="4426560" cy="1410840"/>
           </a:xfrm>
           <a:prstGeom prst="rect">
             <a:avLst/>
@@ -1381,7 +1363,7 @@
       </p:grpSpPr>
       <p:sp>
         <p:nvSpPr>
-          <p:cNvPr id="68" name="PlaceHolder 1"/>
+          <p:cNvPr id="64" name="PlaceHolder 1"/>
           <p:cNvSpPr>
             <a:spLocks noGrp="1"/>
           </p:cNvSpPr>
@@ -1392,7 +1374,7 @@
         <p:spPr>
           <a:xfrm>
             <a:off x="504000" y="565560"/>
-            <a:ext cx="9071640" cy="946440"/>
+            <a:ext cx="9071280" cy="946080"/>
           </a:xfrm>
           <a:prstGeom prst="rect">
             <a:avLst/>
@@ -1403,18 +1385,16 @@
             <a:noAutofit/>
           </a:bodyPr>
           <a:p>
+            <a:pPr algn="ctr"/>
             <a:endParaRPr b="0" lang="pt-BR" sz="4400" spc="-1" strike="noStrike">
-              <a:solidFill>
-                <a:srgbClr val="c7243a"/>
-              </a:solidFill>
-              <a:latin typeface="Arial"/>
-            </a:endParaRPr>
-          </a:p>
-        </p:txBody>
-      </p:sp>
-      <p:sp>
-        <p:nvSpPr>
-          <p:cNvPr id="69" name="PlaceHolder 2"/>
+              <a:latin typeface="Arial"/>
+            </a:endParaRPr>
+          </a:p>
+        </p:txBody>
+      </p:sp>
+      <p:sp>
+        <p:nvSpPr>
+          <p:cNvPr id="65" name="PlaceHolder 2"/>
           <p:cNvSpPr>
             <a:spLocks noGrp="1"/>
           </p:cNvSpPr>
@@ -1425,7 +1405,7 @@
         <p:spPr>
           <a:xfrm>
             <a:off x="504000" y="1656000"/>
-            <a:ext cx="4426920" cy="1411200"/>
+            <a:ext cx="4426560" cy="1410840"/>
           </a:xfrm>
           <a:prstGeom prst="rect">
             <a:avLst/>
@@ -1444,7 +1424,7 @@
       </p:sp>
       <p:sp>
         <p:nvSpPr>
-          <p:cNvPr id="70" name="PlaceHolder 3"/>
+          <p:cNvPr id="66" name="PlaceHolder 3"/>
           <p:cNvSpPr>
             <a:spLocks noGrp="1"/>
           </p:cNvSpPr>
@@ -1454,8 +1434,8 @@
         </p:nvSpPr>
         <p:spPr>
           <a:xfrm>
-            <a:off x="5152680" y="1656000"/>
-            <a:ext cx="4426920" cy="1411200"/>
+            <a:off x="5152320" y="1656000"/>
+            <a:ext cx="4426560" cy="1410840"/>
           </a:xfrm>
           <a:prstGeom prst="rect">
             <a:avLst/>
@@ -1474,7 +1454,7 @@
       </p:sp>
       <p:sp>
         <p:nvSpPr>
-          <p:cNvPr id="71" name="PlaceHolder 4"/>
+          <p:cNvPr id="67" name="PlaceHolder 4"/>
           <p:cNvSpPr>
             <a:spLocks noGrp="1"/>
           </p:cNvSpPr>
@@ -1484,8 +1464,8 @@
         </p:nvSpPr>
         <p:spPr>
           <a:xfrm>
-            <a:off x="504000" y="3201480"/>
-            <a:ext cx="9071640" cy="1411200"/>
+            <a:off x="504000" y="3201120"/>
+            <a:ext cx="9071280" cy="1410840"/>
           </a:xfrm>
           <a:prstGeom prst="rect">
             <a:avLst/>
@@ -1526,7 +1506,7 @@
       </p:grpSpPr>
       <p:sp>
         <p:nvSpPr>
-          <p:cNvPr id="72" name="PlaceHolder 1"/>
+          <p:cNvPr id="68" name="PlaceHolder 1"/>
           <p:cNvSpPr>
             <a:spLocks noGrp="1"/>
           </p:cNvSpPr>
@@ -1537,7 +1517,7 @@
         <p:spPr>
           <a:xfrm>
             <a:off x="504000" y="565560"/>
-            <a:ext cx="9071640" cy="946440"/>
+            <a:ext cx="9071280" cy="946080"/>
           </a:xfrm>
           <a:prstGeom prst="rect">
             <a:avLst/>
@@ -1548,18 +1528,16 @@
             <a:noAutofit/>
           </a:bodyPr>
           <a:p>
+            <a:pPr algn="ctr"/>
             <a:endParaRPr b="0" lang="pt-BR" sz="4400" spc="-1" strike="noStrike">
-              <a:solidFill>
-                <a:srgbClr val="c7243a"/>
-              </a:solidFill>
-              <a:latin typeface="Arial"/>
-            </a:endParaRPr>
-          </a:p>
-        </p:txBody>
-      </p:sp>
-      <p:sp>
-        <p:nvSpPr>
-          <p:cNvPr id="73" name="PlaceHolder 2"/>
+              <a:latin typeface="Arial"/>
+            </a:endParaRPr>
+          </a:p>
+        </p:txBody>
+      </p:sp>
+      <p:sp>
+        <p:nvSpPr>
+          <p:cNvPr id="69" name="PlaceHolder 2"/>
           <p:cNvSpPr>
             <a:spLocks noGrp="1"/>
           </p:cNvSpPr>
@@ -1570,7 +1548,7 @@
         <p:spPr>
           <a:xfrm>
             <a:off x="504000" y="1656000"/>
-            <a:ext cx="9071640" cy="1411200"/>
+            <a:ext cx="9071280" cy="1410840"/>
           </a:xfrm>
           <a:prstGeom prst="rect">
             <a:avLst/>
@@ -1589,7 +1567,7 @@
       </p:sp>
       <p:sp>
         <p:nvSpPr>
-          <p:cNvPr id="74" name="PlaceHolder 3"/>
+          <p:cNvPr id="70" name="PlaceHolder 3"/>
           <p:cNvSpPr>
             <a:spLocks noGrp="1"/>
           </p:cNvSpPr>
@@ -1599,8 +1577,8 @@
         </p:nvSpPr>
         <p:spPr>
           <a:xfrm>
-            <a:off x="504000" y="3201480"/>
-            <a:ext cx="9071640" cy="1411200"/>
+            <a:off x="504000" y="3201120"/>
+            <a:ext cx="9071280" cy="1410840"/>
           </a:xfrm>
           <a:prstGeom prst="rect">
             <a:avLst/>
@@ -1641,7 +1619,7 @@
       </p:grpSpPr>
       <p:sp>
         <p:nvSpPr>
-          <p:cNvPr id="75" name="PlaceHolder 1"/>
+          <p:cNvPr id="71" name="PlaceHolder 1"/>
           <p:cNvSpPr>
             <a:spLocks noGrp="1"/>
           </p:cNvSpPr>
@@ -1652,7 +1630,7 @@
         <p:spPr>
           <a:xfrm>
             <a:off x="504000" y="565560"/>
-            <a:ext cx="9071640" cy="946440"/>
+            <a:ext cx="9071280" cy="946080"/>
           </a:xfrm>
           <a:prstGeom prst="rect">
             <a:avLst/>
@@ -1663,18 +1641,16 @@
             <a:noAutofit/>
           </a:bodyPr>
           <a:p>
+            <a:pPr algn="ctr"/>
             <a:endParaRPr b="0" lang="pt-BR" sz="4400" spc="-1" strike="noStrike">
-              <a:solidFill>
-                <a:srgbClr val="c7243a"/>
-              </a:solidFill>
-              <a:latin typeface="Arial"/>
-            </a:endParaRPr>
-          </a:p>
-        </p:txBody>
-      </p:sp>
-      <p:sp>
-        <p:nvSpPr>
-          <p:cNvPr id="76" name="PlaceHolder 2"/>
+              <a:latin typeface="Arial"/>
+            </a:endParaRPr>
+          </a:p>
+        </p:txBody>
+      </p:sp>
+      <p:sp>
+        <p:nvSpPr>
+          <p:cNvPr id="72" name="PlaceHolder 2"/>
           <p:cNvSpPr>
             <a:spLocks noGrp="1"/>
           </p:cNvSpPr>
@@ -1685,7 +1661,7 @@
         <p:spPr>
           <a:xfrm>
             <a:off x="504000" y="1656000"/>
-            <a:ext cx="4426920" cy="1411200"/>
+            <a:ext cx="4426560" cy="1410840"/>
           </a:xfrm>
           <a:prstGeom prst="rect">
             <a:avLst/>
@@ -1704,7 +1680,7 @@
       </p:sp>
       <p:sp>
         <p:nvSpPr>
-          <p:cNvPr id="77" name="PlaceHolder 3"/>
+          <p:cNvPr id="73" name="PlaceHolder 3"/>
           <p:cNvSpPr>
             <a:spLocks noGrp="1"/>
           </p:cNvSpPr>
@@ -1714,8 +1690,8 @@
         </p:nvSpPr>
         <p:spPr>
           <a:xfrm>
-            <a:off x="5152680" y="1656000"/>
-            <a:ext cx="4426920" cy="1411200"/>
+            <a:off x="5152320" y="1656000"/>
+            <a:ext cx="4426560" cy="1410840"/>
           </a:xfrm>
           <a:prstGeom prst="rect">
             <a:avLst/>
@@ -1734,7 +1710,7 @@
       </p:sp>
       <p:sp>
         <p:nvSpPr>
-          <p:cNvPr id="78" name="PlaceHolder 4"/>
+          <p:cNvPr id="74" name="PlaceHolder 4"/>
           <p:cNvSpPr>
             <a:spLocks noGrp="1"/>
           </p:cNvSpPr>
@@ -1744,8 +1720,8 @@
         </p:nvSpPr>
         <p:spPr>
           <a:xfrm>
-            <a:off x="504000" y="3201480"/>
-            <a:ext cx="4426920" cy="1411200"/>
+            <a:off x="504000" y="3201120"/>
+            <a:ext cx="4426560" cy="1410840"/>
           </a:xfrm>
           <a:prstGeom prst="rect">
             <a:avLst/>
@@ -1764,7 +1740,7 @@
       </p:sp>
       <p:sp>
         <p:nvSpPr>
-          <p:cNvPr id="79" name="PlaceHolder 5"/>
+          <p:cNvPr id="75" name="PlaceHolder 5"/>
           <p:cNvSpPr>
             <a:spLocks noGrp="1"/>
           </p:cNvSpPr>
@@ -1774,8 +1750,8 @@
         </p:nvSpPr>
         <p:spPr>
           <a:xfrm>
-            <a:off x="5152680" y="3201480"/>
-            <a:ext cx="4426920" cy="1411200"/>
+            <a:off x="5152320" y="3201120"/>
+            <a:ext cx="4426560" cy="1410840"/>
           </a:xfrm>
           <a:prstGeom prst="rect">
             <a:avLst/>
@@ -1816,7 +1792,7 @@
       </p:grpSpPr>
       <p:sp>
         <p:nvSpPr>
-          <p:cNvPr id="80" name="PlaceHolder 1"/>
+          <p:cNvPr id="76" name="PlaceHolder 1"/>
           <p:cNvSpPr>
             <a:spLocks noGrp="1"/>
           </p:cNvSpPr>
@@ -1827,7 +1803,7 @@
         <p:spPr>
           <a:xfrm>
             <a:off x="504000" y="565560"/>
-            <a:ext cx="9071640" cy="946440"/>
+            <a:ext cx="9071280" cy="946080"/>
           </a:xfrm>
           <a:prstGeom prst="rect">
             <a:avLst/>
@@ -1838,18 +1814,16 @@
             <a:noAutofit/>
           </a:bodyPr>
           <a:p>
+            <a:pPr algn="ctr"/>
             <a:endParaRPr b="0" lang="pt-BR" sz="4400" spc="-1" strike="noStrike">
-              <a:solidFill>
-                <a:srgbClr val="c7243a"/>
-              </a:solidFill>
-              <a:latin typeface="Arial"/>
-            </a:endParaRPr>
-          </a:p>
-        </p:txBody>
-      </p:sp>
-      <p:sp>
-        <p:nvSpPr>
-          <p:cNvPr id="81" name="PlaceHolder 2"/>
+              <a:latin typeface="Arial"/>
+            </a:endParaRPr>
+          </a:p>
+        </p:txBody>
+      </p:sp>
+      <p:sp>
+        <p:nvSpPr>
+          <p:cNvPr id="77" name="PlaceHolder 2"/>
           <p:cNvSpPr>
             <a:spLocks noGrp="1"/>
           </p:cNvSpPr>
@@ -1860,7 +1834,7 @@
         <p:spPr>
           <a:xfrm>
             <a:off x="504000" y="1656000"/>
-            <a:ext cx="2920680" cy="1411200"/>
+            <a:ext cx="2920680" cy="1410840"/>
           </a:xfrm>
           <a:prstGeom prst="rect">
             <a:avLst/>
@@ -1879,7 +1853,7 @@
       </p:sp>
       <p:sp>
         <p:nvSpPr>
-          <p:cNvPr id="82" name="PlaceHolder 3"/>
+          <p:cNvPr id="78" name="PlaceHolder 3"/>
           <p:cNvSpPr>
             <a:spLocks noGrp="1"/>
           </p:cNvSpPr>
@@ -1890,7 +1864,7 @@
         <p:spPr>
           <a:xfrm>
             <a:off x="3571200" y="1656000"/>
-            <a:ext cx="2920680" cy="1411200"/>
+            <a:ext cx="2920680" cy="1410840"/>
           </a:xfrm>
           <a:prstGeom prst="rect">
             <a:avLst/>
@@ -1909,7 +1883,7 @@
       </p:sp>
       <p:sp>
         <p:nvSpPr>
-          <p:cNvPr id="83" name="PlaceHolder 4"/>
+          <p:cNvPr id="79" name="PlaceHolder 4"/>
           <p:cNvSpPr>
             <a:spLocks noGrp="1"/>
           </p:cNvSpPr>
@@ -1920,7 +1894,7 @@
         <p:spPr>
           <a:xfrm>
             <a:off x="6638040" y="1656000"/>
-            <a:ext cx="2920680" cy="1411200"/>
+            <a:ext cx="2920680" cy="1410840"/>
           </a:xfrm>
           <a:prstGeom prst="rect">
             <a:avLst/>
@@ -1939,7 +1913,7 @@
       </p:sp>
       <p:sp>
         <p:nvSpPr>
-          <p:cNvPr id="84" name="PlaceHolder 5"/>
+          <p:cNvPr id="80" name="PlaceHolder 5"/>
           <p:cNvSpPr>
             <a:spLocks noGrp="1"/>
           </p:cNvSpPr>
@@ -1949,8 +1923,8 @@
         </p:nvSpPr>
         <p:spPr>
           <a:xfrm>
-            <a:off x="504000" y="3201480"/>
-            <a:ext cx="2920680" cy="1411200"/>
+            <a:off x="504000" y="3201120"/>
+            <a:ext cx="2920680" cy="1410840"/>
           </a:xfrm>
           <a:prstGeom prst="rect">
             <a:avLst/>
@@ -1969,7 +1943,7 @@
       </p:sp>
       <p:sp>
         <p:nvSpPr>
-          <p:cNvPr id="85" name="PlaceHolder 6"/>
+          <p:cNvPr id="81" name="PlaceHolder 6"/>
           <p:cNvSpPr>
             <a:spLocks noGrp="1"/>
           </p:cNvSpPr>
@@ -1979,8 +1953,8 @@
         </p:nvSpPr>
         <p:spPr>
           <a:xfrm>
-            <a:off x="3571200" y="3201480"/>
-            <a:ext cx="2920680" cy="1411200"/>
+            <a:off x="3571200" y="3201120"/>
+            <a:ext cx="2920680" cy="1410840"/>
           </a:xfrm>
           <a:prstGeom prst="rect">
             <a:avLst/>
@@ -1999,7 +1973,7 @@
       </p:sp>
       <p:sp>
         <p:nvSpPr>
-          <p:cNvPr id="86" name="PlaceHolder 7"/>
+          <p:cNvPr id="82" name="PlaceHolder 7"/>
           <p:cNvSpPr>
             <a:spLocks noGrp="1"/>
           </p:cNvSpPr>
@@ -2009,8 +1983,8 @@
         </p:nvSpPr>
         <p:spPr>
           <a:xfrm>
-            <a:off x="6638040" y="3201480"/>
-            <a:ext cx="2920680" cy="1411200"/>
+            <a:off x="6638040" y="3201120"/>
+            <a:ext cx="2920680" cy="1410840"/>
           </a:xfrm>
           <a:prstGeom prst="rect">
             <a:avLst/>
@@ -2022,6 +1996,361 @@
           </a:bodyPr>
           <a:p>
             <a:endParaRPr b="0" lang="pt-BR" sz="3200" spc="-1" strike="noStrike">
+              <a:latin typeface="Arial"/>
+            </a:endParaRPr>
+          </a:p>
+        </p:txBody>
+      </p:sp>
+    </p:spTree>
+  </p:cSld>
+</p:sldLayout>
+</file>
+
+<file path=ppt/slideLayouts/slideLayout25.xml><?xml version="1.0" encoding="utf-8"?>
+<p:sldLayout xmlns:a="http://schemas.openxmlformats.org/drawingml/2006/main" xmlns:p="http://schemas.openxmlformats.org/presentationml/2006/main" xmlns:r="http://schemas.openxmlformats.org/officeDocument/2006/relationships" xmlns:p14="http://schemas.microsoft.com/office/powerpoint/2010/main" xmlns:p15="http://schemas.microsoft.com/office/powerpoint/2012/main" xmlns:mc="http://schemas.openxmlformats.org/markup-compatibility/2006" type="blank" preserve="1">
+  <p:cSld name="Blank Slide">
+    <p:spTree>
+      <p:nvGrpSpPr>
+        <p:cNvPr id="1" name=""/>
+        <p:cNvGrpSpPr/>
+        <p:nvPr/>
+      </p:nvGrpSpPr>
+      <p:grpSpPr>
+        <a:xfrm>
+          <a:off x="0" y="0"/>
+          <a:ext cx="0" cy="0"/>
+          <a:chOff x="0" y="0"/>
+          <a:chExt cx="0" cy="0"/>
+        </a:xfrm>
+      </p:grpSpPr>
+    </p:spTree>
+  </p:cSld>
+</p:sldLayout>
+</file>
+
+<file path=ppt/slideLayouts/slideLayout26.xml><?xml version="1.0" encoding="utf-8"?>
+<p:sldLayout xmlns:a="http://schemas.openxmlformats.org/drawingml/2006/main" xmlns:p="http://schemas.openxmlformats.org/presentationml/2006/main" xmlns:r="http://schemas.openxmlformats.org/officeDocument/2006/relationships" xmlns:p14="http://schemas.microsoft.com/office/powerpoint/2010/main" xmlns:p15="http://schemas.microsoft.com/office/powerpoint/2012/main" xmlns:mc="http://schemas.openxmlformats.org/markup-compatibility/2006" type="tx" preserve="1">
+  <p:cSld name="Title Slide">
+    <p:spTree>
+      <p:nvGrpSpPr>
+        <p:cNvPr id="1" name=""/>
+        <p:cNvGrpSpPr/>
+        <p:nvPr/>
+      </p:nvGrpSpPr>
+      <p:grpSpPr>
+        <a:xfrm>
+          <a:off x="0" y="0"/>
+          <a:ext cx="0" cy="0"/>
+          <a:chOff x="0" y="0"/>
+          <a:chExt cx="0" cy="0"/>
+        </a:xfrm>
+      </p:grpSpPr>
+      <p:sp>
+        <p:nvSpPr>
+          <p:cNvPr id="90" name="PlaceHolder 1"/>
+          <p:cNvSpPr>
+            <a:spLocks noGrp="1"/>
+          </p:cNvSpPr>
+          <p:nvPr>
+            <p:ph type="title"/>
+          </p:nvPr>
+        </p:nvSpPr>
+        <p:spPr>
+          <a:xfrm>
+            <a:off x="504000" y="565560"/>
+            <a:ext cx="9071280" cy="946080"/>
+          </a:xfrm>
+          <a:prstGeom prst="rect">
+            <a:avLst/>
+          </a:prstGeom>
+        </p:spPr>
+        <p:txBody>
+          <a:bodyPr lIns="0" rIns="0" tIns="0" bIns="0" anchor="ctr">
+            <a:noAutofit/>
+          </a:bodyPr>
+          <a:p>
+            <a:pPr algn="ctr"/>
+            <a:endParaRPr b="0" lang="pt-BR" sz="4400" spc="-1" strike="noStrike">
+              <a:latin typeface="Arial"/>
+            </a:endParaRPr>
+          </a:p>
+        </p:txBody>
+      </p:sp>
+      <p:sp>
+        <p:nvSpPr>
+          <p:cNvPr id="91" name="PlaceHolder 2"/>
+          <p:cNvSpPr>
+            <a:spLocks noGrp="1"/>
+          </p:cNvSpPr>
+          <p:nvPr>
+            <p:ph type="subTitle"/>
+          </p:nvPr>
+        </p:nvSpPr>
+        <p:spPr>
+          <a:xfrm>
+            <a:off x="504000" y="1656000"/>
+            <a:ext cx="9071280" cy="2958480"/>
+          </a:xfrm>
+          <a:prstGeom prst="rect">
+            <a:avLst/>
+          </a:prstGeom>
+        </p:spPr>
+        <p:txBody>
+          <a:bodyPr lIns="0" rIns="0" tIns="0" bIns="0" anchor="ctr">
+            <a:noAutofit/>
+          </a:bodyPr>
+          <a:p>
+            <a:pPr algn="ctr"/>
+            <a:endParaRPr b="0" lang="pt-BR" sz="3200" spc="-1" strike="noStrike">
+              <a:latin typeface="Arial"/>
+            </a:endParaRPr>
+          </a:p>
+        </p:txBody>
+      </p:sp>
+    </p:spTree>
+  </p:cSld>
+</p:sldLayout>
+</file>
+
+<file path=ppt/slideLayouts/slideLayout27.xml><?xml version="1.0" encoding="utf-8"?>
+<p:sldLayout xmlns:a="http://schemas.openxmlformats.org/drawingml/2006/main" xmlns:p="http://schemas.openxmlformats.org/presentationml/2006/main" xmlns:r="http://schemas.openxmlformats.org/officeDocument/2006/relationships" xmlns:p14="http://schemas.microsoft.com/office/powerpoint/2010/main" xmlns:p15="http://schemas.microsoft.com/office/powerpoint/2012/main" xmlns:mc="http://schemas.openxmlformats.org/markup-compatibility/2006" type="obj" preserve="1">
+  <p:cSld name="Title, Content">
+    <p:spTree>
+      <p:nvGrpSpPr>
+        <p:cNvPr id="1" name=""/>
+        <p:cNvGrpSpPr/>
+        <p:nvPr/>
+      </p:nvGrpSpPr>
+      <p:grpSpPr>
+        <a:xfrm>
+          <a:off x="0" y="0"/>
+          <a:ext cx="0" cy="0"/>
+          <a:chOff x="0" y="0"/>
+          <a:chExt cx="0" cy="0"/>
+        </a:xfrm>
+      </p:grpSpPr>
+      <p:sp>
+        <p:nvSpPr>
+          <p:cNvPr id="92" name="PlaceHolder 1"/>
+          <p:cNvSpPr>
+            <a:spLocks noGrp="1"/>
+          </p:cNvSpPr>
+          <p:nvPr>
+            <p:ph type="title"/>
+          </p:nvPr>
+        </p:nvSpPr>
+        <p:spPr>
+          <a:xfrm>
+            <a:off x="504000" y="565560"/>
+            <a:ext cx="9071280" cy="946080"/>
+          </a:xfrm>
+          <a:prstGeom prst="rect">
+            <a:avLst/>
+          </a:prstGeom>
+        </p:spPr>
+        <p:txBody>
+          <a:bodyPr lIns="0" rIns="0" tIns="0" bIns="0" anchor="ctr">
+            <a:noAutofit/>
+          </a:bodyPr>
+          <a:p>
+            <a:pPr algn="ctr"/>
+            <a:endParaRPr b="0" lang="pt-BR" sz="4400" spc="-1" strike="noStrike">
+              <a:latin typeface="Arial"/>
+            </a:endParaRPr>
+          </a:p>
+        </p:txBody>
+      </p:sp>
+      <p:sp>
+        <p:nvSpPr>
+          <p:cNvPr id="93" name="PlaceHolder 2"/>
+          <p:cNvSpPr>
+            <a:spLocks noGrp="1"/>
+          </p:cNvSpPr>
+          <p:nvPr>
+            <p:ph type="body"/>
+          </p:nvPr>
+        </p:nvSpPr>
+        <p:spPr>
+          <a:xfrm>
+            <a:off x="504000" y="1656000"/>
+            <a:ext cx="9071280" cy="2958480"/>
+          </a:xfrm>
+          <a:prstGeom prst="rect">
+            <a:avLst/>
+          </a:prstGeom>
+        </p:spPr>
+        <p:txBody>
+          <a:bodyPr lIns="0" rIns="0" tIns="0" bIns="0">
+            <a:normAutofit/>
+          </a:bodyPr>
+          <a:p>
+            <a:endParaRPr b="0" lang="pt-BR" sz="3200" spc="-1" strike="noStrike">
+              <a:latin typeface="Arial"/>
+            </a:endParaRPr>
+          </a:p>
+        </p:txBody>
+      </p:sp>
+    </p:spTree>
+  </p:cSld>
+</p:sldLayout>
+</file>
+
+<file path=ppt/slideLayouts/slideLayout28.xml><?xml version="1.0" encoding="utf-8"?>
+<p:sldLayout xmlns:a="http://schemas.openxmlformats.org/drawingml/2006/main" xmlns:p="http://schemas.openxmlformats.org/presentationml/2006/main" xmlns:r="http://schemas.openxmlformats.org/officeDocument/2006/relationships" xmlns:p14="http://schemas.microsoft.com/office/powerpoint/2010/main" xmlns:p15="http://schemas.microsoft.com/office/powerpoint/2012/main" xmlns:mc="http://schemas.openxmlformats.org/markup-compatibility/2006" type="twoObj" preserve="1">
+  <p:cSld name="Title, 2 Content">
+    <p:spTree>
+      <p:nvGrpSpPr>
+        <p:cNvPr id="1" name=""/>
+        <p:cNvGrpSpPr/>
+        <p:nvPr/>
+      </p:nvGrpSpPr>
+      <p:grpSpPr>
+        <a:xfrm>
+          <a:off x="0" y="0"/>
+          <a:ext cx="0" cy="0"/>
+          <a:chOff x="0" y="0"/>
+          <a:chExt cx="0" cy="0"/>
+        </a:xfrm>
+      </p:grpSpPr>
+      <p:sp>
+        <p:nvSpPr>
+          <p:cNvPr id="94" name="PlaceHolder 1"/>
+          <p:cNvSpPr>
+            <a:spLocks noGrp="1"/>
+          </p:cNvSpPr>
+          <p:nvPr>
+            <p:ph type="title"/>
+          </p:nvPr>
+        </p:nvSpPr>
+        <p:spPr>
+          <a:xfrm>
+            <a:off x="504000" y="565560"/>
+            <a:ext cx="9071280" cy="946080"/>
+          </a:xfrm>
+          <a:prstGeom prst="rect">
+            <a:avLst/>
+          </a:prstGeom>
+        </p:spPr>
+        <p:txBody>
+          <a:bodyPr lIns="0" rIns="0" tIns="0" bIns="0" anchor="ctr">
+            <a:noAutofit/>
+          </a:bodyPr>
+          <a:p>
+            <a:pPr algn="ctr"/>
+            <a:endParaRPr b="0" lang="pt-BR" sz="4400" spc="-1" strike="noStrike">
+              <a:latin typeface="Arial"/>
+            </a:endParaRPr>
+          </a:p>
+        </p:txBody>
+      </p:sp>
+      <p:sp>
+        <p:nvSpPr>
+          <p:cNvPr id="95" name="PlaceHolder 2"/>
+          <p:cNvSpPr>
+            <a:spLocks noGrp="1"/>
+          </p:cNvSpPr>
+          <p:nvPr>
+            <p:ph type="body"/>
+          </p:nvPr>
+        </p:nvSpPr>
+        <p:spPr>
+          <a:xfrm>
+            <a:off x="504000" y="1656000"/>
+            <a:ext cx="4426560" cy="2958480"/>
+          </a:xfrm>
+          <a:prstGeom prst="rect">
+            <a:avLst/>
+          </a:prstGeom>
+        </p:spPr>
+        <p:txBody>
+          <a:bodyPr lIns="0" rIns="0" tIns="0" bIns="0">
+            <a:normAutofit/>
+          </a:bodyPr>
+          <a:p>
+            <a:endParaRPr b="0" lang="pt-BR" sz="3200" spc="-1" strike="noStrike">
+              <a:latin typeface="Arial"/>
+            </a:endParaRPr>
+          </a:p>
+        </p:txBody>
+      </p:sp>
+      <p:sp>
+        <p:nvSpPr>
+          <p:cNvPr id="96" name="PlaceHolder 3"/>
+          <p:cNvSpPr>
+            <a:spLocks noGrp="1"/>
+          </p:cNvSpPr>
+          <p:nvPr>
+            <p:ph type="body"/>
+          </p:nvPr>
+        </p:nvSpPr>
+        <p:spPr>
+          <a:xfrm>
+            <a:off x="5152320" y="1656000"/>
+            <a:ext cx="4426560" cy="2958480"/>
+          </a:xfrm>
+          <a:prstGeom prst="rect">
+            <a:avLst/>
+          </a:prstGeom>
+        </p:spPr>
+        <p:txBody>
+          <a:bodyPr lIns="0" rIns="0" tIns="0" bIns="0">
+            <a:normAutofit/>
+          </a:bodyPr>
+          <a:p>
+            <a:endParaRPr b="0" lang="pt-BR" sz="3200" spc="-1" strike="noStrike">
+              <a:latin typeface="Arial"/>
+            </a:endParaRPr>
+          </a:p>
+        </p:txBody>
+      </p:sp>
+    </p:spTree>
+  </p:cSld>
+</p:sldLayout>
+</file>
+
+<file path=ppt/slideLayouts/slideLayout29.xml><?xml version="1.0" encoding="utf-8"?>
+<p:sldLayout xmlns:a="http://schemas.openxmlformats.org/drawingml/2006/main" xmlns:p="http://schemas.openxmlformats.org/presentationml/2006/main" xmlns:r="http://schemas.openxmlformats.org/officeDocument/2006/relationships" xmlns:p14="http://schemas.microsoft.com/office/powerpoint/2010/main" xmlns:p15="http://schemas.microsoft.com/office/powerpoint/2012/main" xmlns:mc="http://schemas.openxmlformats.org/markup-compatibility/2006" type="titleOnly" preserve="1">
+  <p:cSld name="Title Only">
+    <p:spTree>
+      <p:nvGrpSpPr>
+        <p:cNvPr id="1" name=""/>
+        <p:cNvGrpSpPr/>
+        <p:nvPr/>
+      </p:nvGrpSpPr>
+      <p:grpSpPr>
+        <a:xfrm>
+          <a:off x="0" y="0"/>
+          <a:ext cx="0" cy="0"/>
+          <a:chOff x="0" y="0"/>
+          <a:chExt cx="0" cy="0"/>
+        </a:xfrm>
+      </p:grpSpPr>
+      <p:sp>
+        <p:nvSpPr>
+          <p:cNvPr id="97" name="PlaceHolder 1"/>
+          <p:cNvSpPr>
+            <a:spLocks noGrp="1"/>
+          </p:cNvSpPr>
+          <p:nvPr>
+            <p:ph type="title"/>
+          </p:nvPr>
+        </p:nvSpPr>
+        <p:spPr>
+          <a:xfrm>
+            <a:off x="504000" y="565560"/>
+            <a:ext cx="9071280" cy="946080"/>
+          </a:xfrm>
+          <a:prstGeom prst="rect">
+            <a:avLst/>
+          </a:prstGeom>
+        </p:spPr>
+        <p:txBody>
+          <a:bodyPr lIns="0" rIns="0" tIns="0" bIns="0" anchor="ctr">
+            <a:noAutofit/>
+          </a:bodyPr>
+          <a:p>
+            <a:pPr algn="ctr"/>
+            <a:endParaRPr b="0" lang="pt-BR" sz="4400" spc="-1" strike="noStrike">
               <a:latin typeface="Arial"/>
             </a:endParaRPr>
           </a:p>
@@ -2051,7 +2380,7 @@
       </p:grpSpPr>
       <p:sp>
         <p:nvSpPr>
-          <p:cNvPr id="9" name="PlaceHolder 1"/>
+          <p:cNvPr id="6" name="PlaceHolder 1"/>
           <p:cNvSpPr>
             <a:spLocks noGrp="1"/>
           </p:cNvSpPr>
@@ -2062,7 +2391,7 @@
         <p:spPr>
           <a:xfrm>
             <a:off x="504000" y="565560"/>
-            <a:ext cx="9071640" cy="946440"/>
+            <a:ext cx="9071280" cy="946080"/>
           </a:xfrm>
           <a:prstGeom prst="rect">
             <a:avLst/>
@@ -2073,18 +2402,16 @@
             <a:noAutofit/>
           </a:bodyPr>
           <a:p>
+            <a:pPr algn="ctr"/>
             <a:endParaRPr b="0" lang="pt-BR" sz="4400" spc="-1" strike="noStrike">
-              <a:solidFill>
-                <a:srgbClr val="c7243a"/>
-              </a:solidFill>
-              <a:latin typeface="Arial"/>
-            </a:endParaRPr>
-          </a:p>
-        </p:txBody>
-      </p:sp>
-      <p:sp>
-        <p:nvSpPr>
-          <p:cNvPr id="10" name="PlaceHolder 2"/>
+              <a:latin typeface="Arial"/>
+            </a:endParaRPr>
+          </a:p>
+        </p:txBody>
+      </p:sp>
+      <p:sp>
+        <p:nvSpPr>
+          <p:cNvPr id="7" name="PlaceHolder 2"/>
           <p:cNvSpPr>
             <a:spLocks noGrp="1"/>
           </p:cNvSpPr>
@@ -2095,7 +2422,1008 @@
         <p:spPr>
           <a:xfrm>
             <a:off x="504000" y="1656000"/>
-            <a:ext cx="9071640" cy="2958840"/>
+            <a:ext cx="9071280" cy="2958480"/>
+          </a:xfrm>
+          <a:prstGeom prst="rect">
+            <a:avLst/>
+          </a:prstGeom>
+        </p:spPr>
+        <p:txBody>
+          <a:bodyPr lIns="0" rIns="0" tIns="0" bIns="0">
+            <a:normAutofit/>
+          </a:bodyPr>
+          <a:p>
+            <a:endParaRPr b="0" lang="pt-BR" sz="3200" spc="-1" strike="noStrike">
+              <a:latin typeface="Arial"/>
+            </a:endParaRPr>
+          </a:p>
+        </p:txBody>
+      </p:sp>
+    </p:spTree>
+  </p:cSld>
+</p:sldLayout>
+</file>
+
+<file path=ppt/slideLayouts/slideLayout30.xml><?xml version="1.0" encoding="utf-8"?>
+<p:sldLayout xmlns:a="http://schemas.openxmlformats.org/drawingml/2006/main" xmlns:p="http://schemas.openxmlformats.org/presentationml/2006/main" xmlns:r="http://schemas.openxmlformats.org/officeDocument/2006/relationships" xmlns:p14="http://schemas.microsoft.com/office/powerpoint/2010/main" xmlns:p15="http://schemas.microsoft.com/office/powerpoint/2012/main" xmlns:mc="http://schemas.openxmlformats.org/markup-compatibility/2006" type="objOnly" preserve="1">
+  <p:cSld name="Centered Text">
+    <p:spTree>
+      <p:nvGrpSpPr>
+        <p:cNvPr id="1" name=""/>
+        <p:cNvGrpSpPr/>
+        <p:nvPr/>
+      </p:nvGrpSpPr>
+      <p:grpSpPr>
+        <a:xfrm>
+          <a:off x="0" y="0"/>
+          <a:ext cx="0" cy="0"/>
+          <a:chOff x="0" y="0"/>
+          <a:chExt cx="0" cy="0"/>
+        </a:xfrm>
+      </p:grpSpPr>
+      <p:sp>
+        <p:nvSpPr>
+          <p:cNvPr id="98" name="PlaceHolder 1"/>
+          <p:cNvSpPr>
+            <a:spLocks noGrp="1"/>
+          </p:cNvSpPr>
+          <p:nvPr>
+            <p:ph type="subTitle"/>
+          </p:nvPr>
+        </p:nvSpPr>
+        <p:spPr>
+          <a:xfrm>
+            <a:off x="504000" y="565560"/>
+            <a:ext cx="9071280" cy="4386600"/>
+          </a:xfrm>
+          <a:prstGeom prst="rect">
+            <a:avLst/>
+          </a:prstGeom>
+        </p:spPr>
+        <p:txBody>
+          <a:bodyPr lIns="0" rIns="0" tIns="0" bIns="0" anchor="ctr">
+            <a:noAutofit/>
+          </a:bodyPr>
+          <a:p>
+            <a:pPr algn="ctr"/>
+            <a:endParaRPr b="0" lang="pt-BR" sz="3200" spc="-1" strike="noStrike">
+              <a:latin typeface="Arial"/>
+            </a:endParaRPr>
+          </a:p>
+        </p:txBody>
+      </p:sp>
+    </p:spTree>
+  </p:cSld>
+</p:sldLayout>
+</file>
+
+<file path=ppt/slideLayouts/slideLayout31.xml><?xml version="1.0" encoding="utf-8"?>
+<p:sldLayout xmlns:a="http://schemas.openxmlformats.org/drawingml/2006/main" xmlns:p="http://schemas.openxmlformats.org/presentationml/2006/main" xmlns:r="http://schemas.openxmlformats.org/officeDocument/2006/relationships" xmlns:p14="http://schemas.microsoft.com/office/powerpoint/2010/main" xmlns:p15="http://schemas.microsoft.com/office/powerpoint/2012/main" xmlns:mc="http://schemas.openxmlformats.org/markup-compatibility/2006" type="twoObjAndObj" preserve="1">
+  <p:cSld name="Title, 2 Content and Content">
+    <p:spTree>
+      <p:nvGrpSpPr>
+        <p:cNvPr id="1" name=""/>
+        <p:cNvGrpSpPr/>
+        <p:nvPr/>
+      </p:nvGrpSpPr>
+      <p:grpSpPr>
+        <a:xfrm>
+          <a:off x="0" y="0"/>
+          <a:ext cx="0" cy="0"/>
+          <a:chOff x="0" y="0"/>
+          <a:chExt cx="0" cy="0"/>
+        </a:xfrm>
+      </p:grpSpPr>
+      <p:sp>
+        <p:nvSpPr>
+          <p:cNvPr id="99" name="PlaceHolder 1"/>
+          <p:cNvSpPr>
+            <a:spLocks noGrp="1"/>
+          </p:cNvSpPr>
+          <p:nvPr>
+            <p:ph type="title"/>
+          </p:nvPr>
+        </p:nvSpPr>
+        <p:spPr>
+          <a:xfrm>
+            <a:off x="504000" y="565560"/>
+            <a:ext cx="9071280" cy="946080"/>
+          </a:xfrm>
+          <a:prstGeom prst="rect">
+            <a:avLst/>
+          </a:prstGeom>
+        </p:spPr>
+        <p:txBody>
+          <a:bodyPr lIns="0" rIns="0" tIns="0" bIns="0" anchor="ctr">
+            <a:noAutofit/>
+          </a:bodyPr>
+          <a:p>
+            <a:pPr algn="ctr"/>
+            <a:endParaRPr b="0" lang="pt-BR" sz="4400" spc="-1" strike="noStrike">
+              <a:latin typeface="Arial"/>
+            </a:endParaRPr>
+          </a:p>
+        </p:txBody>
+      </p:sp>
+      <p:sp>
+        <p:nvSpPr>
+          <p:cNvPr id="100" name="PlaceHolder 2"/>
+          <p:cNvSpPr>
+            <a:spLocks noGrp="1"/>
+          </p:cNvSpPr>
+          <p:nvPr>
+            <p:ph type="body"/>
+          </p:nvPr>
+        </p:nvSpPr>
+        <p:spPr>
+          <a:xfrm>
+            <a:off x="504000" y="1656000"/>
+            <a:ext cx="4426560" cy="1410840"/>
+          </a:xfrm>
+          <a:prstGeom prst="rect">
+            <a:avLst/>
+          </a:prstGeom>
+        </p:spPr>
+        <p:txBody>
+          <a:bodyPr lIns="0" rIns="0" tIns="0" bIns="0">
+            <a:normAutofit/>
+          </a:bodyPr>
+          <a:p>
+            <a:endParaRPr b="0" lang="pt-BR" sz="3200" spc="-1" strike="noStrike">
+              <a:latin typeface="Arial"/>
+            </a:endParaRPr>
+          </a:p>
+        </p:txBody>
+      </p:sp>
+      <p:sp>
+        <p:nvSpPr>
+          <p:cNvPr id="101" name="PlaceHolder 3"/>
+          <p:cNvSpPr>
+            <a:spLocks noGrp="1"/>
+          </p:cNvSpPr>
+          <p:nvPr>
+            <p:ph type="body"/>
+          </p:nvPr>
+        </p:nvSpPr>
+        <p:spPr>
+          <a:xfrm>
+            <a:off x="5152320" y="1656000"/>
+            <a:ext cx="4426560" cy="2958480"/>
+          </a:xfrm>
+          <a:prstGeom prst="rect">
+            <a:avLst/>
+          </a:prstGeom>
+        </p:spPr>
+        <p:txBody>
+          <a:bodyPr lIns="0" rIns="0" tIns="0" bIns="0">
+            <a:normAutofit/>
+          </a:bodyPr>
+          <a:p>
+            <a:endParaRPr b="0" lang="pt-BR" sz="3200" spc="-1" strike="noStrike">
+              <a:latin typeface="Arial"/>
+            </a:endParaRPr>
+          </a:p>
+        </p:txBody>
+      </p:sp>
+      <p:sp>
+        <p:nvSpPr>
+          <p:cNvPr id="102" name="PlaceHolder 4"/>
+          <p:cNvSpPr>
+            <a:spLocks noGrp="1"/>
+          </p:cNvSpPr>
+          <p:nvPr>
+            <p:ph type="body"/>
+          </p:nvPr>
+        </p:nvSpPr>
+        <p:spPr>
+          <a:xfrm>
+            <a:off x="504000" y="3201120"/>
+            <a:ext cx="4426560" cy="1410840"/>
+          </a:xfrm>
+          <a:prstGeom prst="rect">
+            <a:avLst/>
+          </a:prstGeom>
+        </p:spPr>
+        <p:txBody>
+          <a:bodyPr lIns="0" rIns="0" tIns="0" bIns="0">
+            <a:normAutofit/>
+          </a:bodyPr>
+          <a:p>
+            <a:endParaRPr b="0" lang="pt-BR" sz="3200" spc="-1" strike="noStrike">
+              <a:latin typeface="Arial"/>
+            </a:endParaRPr>
+          </a:p>
+        </p:txBody>
+      </p:sp>
+    </p:spTree>
+  </p:cSld>
+</p:sldLayout>
+</file>
+
+<file path=ppt/slideLayouts/slideLayout32.xml><?xml version="1.0" encoding="utf-8"?>
+<p:sldLayout xmlns:a="http://schemas.openxmlformats.org/drawingml/2006/main" xmlns:p="http://schemas.openxmlformats.org/presentationml/2006/main" xmlns:r="http://schemas.openxmlformats.org/officeDocument/2006/relationships" xmlns:p14="http://schemas.microsoft.com/office/powerpoint/2010/main" xmlns:p15="http://schemas.microsoft.com/office/powerpoint/2012/main" xmlns:mc="http://schemas.openxmlformats.org/markup-compatibility/2006" type="objAndTwoObj" preserve="1">
+  <p:cSld name="Title Content and 2 Content">
+    <p:spTree>
+      <p:nvGrpSpPr>
+        <p:cNvPr id="1" name=""/>
+        <p:cNvGrpSpPr/>
+        <p:nvPr/>
+      </p:nvGrpSpPr>
+      <p:grpSpPr>
+        <a:xfrm>
+          <a:off x="0" y="0"/>
+          <a:ext cx="0" cy="0"/>
+          <a:chOff x="0" y="0"/>
+          <a:chExt cx="0" cy="0"/>
+        </a:xfrm>
+      </p:grpSpPr>
+      <p:sp>
+        <p:nvSpPr>
+          <p:cNvPr id="103" name="PlaceHolder 1"/>
+          <p:cNvSpPr>
+            <a:spLocks noGrp="1"/>
+          </p:cNvSpPr>
+          <p:nvPr>
+            <p:ph type="title"/>
+          </p:nvPr>
+        </p:nvSpPr>
+        <p:spPr>
+          <a:xfrm>
+            <a:off x="504000" y="565560"/>
+            <a:ext cx="9071280" cy="946080"/>
+          </a:xfrm>
+          <a:prstGeom prst="rect">
+            <a:avLst/>
+          </a:prstGeom>
+        </p:spPr>
+        <p:txBody>
+          <a:bodyPr lIns="0" rIns="0" tIns="0" bIns="0" anchor="ctr">
+            <a:noAutofit/>
+          </a:bodyPr>
+          <a:p>
+            <a:pPr algn="ctr"/>
+            <a:endParaRPr b="0" lang="pt-BR" sz="4400" spc="-1" strike="noStrike">
+              <a:latin typeface="Arial"/>
+            </a:endParaRPr>
+          </a:p>
+        </p:txBody>
+      </p:sp>
+      <p:sp>
+        <p:nvSpPr>
+          <p:cNvPr id="104" name="PlaceHolder 2"/>
+          <p:cNvSpPr>
+            <a:spLocks noGrp="1"/>
+          </p:cNvSpPr>
+          <p:nvPr>
+            <p:ph type="body"/>
+          </p:nvPr>
+        </p:nvSpPr>
+        <p:spPr>
+          <a:xfrm>
+            <a:off x="504000" y="1656000"/>
+            <a:ext cx="4426560" cy="2958480"/>
+          </a:xfrm>
+          <a:prstGeom prst="rect">
+            <a:avLst/>
+          </a:prstGeom>
+        </p:spPr>
+        <p:txBody>
+          <a:bodyPr lIns="0" rIns="0" tIns="0" bIns="0">
+            <a:normAutofit/>
+          </a:bodyPr>
+          <a:p>
+            <a:endParaRPr b="0" lang="pt-BR" sz="3200" spc="-1" strike="noStrike">
+              <a:latin typeface="Arial"/>
+            </a:endParaRPr>
+          </a:p>
+        </p:txBody>
+      </p:sp>
+      <p:sp>
+        <p:nvSpPr>
+          <p:cNvPr id="105" name="PlaceHolder 3"/>
+          <p:cNvSpPr>
+            <a:spLocks noGrp="1"/>
+          </p:cNvSpPr>
+          <p:nvPr>
+            <p:ph type="body"/>
+          </p:nvPr>
+        </p:nvSpPr>
+        <p:spPr>
+          <a:xfrm>
+            <a:off x="5152320" y="1656000"/>
+            <a:ext cx="4426560" cy="1410840"/>
+          </a:xfrm>
+          <a:prstGeom prst="rect">
+            <a:avLst/>
+          </a:prstGeom>
+        </p:spPr>
+        <p:txBody>
+          <a:bodyPr lIns="0" rIns="0" tIns="0" bIns="0">
+            <a:normAutofit/>
+          </a:bodyPr>
+          <a:p>
+            <a:endParaRPr b="0" lang="pt-BR" sz="3200" spc="-1" strike="noStrike">
+              <a:latin typeface="Arial"/>
+            </a:endParaRPr>
+          </a:p>
+        </p:txBody>
+      </p:sp>
+      <p:sp>
+        <p:nvSpPr>
+          <p:cNvPr id="106" name="PlaceHolder 4"/>
+          <p:cNvSpPr>
+            <a:spLocks noGrp="1"/>
+          </p:cNvSpPr>
+          <p:nvPr>
+            <p:ph type="body"/>
+          </p:nvPr>
+        </p:nvSpPr>
+        <p:spPr>
+          <a:xfrm>
+            <a:off x="5152320" y="3201120"/>
+            <a:ext cx="4426560" cy="1410840"/>
+          </a:xfrm>
+          <a:prstGeom prst="rect">
+            <a:avLst/>
+          </a:prstGeom>
+        </p:spPr>
+        <p:txBody>
+          <a:bodyPr lIns="0" rIns="0" tIns="0" bIns="0">
+            <a:normAutofit/>
+          </a:bodyPr>
+          <a:p>
+            <a:endParaRPr b="0" lang="pt-BR" sz="3200" spc="-1" strike="noStrike">
+              <a:latin typeface="Arial"/>
+            </a:endParaRPr>
+          </a:p>
+        </p:txBody>
+      </p:sp>
+    </p:spTree>
+  </p:cSld>
+</p:sldLayout>
+</file>
+
+<file path=ppt/slideLayouts/slideLayout33.xml><?xml version="1.0" encoding="utf-8"?>
+<p:sldLayout xmlns:a="http://schemas.openxmlformats.org/drawingml/2006/main" xmlns:p="http://schemas.openxmlformats.org/presentationml/2006/main" xmlns:r="http://schemas.openxmlformats.org/officeDocument/2006/relationships" xmlns:p14="http://schemas.microsoft.com/office/powerpoint/2010/main" xmlns:p15="http://schemas.microsoft.com/office/powerpoint/2012/main" xmlns:mc="http://schemas.openxmlformats.org/markup-compatibility/2006" type="twoObjOverTx" preserve="1">
+  <p:cSld name="Title, 2 Content over Content">
+    <p:spTree>
+      <p:nvGrpSpPr>
+        <p:cNvPr id="1" name=""/>
+        <p:cNvGrpSpPr/>
+        <p:nvPr/>
+      </p:nvGrpSpPr>
+      <p:grpSpPr>
+        <a:xfrm>
+          <a:off x="0" y="0"/>
+          <a:ext cx="0" cy="0"/>
+          <a:chOff x="0" y="0"/>
+          <a:chExt cx="0" cy="0"/>
+        </a:xfrm>
+      </p:grpSpPr>
+      <p:sp>
+        <p:nvSpPr>
+          <p:cNvPr id="107" name="PlaceHolder 1"/>
+          <p:cNvSpPr>
+            <a:spLocks noGrp="1"/>
+          </p:cNvSpPr>
+          <p:nvPr>
+            <p:ph type="title"/>
+          </p:nvPr>
+        </p:nvSpPr>
+        <p:spPr>
+          <a:xfrm>
+            <a:off x="504000" y="565560"/>
+            <a:ext cx="9071280" cy="946080"/>
+          </a:xfrm>
+          <a:prstGeom prst="rect">
+            <a:avLst/>
+          </a:prstGeom>
+        </p:spPr>
+        <p:txBody>
+          <a:bodyPr lIns="0" rIns="0" tIns="0" bIns="0" anchor="ctr">
+            <a:noAutofit/>
+          </a:bodyPr>
+          <a:p>
+            <a:pPr algn="ctr"/>
+            <a:endParaRPr b="0" lang="pt-BR" sz="4400" spc="-1" strike="noStrike">
+              <a:latin typeface="Arial"/>
+            </a:endParaRPr>
+          </a:p>
+        </p:txBody>
+      </p:sp>
+      <p:sp>
+        <p:nvSpPr>
+          <p:cNvPr id="108" name="PlaceHolder 2"/>
+          <p:cNvSpPr>
+            <a:spLocks noGrp="1"/>
+          </p:cNvSpPr>
+          <p:nvPr>
+            <p:ph type="body"/>
+          </p:nvPr>
+        </p:nvSpPr>
+        <p:spPr>
+          <a:xfrm>
+            <a:off x="504000" y="1656000"/>
+            <a:ext cx="4426560" cy="1410840"/>
+          </a:xfrm>
+          <a:prstGeom prst="rect">
+            <a:avLst/>
+          </a:prstGeom>
+        </p:spPr>
+        <p:txBody>
+          <a:bodyPr lIns="0" rIns="0" tIns="0" bIns="0">
+            <a:normAutofit/>
+          </a:bodyPr>
+          <a:p>
+            <a:endParaRPr b="0" lang="pt-BR" sz="3200" spc="-1" strike="noStrike">
+              <a:latin typeface="Arial"/>
+            </a:endParaRPr>
+          </a:p>
+        </p:txBody>
+      </p:sp>
+      <p:sp>
+        <p:nvSpPr>
+          <p:cNvPr id="109" name="PlaceHolder 3"/>
+          <p:cNvSpPr>
+            <a:spLocks noGrp="1"/>
+          </p:cNvSpPr>
+          <p:nvPr>
+            <p:ph type="body"/>
+          </p:nvPr>
+        </p:nvSpPr>
+        <p:spPr>
+          <a:xfrm>
+            <a:off x="5152320" y="1656000"/>
+            <a:ext cx="4426560" cy="1410840"/>
+          </a:xfrm>
+          <a:prstGeom prst="rect">
+            <a:avLst/>
+          </a:prstGeom>
+        </p:spPr>
+        <p:txBody>
+          <a:bodyPr lIns="0" rIns="0" tIns="0" bIns="0">
+            <a:normAutofit/>
+          </a:bodyPr>
+          <a:p>
+            <a:endParaRPr b="0" lang="pt-BR" sz="3200" spc="-1" strike="noStrike">
+              <a:latin typeface="Arial"/>
+            </a:endParaRPr>
+          </a:p>
+        </p:txBody>
+      </p:sp>
+      <p:sp>
+        <p:nvSpPr>
+          <p:cNvPr id="110" name="PlaceHolder 4"/>
+          <p:cNvSpPr>
+            <a:spLocks noGrp="1"/>
+          </p:cNvSpPr>
+          <p:nvPr>
+            <p:ph type="body"/>
+          </p:nvPr>
+        </p:nvSpPr>
+        <p:spPr>
+          <a:xfrm>
+            <a:off x="504000" y="3201120"/>
+            <a:ext cx="9071280" cy="1410840"/>
+          </a:xfrm>
+          <a:prstGeom prst="rect">
+            <a:avLst/>
+          </a:prstGeom>
+        </p:spPr>
+        <p:txBody>
+          <a:bodyPr lIns="0" rIns="0" tIns="0" bIns="0">
+            <a:normAutofit/>
+          </a:bodyPr>
+          <a:p>
+            <a:endParaRPr b="0" lang="pt-BR" sz="3200" spc="-1" strike="noStrike">
+              <a:latin typeface="Arial"/>
+            </a:endParaRPr>
+          </a:p>
+        </p:txBody>
+      </p:sp>
+    </p:spTree>
+  </p:cSld>
+</p:sldLayout>
+</file>
+
+<file path=ppt/slideLayouts/slideLayout34.xml><?xml version="1.0" encoding="utf-8"?>
+<p:sldLayout xmlns:a="http://schemas.openxmlformats.org/drawingml/2006/main" xmlns:p="http://schemas.openxmlformats.org/presentationml/2006/main" xmlns:r="http://schemas.openxmlformats.org/officeDocument/2006/relationships" xmlns:p14="http://schemas.microsoft.com/office/powerpoint/2010/main" xmlns:p15="http://schemas.microsoft.com/office/powerpoint/2012/main" xmlns:mc="http://schemas.openxmlformats.org/markup-compatibility/2006" type="objOverTx" preserve="1">
+  <p:cSld name="Title, Content over Content">
+    <p:spTree>
+      <p:nvGrpSpPr>
+        <p:cNvPr id="1" name=""/>
+        <p:cNvGrpSpPr/>
+        <p:nvPr/>
+      </p:nvGrpSpPr>
+      <p:grpSpPr>
+        <a:xfrm>
+          <a:off x="0" y="0"/>
+          <a:ext cx="0" cy="0"/>
+          <a:chOff x="0" y="0"/>
+          <a:chExt cx="0" cy="0"/>
+        </a:xfrm>
+      </p:grpSpPr>
+      <p:sp>
+        <p:nvSpPr>
+          <p:cNvPr id="111" name="PlaceHolder 1"/>
+          <p:cNvSpPr>
+            <a:spLocks noGrp="1"/>
+          </p:cNvSpPr>
+          <p:nvPr>
+            <p:ph type="title"/>
+          </p:nvPr>
+        </p:nvSpPr>
+        <p:spPr>
+          <a:xfrm>
+            <a:off x="504000" y="565560"/>
+            <a:ext cx="9071280" cy="946080"/>
+          </a:xfrm>
+          <a:prstGeom prst="rect">
+            <a:avLst/>
+          </a:prstGeom>
+        </p:spPr>
+        <p:txBody>
+          <a:bodyPr lIns="0" rIns="0" tIns="0" bIns="0" anchor="ctr">
+            <a:noAutofit/>
+          </a:bodyPr>
+          <a:p>
+            <a:pPr algn="ctr"/>
+            <a:endParaRPr b="0" lang="pt-BR" sz="4400" spc="-1" strike="noStrike">
+              <a:latin typeface="Arial"/>
+            </a:endParaRPr>
+          </a:p>
+        </p:txBody>
+      </p:sp>
+      <p:sp>
+        <p:nvSpPr>
+          <p:cNvPr id="112" name="PlaceHolder 2"/>
+          <p:cNvSpPr>
+            <a:spLocks noGrp="1"/>
+          </p:cNvSpPr>
+          <p:nvPr>
+            <p:ph type="body"/>
+          </p:nvPr>
+        </p:nvSpPr>
+        <p:spPr>
+          <a:xfrm>
+            <a:off x="504000" y="1656000"/>
+            <a:ext cx="9071280" cy="1410840"/>
+          </a:xfrm>
+          <a:prstGeom prst="rect">
+            <a:avLst/>
+          </a:prstGeom>
+        </p:spPr>
+        <p:txBody>
+          <a:bodyPr lIns="0" rIns="0" tIns="0" bIns="0">
+            <a:normAutofit/>
+          </a:bodyPr>
+          <a:p>
+            <a:endParaRPr b="0" lang="pt-BR" sz="3200" spc="-1" strike="noStrike">
+              <a:latin typeface="Arial"/>
+            </a:endParaRPr>
+          </a:p>
+        </p:txBody>
+      </p:sp>
+      <p:sp>
+        <p:nvSpPr>
+          <p:cNvPr id="113" name="PlaceHolder 3"/>
+          <p:cNvSpPr>
+            <a:spLocks noGrp="1"/>
+          </p:cNvSpPr>
+          <p:nvPr>
+            <p:ph type="body"/>
+          </p:nvPr>
+        </p:nvSpPr>
+        <p:spPr>
+          <a:xfrm>
+            <a:off x="504000" y="3201120"/>
+            <a:ext cx="9071280" cy="1410840"/>
+          </a:xfrm>
+          <a:prstGeom prst="rect">
+            <a:avLst/>
+          </a:prstGeom>
+        </p:spPr>
+        <p:txBody>
+          <a:bodyPr lIns="0" rIns="0" tIns="0" bIns="0">
+            <a:normAutofit/>
+          </a:bodyPr>
+          <a:p>
+            <a:endParaRPr b="0" lang="pt-BR" sz="3200" spc="-1" strike="noStrike">
+              <a:latin typeface="Arial"/>
+            </a:endParaRPr>
+          </a:p>
+        </p:txBody>
+      </p:sp>
+    </p:spTree>
+  </p:cSld>
+</p:sldLayout>
+</file>
+
+<file path=ppt/slideLayouts/slideLayout35.xml><?xml version="1.0" encoding="utf-8"?>
+<p:sldLayout xmlns:a="http://schemas.openxmlformats.org/drawingml/2006/main" xmlns:p="http://schemas.openxmlformats.org/presentationml/2006/main" xmlns:r="http://schemas.openxmlformats.org/officeDocument/2006/relationships" xmlns:p14="http://schemas.microsoft.com/office/powerpoint/2010/main" xmlns:p15="http://schemas.microsoft.com/office/powerpoint/2012/main" xmlns:mc="http://schemas.openxmlformats.org/markup-compatibility/2006" type="fourObj" preserve="1">
+  <p:cSld name="Title, 4 Content">
+    <p:spTree>
+      <p:nvGrpSpPr>
+        <p:cNvPr id="1" name=""/>
+        <p:cNvGrpSpPr/>
+        <p:nvPr/>
+      </p:nvGrpSpPr>
+      <p:grpSpPr>
+        <a:xfrm>
+          <a:off x="0" y="0"/>
+          <a:ext cx="0" cy="0"/>
+          <a:chOff x="0" y="0"/>
+          <a:chExt cx="0" cy="0"/>
+        </a:xfrm>
+      </p:grpSpPr>
+      <p:sp>
+        <p:nvSpPr>
+          <p:cNvPr id="114" name="PlaceHolder 1"/>
+          <p:cNvSpPr>
+            <a:spLocks noGrp="1"/>
+          </p:cNvSpPr>
+          <p:nvPr>
+            <p:ph type="title"/>
+          </p:nvPr>
+        </p:nvSpPr>
+        <p:spPr>
+          <a:xfrm>
+            <a:off x="504000" y="565560"/>
+            <a:ext cx="9071280" cy="946080"/>
+          </a:xfrm>
+          <a:prstGeom prst="rect">
+            <a:avLst/>
+          </a:prstGeom>
+        </p:spPr>
+        <p:txBody>
+          <a:bodyPr lIns="0" rIns="0" tIns="0" bIns="0" anchor="ctr">
+            <a:noAutofit/>
+          </a:bodyPr>
+          <a:p>
+            <a:pPr algn="ctr"/>
+            <a:endParaRPr b="0" lang="pt-BR" sz="4400" spc="-1" strike="noStrike">
+              <a:latin typeface="Arial"/>
+            </a:endParaRPr>
+          </a:p>
+        </p:txBody>
+      </p:sp>
+      <p:sp>
+        <p:nvSpPr>
+          <p:cNvPr id="115" name="PlaceHolder 2"/>
+          <p:cNvSpPr>
+            <a:spLocks noGrp="1"/>
+          </p:cNvSpPr>
+          <p:nvPr>
+            <p:ph type="body"/>
+          </p:nvPr>
+        </p:nvSpPr>
+        <p:spPr>
+          <a:xfrm>
+            <a:off x="504000" y="1656000"/>
+            <a:ext cx="4426560" cy="1410840"/>
+          </a:xfrm>
+          <a:prstGeom prst="rect">
+            <a:avLst/>
+          </a:prstGeom>
+        </p:spPr>
+        <p:txBody>
+          <a:bodyPr lIns="0" rIns="0" tIns="0" bIns="0">
+            <a:normAutofit/>
+          </a:bodyPr>
+          <a:p>
+            <a:endParaRPr b="0" lang="pt-BR" sz="3200" spc="-1" strike="noStrike">
+              <a:latin typeface="Arial"/>
+            </a:endParaRPr>
+          </a:p>
+        </p:txBody>
+      </p:sp>
+      <p:sp>
+        <p:nvSpPr>
+          <p:cNvPr id="116" name="PlaceHolder 3"/>
+          <p:cNvSpPr>
+            <a:spLocks noGrp="1"/>
+          </p:cNvSpPr>
+          <p:nvPr>
+            <p:ph type="body"/>
+          </p:nvPr>
+        </p:nvSpPr>
+        <p:spPr>
+          <a:xfrm>
+            <a:off x="5152320" y="1656000"/>
+            <a:ext cx="4426560" cy="1410840"/>
+          </a:xfrm>
+          <a:prstGeom prst="rect">
+            <a:avLst/>
+          </a:prstGeom>
+        </p:spPr>
+        <p:txBody>
+          <a:bodyPr lIns="0" rIns="0" tIns="0" bIns="0">
+            <a:normAutofit/>
+          </a:bodyPr>
+          <a:p>
+            <a:endParaRPr b="0" lang="pt-BR" sz="3200" spc="-1" strike="noStrike">
+              <a:latin typeface="Arial"/>
+            </a:endParaRPr>
+          </a:p>
+        </p:txBody>
+      </p:sp>
+      <p:sp>
+        <p:nvSpPr>
+          <p:cNvPr id="117" name="PlaceHolder 4"/>
+          <p:cNvSpPr>
+            <a:spLocks noGrp="1"/>
+          </p:cNvSpPr>
+          <p:nvPr>
+            <p:ph type="body"/>
+          </p:nvPr>
+        </p:nvSpPr>
+        <p:spPr>
+          <a:xfrm>
+            <a:off x="504000" y="3201120"/>
+            <a:ext cx="4426560" cy="1410840"/>
+          </a:xfrm>
+          <a:prstGeom prst="rect">
+            <a:avLst/>
+          </a:prstGeom>
+        </p:spPr>
+        <p:txBody>
+          <a:bodyPr lIns="0" rIns="0" tIns="0" bIns="0">
+            <a:normAutofit/>
+          </a:bodyPr>
+          <a:p>
+            <a:endParaRPr b="0" lang="pt-BR" sz="3200" spc="-1" strike="noStrike">
+              <a:latin typeface="Arial"/>
+            </a:endParaRPr>
+          </a:p>
+        </p:txBody>
+      </p:sp>
+      <p:sp>
+        <p:nvSpPr>
+          <p:cNvPr id="118" name="PlaceHolder 5"/>
+          <p:cNvSpPr>
+            <a:spLocks noGrp="1"/>
+          </p:cNvSpPr>
+          <p:nvPr>
+            <p:ph type="body"/>
+          </p:nvPr>
+        </p:nvSpPr>
+        <p:spPr>
+          <a:xfrm>
+            <a:off x="5152320" y="3201120"/>
+            <a:ext cx="4426560" cy="1410840"/>
+          </a:xfrm>
+          <a:prstGeom prst="rect">
+            <a:avLst/>
+          </a:prstGeom>
+        </p:spPr>
+        <p:txBody>
+          <a:bodyPr lIns="0" rIns="0" tIns="0" bIns="0">
+            <a:normAutofit/>
+          </a:bodyPr>
+          <a:p>
+            <a:endParaRPr b="0" lang="pt-BR" sz="3200" spc="-1" strike="noStrike">
+              <a:latin typeface="Arial"/>
+            </a:endParaRPr>
+          </a:p>
+        </p:txBody>
+      </p:sp>
+    </p:spTree>
+  </p:cSld>
+</p:sldLayout>
+</file>
+
+<file path=ppt/slideLayouts/slideLayout36.xml><?xml version="1.0" encoding="utf-8"?>
+<p:sldLayout xmlns:a="http://schemas.openxmlformats.org/drawingml/2006/main" xmlns:p="http://schemas.openxmlformats.org/presentationml/2006/main" xmlns:r="http://schemas.openxmlformats.org/officeDocument/2006/relationships" xmlns:p14="http://schemas.microsoft.com/office/powerpoint/2010/main" xmlns:p15="http://schemas.microsoft.com/office/powerpoint/2012/main" xmlns:mc="http://schemas.openxmlformats.org/markup-compatibility/2006" type="blank" preserve="1">
+  <p:cSld name="Title, 6 Content">
+    <p:spTree>
+      <p:nvGrpSpPr>
+        <p:cNvPr id="1" name=""/>
+        <p:cNvGrpSpPr/>
+        <p:nvPr/>
+      </p:nvGrpSpPr>
+      <p:grpSpPr>
+        <a:xfrm>
+          <a:off x="0" y="0"/>
+          <a:ext cx="0" cy="0"/>
+          <a:chOff x="0" y="0"/>
+          <a:chExt cx="0" cy="0"/>
+        </a:xfrm>
+      </p:grpSpPr>
+      <p:sp>
+        <p:nvSpPr>
+          <p:cNvPr id="119" name="PlaceHolder 1"/>
+          <p:cNvSpPr>
+            <a:spLocks noGrp="1"/>
+          </p:cNvSpPr>
+          <p:nvPr>
+            <p:ph type="title"/>
+          </p:nvPr>
+        </p:nvSpPr>
+        <p:spPr>
+          <a:xfrm>
+            <a:off x="504000" y="565560"/>
+            <a:ext cx="9071280" cy="946080"/>
+          </a:xfrm>
+          <a:prstGeom prst="rect">
+            <a:avLst/>
+          </a:prstGeom>
+        </p:spPr>
+        <p:txBody>
+          <a:bodyPr lIns="0" rIns="0" tIns="0" bIns="0" anchor="ctr">
+            <a:noAutofit/>
+          </a:bodyPr>
+          <a:p>
+            <a:pPr algn="ctr"/>
+            <a:endParaRPr b="0" lang="pt-BR" sz="4400" spc="-1" strike="noStrike">
+              <a:latin typeface="Arial"/>
+            </a:endParaRPr>
+          </a:p>
+        </p:txBody>
+      </p:sp>
+      <p:sp>
+        <p:nvSpPr>
+          <p:cNvPr id="120" name="PlaceHolder 2"/>
+          <p:cNvSpPr>
+            <a:spLocks noGrp="1"/>
+          </p:cNvSpPr>
+          <p:nvPr>
+            <p:ph type="body"/>
+          </p:nvPr>
+        </p:nvSpPr>
+        <p:spPr>
+          <a:xfrm>
+            <a:off x="504000" y="1656000"/>
+            <a:ext cx="2920680" cy="1410840"/>
+          </a:xfrm>
+          <a:prstGeom prst="rect">
+            <a:avLst/>
+          </a:prstGeom>
+        </p:spPr>
+        <p:txBody>
+          <a:bodyPr lIns="0" rIns="0" tIns="0" bIns="0">
+            <a:normAutofit/>
+          </a:bodyPr>
+          <a:p>
+            <a:endParaRPr b="0" lang="pt-BR" sz="3200" spc="-1" strike="noStrike">
+              <a:latin typeface="Arial"/>
+            </a:endParaRPr>
+          </a:p>
+        </p:txBody>
+      </p:sp>
+      <p:sp>
+        <p:nvSpPr>
+          <p:cNvPr id="121" name="PlaceHolder 3"/>
+          <p:cNvSpPr>
+            <a:spLocks noGrp="1"/>
+          </p:cNvSpPr>
+          <p:nvPr>
+            <p:ph type="body"/>
+          </p:nvPr>
+        </p:nvSpPr>
+        <p:spPr>
+          <a:xfrm>
+            <a:off x="3571200" y="1656000"/>
+            <a:ext cx="2920680" cy="1410840"/>
+          </a:xfrm>
+          <a:prstGeom prst="rect">
+            <a:avLst/>
+          </a:prstGeom>
+        </p:spPr>
+        <p:txBody>
+          <a:bodyPr lIns="0" rIns="0" tIns="0" bIns="0">
+            <a:normAutofit/>
+          </a:bodyPr>
+          <a:p>
+            <a:endParaRPr b="0" lang="pt-BR" sz="3200" spc="-1" strike="noStrike">
+              <a:latin typeface="Arial"/>
+            </a:endParaRPr>
+          </a:p>
+        </p:txBody>
+      </p:sp>
+      <p:sp>
+        <p:nvSpPr>
+          <p:cNvPr id="122" name="PlaceHolder 4"/>
+          <p:cNvSpPr>
+            <a:spLocks noGrp="1"/>
+          </p:cNvSpPr>
+          <p:nvPr>
+            <p:ph type="body"/>
+          </p:nvPr>
+        </p:nvSpPr>
+        <p:spPr>
+          <a:xfrm>
+            <a:off x="6638040" y="1656000"/>
+            <a:ext cx="2920680" cy="1410840"/>
+          </a:xfrm>
+          <a:prstGeom prst="rect">
+            <a:avLst/>
+          </a:prstGeom>
+        </p:spPr>
+        <p:txBody>
+          <a:bodyPr lIns="0" rIns="0" tIns="0" bIns="0">
+            <a:normAutofit/>
+          </a:bodyPr>
+          <a:p>
+            <a:endParaRPr b="0" lang="pt-BR" sz="3200" spc="-1" strike="noStrike">
+              <a:latin typeface="Arial"/>
+            </a:endParaRPr>
+          </a:p>
+        </p:txBody>
+      </p:sp>
+      <p:sp>
+        <p:nvSpPr>
+          <p:cNvPr id="123" name="PlaceHolder 5"/>
+          <p:cNvSpPr>
+            <a:spLocks noGrp="1"/>
+          </p:cNvSpPr>
+          <p:nvPr>
+            <p:ph type="body"/>
+          </p:nvPr>
+        </p:nvSpPr>
+        <p:spPr>
+          <a:xfrm>
+            <a:off x="504000" y="3201120"/>
+            <a:ext cx="2920680" cy="1410840"/>
+          </a:xfrm>
+          <a:prstGeom prst="rect">
+            <a:avLst/>
+          </a:prstGeom>
+        </p:spPr>
+        <p:txBody>
+          <a:bodyPr lIns="0" rIns="0" tIns="0" bIns="0">
+            <a:normAutofit/>
+          </a:bodyPr>
+          <a:p>
+            <a:endParaRPr b="0" lang="pt-BR" sz="3200" spc="-1" strike="noStrike">
+              <a:latin typeface="Arial"/>
+            </a:endParaRPr>
+          </a:p>
+        </p:txBody>
+      </p:sp>
+      <p:sp>
+        <p:nvSpPr>
+          <p:cNvPr id="124" name="PlaceHolder 6"/>
+          <p:cNvSpPr>
+            <a:spLocks noGrp="1"/>
+          </p:cNvSpPr>
+          <p:nvPr>
+            <p:ph type="body"/>
+          </p:nvPr>
+        </p:nvSpPr>
+        <p:spPr>
+          <a:xfrm>
+            <a:off x="3571200" y="3201120"/>
+            <a:ext cx="2920680" cy="1410840"/>
+          </a:xfrm>
+          <a:prstGeom prst="rect">
+            <a:avLst/>
+          </a:prstGeom>
+        </p:spPr>
+        <p:txBody>
+          <a:bodyPr lIns="0" rIns="0" tIns="0" bIns="0">
+            <a:normAutofit/>
+          </a:bodyPr>
+          <a:p>
+            <a:endParaRPr b="0" lang="pt-BR" sz="3200" spc="-1" strike="noStrike">
+              <a:latin typeface="Arial"/>
+            </a:endParaRPr>
+          </a:p>
+        </p:txBody>
+      </p:sp>
+      <p:sp>
+        <p:nvSpPr>
+          <p:cNvPr id="125" name="PlaceHolder 7"/>
+          <p:cNvSpPr>
+            <a:spLocks noGrp="1"/>
+          </p:cNvSpPr>
+          <p:nvPr>
+            <p:ph type="body"/>
+          </p:nvPr>
+        </p:nvSpPr>
+        <p:spPr>
+          <a:xfrm>
+            <a:off x="6638040" y="3201120"/>
+            <a:ext cx="2920680" cy="1410840"/>
           </a:xfrm>
           <a:prstGeom prst="rect">
             <a:avLst/>
@@ -2136,7 +3464,7 @@
       </p:grpSpPr>
       <p:sp>
         <p:nvSpPr>
-          <p:cNvPr id="11" name="PlaceHolder 1"/>
+          <p:cNvPr id="8" name="PlaceHolder 1"/>
           <p:cNvSpPr>
             <a:spLocks noGrp="1"/>
           </p:cNvSpPr>
@@ -2147,7 +3475,7 @@
         <p:spPr>
           <a:xfrm>
             <a:off x="504000" y="565560"/>
-            <a:ext cx="9071640" cy="946440"/>
+            <a:ext cx="9071280" cy="946080"/>
           </a:xfrm>
           <a:prstGeom prst="rect">
             <a:avLst/>
@@ -2158,18 +3486,16 @@
             <a:noAutofit/>
           </a:bodyPr>
           <a:p>
+            <a:pPr algn="ctr"/>
             <a:endParaRPr b="0" lang="pt-BR" sz="4400" spc="-1" strike="noStrike">
-              <a:solidFill>
-                <a:srgbClr val="c7243a"/>
-              </a:solidFill>
-              <a:latin typeface="Arial"/>
-            </a:endParaRPr>
-          </a:p>
-        </p:txBody>
-      </p:sp>
-      <p:sp>
-        <p:nvSpPr>
-          <p:cNvPr id="12" name="PlaceHolder 2"/>
+              <a:latin typeface="Arial"/>
+            </a:endParaRPr>
+          </a:p>
+        </p:txBody>
+      </p:sp>
+      <p:sp>
+        <p:nvSpPr>
+          <p:cNvPr id="9" name="PlaceHolder 2"/>
           <p:cNvSpPr>
             <a:spLocks noGrp="1"/>
           </p:cNvSpPr>
@@ -2180,7 +3506,7 @@
         <p:spPr>
           <a:xfrm>
             <a:off x="504000" y="1656000"/>
-            <a:ext cx="4426920" cy="2958840"/>
+            <a:ext cx="4426560" cy="2958480"/>
           </a:xfrm>
           <a:prstGeom prst="rect">
             <a:avLst/>
@@ -2199,7 +3525,7 @@
       </p:sp>
       <p:sp>
         <p:nvSpPr>
-          <p:cNvPr id="13" name="PlaceHolder 3"/>
+          <p:cNvPr id="10" name="PlaceHolder 3"/>
           <p:cNvSpPr>
             <a:spLocks noGrp="1"/>
           </p:cNvSpPr>
@@ -2209,8 +3535,8 @@
         </p:nvSpPr>
         <p:spPr>
           <a:xfrm>
-            <a:off x="5152680" y="1656000"/>
-            <a:ext cx="4426920" cy="2958840"/>
+            <a:off x="5152320" y="1656000"/>
+            <a:ext cx="4426560" cy="2958480"/>
           </a:xfrm>
           <a:prstGeom prst="rect">
             <a:avLst/>
@@ -2251,7 +3577,7 @@
       </p:grpSpPr>
       <p:sp>
         <p:nvSpPr>
-          <p:cNvPr id="14" name="PlaceHolder 1"/>
+          <p:cNvPr id="11" name="PlaceHolder 1"/>
           <p:cNvSpPr>
             <a:spLocks noGrp="1"/>
           </p:cNvSpPr>
@@ -2262,7 +3588,7 @@
         <p:spPr>
           <a:xfrm>
             <a:off x="504000" y="565560"/>
-            <a:ext cx="9071640" cy="946440"/>
+            <a:ext cx="9071280" cy="946080"/>
           </a:xfrm>
           <a:prstGeom prst="rect">
             <a:avLst/>
@@ -2273,10 +3599,8 @@
             <a:noAutofit/>
           </a:bodyPr>
           <a:p>
+            <a:pPr algn="ctr"/>
             <a:endParaRPr b="0" lang="pt-BR" sz="4400" spc="-1" strike="noStrike">
-              <a:solidFill>
-                <a:srgbClr val="c7243a"/>
-              </a:solidFill>
               <a:latin typeface="Arial"/>
             </a:endParaRPr>
           </a:p>
@@ -2306,7 +3630,7 @@
       </p:grpSpPr>
       <p:sp>
         <p:nvSpPr>
-          <p:cNvPr id="15" name="PlaceHolder 1"/>
+          <p:cNvPr id="12" name="PlaceHolder 1"/>
           <p:cNvSpPr>
             <a:spLocks noGrp="1"/>
           </p:cNvSpPr>
@@ -2317,7 +3641,7 @@
         <p:spPr>
           <a:xfrm>
             <a:off x="504000" y="565560"/>
-            <a:ext cx="9071640" cy="4388400"/>
+            <a:ext cx="9071280" cy="4386600"/>
           </a:xfrm>
           <a:prstGeom prst="rect">
             <a:avLst/>
@@ -2359,7 +3683,7 @@
       </p:grpSpPr>
       <p:sp>
         <p:nvSpPr>
-          <p:cNvPr id="16" name="PlaceHolder 1"/>
+          <p:cNvPr id="13" name="PlaceHolder 1"/>
           <p:cNvSpPr>
             <a:spLocks noGrp="1"/>
           </p:cNvSpPr>
@@ -2370,7 +3694,7 @@
         <p:spPr>
           <a:xfrm>
             <a:off x="504000" y="565560"/>
-            <a:ext cx="9071640" cy="946440"/>
+            <a:ext cx="9071280" cy="946080"/>
           </a:xfrm>
           <a:prstGeom prst="rect">
             <a:avLst/>
@@ -2381,18 +3705,16 @@
             <a:noAutofit/>
           </a:bodyPr>
           <a:p>
+            <a:pPr algn="ctr"/>
             <a:endParaRPr b="0" lang="pt-BR" sz="4400" spc="-1" strike="noStrike">
-              <a:solidFill>
-                <a:srgbClr val="c7243a"/>
-              </a:solidFill>
-              <a:latin typeface="Arial"/>
-            </a:endParaRPr>
-          </a:p>
-        </p:txBody>
-      </p:sp>
-      <p:sp>
-        <p:nvSpPr>
-          <p:cNvPr id="17" name="PlaceHolder 2"/>
+              <a:latin typeface="Arial"/>
+            </a:endParaRPr>
+          </a:p>
+        </p:txBody>
+      </p:sp>
+      <p:sp>
+        <p:nvSpPr>
+          <p:cNvPr id="14" name="PlaceHolder 2"/>
           <p:cNvSpPr>
             <a:spLocks noGrp="1"/>
           </p:cNvSpPr>
@@ -2403,7 +3725,7 @@
         <p:spPr>
           <a:xfrm>
             <a:off x="504000" y="1656000"/>
-            <a:ext cx="4426920" cy="1411200"/>
+            <a:ext cx="4426560" cy="1410840"/>
           </a:xfrm>
           <a:prstGeom prst="rect">
             <a:avLst/>
@@ -2422,7 +3744,7 @@
       </p:sp>
       <p:sp>
         <p:nvSpPr>
-          <p:cNvPr id="18" name="PlaceHolder 3"/>
+          <p:cNvPr id="15" name="PlaceHolder 3"/>
           <p:cNvSpPr>
             <a:spLocks noGrp="1"/>
           </p:cNvSpPr>
@@ -2432,8 +3754,8 @@
         </p:nvSpPr>
         <p:spPr>
           <a:xfrm>
-            <a:off x="5152680" y="1656000"/>
-            <a:ext cx="4426920" cy="2958840"/>
+            <a:off x="5152320" y="1656000"/>
+            <a:ext cx="4426560" cy="2958480"/>
           </a:xfrm>
           <a:prstGeom prst="rect">
             <a:avLst/>
@@ -2452,7 +3774,7 @@
       </p:sp>
       <p:sp>
         <p:nvSpPr>
-          <p:cNvPr id="19" name="PlaceHolder 4"/>
+          <p:cNvPr id="16" name="PlaceHolder 4"/>
           <p:cNvSpPr>
             <a:spLocks noGrp="1"/>
           </p:cNvSpPr>
@@ -2462,8 +3784,8 @@
         </p:nvSpPr>
         <p:spPr>
           <a:xfrm>
-            <a:off x="504000" y="3201480"/>
-            <a:ext cx="4426920" cy="1411200"/>
+            <a:off x="504000" y="3201120"/>
+            <a:ext cx="4426560" cy="1410840"/>
           </a:xfrm>
           <a:prstGeom prst="rect">
             <a:avLst/>
@@ -2504,7 +3826,7 @@
       </p:grpSpPr>
       <p:sp>
         <p:nvSpPr>
-          <p:cNvPr id="20" name="PlaceHolder 1"/>
+          <p:cNvPr id="17" name="PlaceHolder 1"/>
           <p:cNvSpPr>
             <a:spLocks noGrp="1"/>
           </p:cNvSpPr>
@@ -2515,7 +3837,7 @@
         <p:spPr>
           <a:xfrm>
             <a:off x="504000" y="565560"/>
-            <a:ext cx="9071640" cy="946440"/>
+            <a:ext cx="9071280" cy="946080"/>
           </a:xfrm>
           <a:prstGeom prst="rect">
             <a:avLst/>
@@ -2526,18 +3848,16 @@
             <a:noAutofit/>
           </a:bodyPr>
           <a:p>
+            <a:pPr algn="ctr"/>
             <a:endParaRPr b="0" lang="pt-BR" sz="4400" spc="-1" strike="noStrike">
-              <a:solidFill>
-                <a:srgbClr val="c7243a"/>
-              </a:solidFill>
-              <a:latin typeface="Arial"/>
-            </a:endParaRPr>
-          </a:p>
-        </p:txBody>
-      </p:sp>
-      <p:sp>
-        <p:nvSpPr>
-          <p:cNvPr id="21" name="PlaceHolder 2"/>
+              <a:latin typeface="Arial"/>
+            </a:endParaRPr>
+          </a:p>
+        </p:txBody>
+      </p:sp>
+      <p:sp>
+        <p:nvSpPr>
+          <p:cNvPr id="18" name="PlaceHolder 2"/>
           <p:cNvSpPr>
             <a:spLocks noGrp="1"/>
           </p:cNvSpPr>
@@ -2548,7 +3868,7 @@
         <p:spPr>
           <a:xfrm>
             <a:off x="504000" y="1656000"/>
-            <a:ext cx="4426920" cy="2958840"/>
+            <a:ext cx="4426560" cy="2958480"/>
           </a:xfrm>
           <a:prstGeom prst="rect">
             <a:avLst/>
@@ -2567,7 +3887,7 @@
       </p:sp>
       <p:sp>
         <p:nvSpPr>
-          <p:cNvPr id="22" name="PlaceHolder 3"/>
+          <p:cNvPr id="19" name="PlaceHolder 3"/>
           <p:cNvSpPr>
             <a:spLocks noGrp="1"/>
           </p:cNvSpPr>
@@ -2577,8 +3897,8 @@
         </p:nvSpPr>
         <p:spPr>
           <a:xfrm>
-            <a:off x="5152680" y="1656000"/>
-            <a:ext cx="4426920" cy="1411200"/>
+            <a:off x="5152320" y="1656000"/>
+            <a:ext cx="4426560" cy="1410840"/>
           </a:xfrm>
           <a:prstGeom prst="rect">
             <a:avLst/>
@@ -2597,7 +3917,7 @@
       </p:sp>
       <p:sp>
         <p:nvSpPr>
-          <p:cNvPr id="23" name="PlaceHolder 4"/>
+          <p:cNvPr id="20" name="PlaceHolder 4"/>
           <p:cNvSpPr>
             <a:spLocks noGrp="1"/>
           </p:cNvSpPr>
@@ -2607,8 +3927,8 @@
         </p:nvSpPr>
         <p:spPr>
           <a:xfrm>
-            <a:off x="5152680" y="3201480"/>
-            <a:ext cx="4426920" cy="1411200"/>
+            <a:off x="5152320" y="3201120"/>
+            <a:ext cx="4426560" cy="1410840"/>
           </a:xfrm>
           <a:prstGeom prst="rect">
             <a:avLst/>
@@ -2649,7 +3969,7 @@
       </p:grpSpPr>
       <p:sp>
         <p:nvSpPr>
-          <p:cNvPr id="24" name="PlaceHolder 1"/>
+          <p:cNvPr id="21" name="PlaceHolder 1"/>
           <p:cNvSpPr>
             <a:spLocks noGrp="1"/>
           </p:cNvSpPr>
@@ -2660,7 +3980,7 @@
         <p:spPr>
           <a:xfrm>
             <a:off x="504000" y="565560"/>
-            <a:ext cx="9071640" cy="946440"/>
+            <a:ext cx="9071280" cy="946080"/>
           </a:xfrm>
           <a:prstGeom prst="rect">
             <a:avLst/>
@@ -2671,18 +3991,16 @@
             <a:noAutofit/>
           </a:bodyPr>
           <a:p>
+            <a:pPr algn="ctr"/>
             <a:endParaRPr b="0" lang="pt-BR" sz="4400" spc="-1" strike="noStrike">
-              <a:solidFill>
-                <a:srgbClr val="c7243a"/>
-              </a:solidFill>
-              <a:latin typeface="Arial"/>
-            </a:endParaRPr>
-          </a:p>
-        </p:txBody>
-      </p:sp>
-      <p:sp>
-        <p:nvSpPr>
-          <p:cNvPr id="25" name="PlaceHolder 2"/>
+              <a:latin typeface="Arial"/>
+            </a:endParaRPr>
+          </a:p>
+        </p:txBody>
+      </p:sp>
+      <p:sp>
+        <p:nvSpPr>
+          <p:cNvPr id="22" name="PlaceHolder 2"/>
           <p:cNvSpPr>
             <a:spLocks noGrp="1"/>
           </p:cNvSpPr>
@@ -2693,7 +4011,7 @@
         <p:spPr>
           <a:xfrm>
             <a:off x="504000" y="1656000"/>
-            <a:ext cx="4426920" cy="1411200"/>
+            <a:ext cx="4426560" cy="1410840"/>
           </a:xfrm>
           <a:prstGeom prst="rect">
             <a:avLst/>
@@ -2712,7 +4030,7 @@
       </p:sp>
       <p:sp>
         <p:nvSpPr>
-          <p:cNvPr id="26" name="PlaceHolder 3"/>
+          <p:cNvPr id="23" name="PlaceHolder 3"/>
           <p:cNvSpPr>
             <a:spLocks noGrp="1"/>
           </p:cNvSpPr>
@@ -2722,8 +4040,8 @@
         </p:nvSpPr>
         <p:spPr>
           <a:xfrm>
-            <a:off x="5152680" y="1656000"/>
-            <a:ext cx="4426920" cy="1411200"/>
+            <a:off x="5152320" y="1656000"/>
+            <a:ext cx="4426560" cy="1410840"/>
           </a:xfrm>
           <a:prstGeom prst="rect">
             <a:avLst/>
@@ -2742,7 +4060,7 @@
       </p:sp>
       <p:sp>
         <p:nvSpPr>
-          <p:cNvPr id="27" name="PlaceHolder 4"/>
+          <p:cNvPr id="24" name="PlaceHolder 4"/>
           <p:cNvSpPr>
             <a:spLocks noGrp="1"/>
           </p:cNvSpPr>
@@ -2752,8 +4070,8 @@
         </p:nvSpPr>
         <p:spPr>
           <a:xfrm>
-            <a:off x="504000" y="3201480"/>
-            <a:ext cx="9071640" cy="1411200"/>
+            <a:off x="504000" y="3201120"/>
+            <a:ext cx="9071280" cy="1410840"/>
           </a:xfrm>
           <a:prstGeom prst="rect">
             <a:avLst/>
@@ -2805,7 +4123,7 @@
         <p:spPr>
           <a:xfrm>
             <a:off x="0" y="5104800"/>
-            <a:ext cx="10080000" cy="581040"/>
+            <a:ext cx="10079640" cy="580680"/>
           </a:xfrm>
           <a:prstGeom prst="rect">
             <a:avLst/>
@@ -2815,358 +4133,9 @@
           </a:ln>
         </p:spPr>
       </p:pic>
-      <p:sp>
-        <p:nvSpPr>
-          <p:cNvPr id="1" name="PlaceHolder 1"/>
-          <p:cNvSpPr>
-            <a:spLocks noGrp="1"/>
-          </p:cNvSpPr>
-          <p:nvPr>
-            <p:ph type="title"/>
-          </p:nvPr>
-        </p:nvSpPr>
-        <p:spPr>
-          <a:xfrm>
-            <a:off x="0" y="648000"/>
-            <a:ext cx="9071640" cy="2736000"/>
-          </a:xfrm>
-          <a:prstGeom prst="rect">
-            <a:avLst/>
-          </a:prstGeom>
-        </p:spPr>
-        <p:txBody>
-          <a:bodyPr lIns="72000" rIns="0" tIns="0" bIns="0" anchor="ctr">
-            <a:noAutofit/>
-          </a:bodyPr>
-          <a:p>
-            <a:r>
-              <a:rPr b="0" lang="pt-BR" sz="4400" spc="-1" strike="noStrike">
-                <a:solidFill>
-                  <a:srgbClr val="ffffff"/>
-                </a:solidFill>
-                <a:latin typeface="Arial"/>
-              </a:rPr>
-              <a:t>Click to edit the title text format</a:t>
-            </a:r>
-            <a:endParaRPr b="0" lang="pt-BR" sz="4400" spc="-1" strike="noStrike">
-              <a:solidFill>
-                <a:srgbClr val="ffffff"/>
-              </a:solidFill>
-              <a:latin typeface="Arial"/>
-            </a:endParaRPr>
-          </a:p>
-        </p:txBody>
-      </p:sp>
-      <p:sp>
-        <p:nvSpPr>
-          <p:cNvPr id="2" name="PlaceHolder 2"/>
-          <p:cNvSpPr>
-            <a:spLocks noGrp="1"/>
-          </p:cNvSpPr>
-          <p:nvPr>
-            <p:ph type="body"/>
-          </p:nvPr>
-        </p:nvSpPr>
-        <p:spPr>
-          <a:xfrm>
-            <a:off x="3816000" y="3600000"/>
-            <a:ext cx="5255640" cy="1296000"/>
-          </a:xfrm>
-          <a:prstGeom prst="rect">
-            <a:avLst/>
-          </a:prstGeom>
-        </p:spPr>
-        <p:txBody>
-          <a:bodyPr lIns="0" rIns="0" tIns="0" bIns="0">
-            <a:normAutofit fontScale="45000"/>
-          </a:bodyPr>
-          <a:p>
-            <a:pPr marL="432000" indent="-324000">
-              <a:spcAft>
-                <a:spcPts val="1063"/>
-              </a:spcAft>
-              <a:buClr>
-                <a:srgbClr val="000000"/>
-              </a:buClr>
-              <a:buSzPct val="45000"/>
-              <a:buFont typeface="Wingdings" charset="2"/>
-              <a:buChar char=""/>
-            </a:pPr>
-            <a:r>
-              <a:rPr b="0" lang="pt-BR" sz="2400" spc="-1" strike="noStrike">
-                <a:latin typeface="Arial"/>
-              </a:rPr>
-              <a:t>Click to edit the outline text format</a:t>
-            </a:r>
-            <a:endParaRPr b="0" lang="pt-BR" sz="2400" spc="-1" strike="noStrike">
-              <a:latin typeface="Arial"/>
-            </a:endParaRPr>
-          </a:p>
-          <a:p>
-            <a:pPr lvl="1" marL="864000" indent="-324000">
-              <a:spcAft>
-                <a:spcPts val="848"/>
-              </a:spcAft>
-              <a:buClr>
-                <a:srgbClr val="000000"/>
-              </a:buClr>
-              <a:buSzPct val="75000"/>
-              <a:buFont typeface="Symbol" charset="2"/>
-              <a:buChar char=""/>
-            </a:pPr>
-            <a:r>
-              <a:rPr b="0" lang="pt-BR" sz="2100" spc="-1" strike="noStrike">
-                <a:latin typeface="Arial"/>
-              </a:rPr>
-              <a:t>Second Outline Level</a:t>
-            </a:r>
-            <a:endParaRPr b="0" lang="pt-BR" sz="2100" spc="-1" strike="noStrike">
-              <a:latin typeface="Arial"/>
-            </a:endParaRPr>
-          </a:p>
-          <a:p>
-            <a:pPr lvl="2" marL="1296000" indent="-288000">
-              <a:spcAft>
-                <a:spcPts val="635"/>
-              </a:spcAft>
-              <a:buClr>
-                <a:srgbClr val="000000"/>
-              </a:buClr>
-              <a:buSzPct val="45000"/>
-              <a:buFont typeface="Wingdings" charset="2"/>
-              <a:buChar char=""/>
-            </a:pPr>
-            <a:r>
-              <a:rPr b="0" lang="pt-BR" sz="1800" spc="-1" strike="noStrike">
-                <a:latin typeface="Arial"/>
-              </a:rPr>
-              <a:t>Third Outline Level</a:t>
-            </a:r>
-            <a:endParaRPr b="0" lang="pt-BR" sz="1800" spc="-1" strike="noStrike">
-              <a:latin typeface="Arial"/>
-            </a:endParaRPr>
-          </a:p>
-          <a:p>
-            <a:pPr lvl="3" marL="1728000" indent="-216000">
-              <a:spcAft>
-                <a:spcPts val="422"/>
-              </a:spcAft>
-              <a:buClr>
-                <a:srgbClr val="000000"/>
-              </a:buClr>
-              <a:buSzPct val="75000"/>
-              <a:buFont typeface="Symbol" charset="2"/>
-              <a:buChar char=""/>
-            </a:pPr>
-            <a:r>
-              <a:rPr b="0" lang="pt-BR" sz="1500" spc="-1" strike="noStrike">
-                <a:latin typeface="Arial"/>
-              </a:rPr>
-              <a:t>Fourth Outline Level</a:t>
-            </a:r>
-            <a:endParaRPr b="0" lang="pt-BR" sz="1500" spc="-1" strike="noStrike">
-              <a:latin typeface="Arial"/>
-            </a:endParaRPr>
-          </a:p>
-          <a:p>
-            <a:pPr lvl="4" marL="2160000" indent="-216000">
-              <a:spcAft>
-                <a:spcPts val="210"/>
-              </a:spcAft>
-              <a:buClr>
-                <a:srgbClr val="000000"/>
-              </a:buClr>
-              <a:buSzPct val="45000"/>
-              <a:buFont typeface="Wingdings" charset="2"/>
-              <a:buChar char=""/>
-            </a:pPr>
-            <a:r>
-              <a:rPr b="0" lang="pt-BR" sz="1500" spc="-1" strike="noStrike">
-                <a:latin typeface="Arial"/>
-              </a:rPr>
-              <a:t>Fifth Outline Level</a:t>
-            </a:r>
-            <a:endParaRPr b="0" lang="pt-BR" sz="1500" spc="-1" strike="noStrike">
-              <a:latin typeface="Arial"/>
-            </a:endParaRPr>
-          </a:p>
-          <a:p>
-            <a:pPr lvl="5" marL="2592000" indent="-216000">
-              <a:spcAft>
-                <a:spcPts val="210"/>
-              </a:spcAft>
-              <a:buClr>
-                <a:srgbClr val="000000"/>
-              </a:buClr>
-              <a:buSzPct val="45000"/>
-              <a:buFont typeface="Wingdings" charset="2"/>
-              <a:buChar char=""/>
-            </a:pPr>
-            <a:r>
-              <a:rPr b="0" lang="pt-BR" sz="1500" spc="-1" strike="noStrike">
-                <a:latin typeface="Arial"/>
-              </a:rPr>
-              <a:t>Sixth Outline Level</a:t>
-            </a:r>
-            <a:endParaRPr b="0" lang="pt-BR" sz="1500" spc="-1" strike="noStrike">
-              <a:latin typeface="Arial"/>
-            </a:endParaRPr>
-          </a:p>
-          <a:p>
-            <a:pPr lvl="6" marL="3024000" indent="-216000">
-              <a:spcAft>
-                <a:spcPts val="210"/>
-              </a:spcAft>
-              <a:buClr>
-                <a:srgbClr val="000000"/>
-              </a:buClr>
-              <a:buSzPct val="45000"/>
-              <a:buFont typeface="Wingdings" charset="2"/>
-              <a:buChar char=""/>
-            </a:pPr>
-            <a:r>
-              <a:rPr b="0" lang="pt-BR" sz="1500" spc="-1" strike="noStrike">
-                <a:latin typeface="Arial"/>
-              </a:rPr>
-              <a:t>Seventh Outline Level</a:t>
-            </a:r>
-            <a:endParaRPr b="0" lang="pt-BR" sz="1500" spc="-1" strike="noStrike">
-              <a:latin typeface="Arial"/>
-            </a:endParaRPr>
-          </a:p>
-        </p:txBody>
-      </p:sp>
-      <p:sp>
-        <p:nvSpPr>
-          <p:cNvPr id="3" name="PlaceHolder 3"/>
-          <p:cNvSpPr>
-            <a:spLocks noGrp="1"/>
-          </p:cNvSpPr>
-          <p:nvPr>
-            <p:ph type="dt"/>
-          </p:nvPr>
-        </p:nvSpPr>
-        <p:spPr>
-          <a:xfrm>
-            <a:off x="1728000" y="5284080"/>
-            <a:ext cx="2348280" cy="390960"/>
-          </a:xfrm>
-          <a:prstGeom prst="rect">
-            <a:avLst/>
-          </a:prstGeom>
-        </p:spPr>
-        <p:txBody>
-          <a:bodyPr lIns="0" rIns="0" tIns="0" bIns="0">
-            <a:noAutofit/>
-          </a:bodyPr>
-          <a:p>
-            <a:r>
-              <a:rPr b="0" lang="pt-BR" sz="1400" spc="-1" strike="noStrike">
-                <a:solidFill>
-                  <a:srgbClr val="ffffff"/>
-                </a:solidFill>
-                <a:latin typeface="Arial"/>
-              </a:rPr>
-              <a:t>&lt;date/time&gt;</a:t>
-            </a:r>
-            <a:endParaRPr b="0" lang="pt-BR" sz="1400" spc="-1" strike="noStrike">
-              <a:solidFill>
-                <a:srgbClr val="ffffff"/>
-              </a:solidFill>
-              <a:latin typeface="Arial"/>
-            </a:endParaRPr>
-          </a:p>
-        </p:txBody>
-      </p:sp>
-      <p:sp>
-        <p:nvSpPr>
-          <p:cNvPr id="4" name="PlaceHolder 4"/>
-          <p:cNvSpPr>
-            <a:spLocks noGrp="1"/>
-          </p:cNvSpPr>
-          <p:nvPr>
-            <p:ph type="ftr"/>
-          </p:nvPr>
-        </p:nvSpPr>
-        <p:spPr>
-          <a:xfrm>
-            <a:off x="4221000" y="5271840"/>
-            <a:ext cx="3195000" cy="390960"/>
-          </a:xfrm>
-          <a:prstGeom prst="rect">
-            <a:avLst/>
-          </a:prstGeom>
-        </p:spPr>
-        <p:txBody>
-          <a:bodyPr lIns="0" rIns="0" tIns="0" bIns="0">
-            <a:noAutofit/>
-          </a:bodyPr>
-          <a:p>
-            <a:pPr algn="ctr"/>
-            <a:r>
-              <a:rPr b="0" lang="pt-BR" sz="1400" spc="-1" strike="noStrike">
-                <a:solidFill>
-                  <a:srgbClr val="ffffff"/>
-                </a:solidFill>
-                <a:latin typeface="Arial"/>
-              </a:rPr>
-              <a:t>&lt;footer&gt;</a:t>
-            </a:r>
-            <a:endParaRPr b="0" lang="pt-BR" sz="1400" spc="-1" strike="noStrike">
-              <a:solidFill>
-                <a:srgbClr val="ffffff"/>
-              </a:solidFill>
-              <a:latin typeface="Arial"/>
-            </a:endParaRPr>
-          </a:p>
-        </p:txBody>
-      </p:sp>
-      <p:sp>
-        <p:nvSpPr>
-          <p:cNvPr id="5" name="PlaceHolder 5"/>
-          <p:cNvSpPr>
-            <a:spLocks noGrp="1"/>
-          </p:cNvSpPr>
-          <p:nvPr>
-            <p:ph type="sldNum"/>
-          </p:nvPr>
-        </p:nvSpPr>
-        <p:spPr>
-          <a:xfrm>
-            <a:off x="7632000" y="5271840"/>
-            <a:ext cx="2348280" cy="390960"/>
-          </a:xfrm>
-          <a:prstGeom prst="rect">
-            <a:avLst/>
-          </a:prstGeom>
-        </p:spPr>
-        <p:txBody>
-          <a:bodyPr lIns="0" rIns="0" tIns="0" bIns="0">
-            <a:noAutofit/>
-          </a:bodyPr>
-          <a:p>
-            <a:pPr algn="r"/>
-            <a:fld id="{CEDC052A-1EC1-41CB-BF58-37F500A7A10E}" type="slidenum">
-              <a:rPr b="0" lang="pt-BR" sz="1400" spc="-1" strike="noStrike">
-                <a:solidFill>
-                  <a:srgbClr val="ffffff"/>
-                </a:solidFill>
-                <a:latin typeface="Arial"/>
-              </a:rPr>
-              <a:t>&lt;number&gt;</a:t>
-            </a:fld>
-            <a:endParaRPr b="0" lang="pt-BR" sz="1400" spc="-1" strike="noStrike">
-              <a:solidFill>
-                <a:srgbClr val="ffffff"/>
-              </a:solidFill>
-              <a:latin typeface="Arial"/>
-            </a:endParaRPr>
-          </a:p>
-        </p:txBody>
-      </p:sp>
       <p:pic>
         <p:nvPicPr>
-          <p:cNvPr id="6" name="" descr=""/>
+          <p:cNvPr id="1" name="" descr=""/>
           <p:cNvPicPr/>
           <p:nvPr/>
         </p:nvPicPr>
@@ -3177,7 +4146,7 @@
         <p:spPr>
           <a:xfrm>
             <a:off x="0" y="0"/>
-            <a:ext cx="10080000" cy="324000"/>
+            <a:ext cx="10079640" cy="323640"/>
           </a:xfrm>
           <a:prstGeom prst="rect">
             <a:avLst/>
@@ -3187,6 +4156,221 @@
           </a:ln>
         </p:spPr>
       </p:pic>
+      <p:sp>
+        <p:nvSpPr>
+          <p:cNvPr id="2" name="PlaceHolder 1"/>
+          <p:cNvSpPr>
+            <a:spLocks noGrp="1"/>
+          </p:cNvSpPr>
+          <p:nvPr>
+            <p:ph type="title"/>
+          </p:nvPr>
+        </p:nvSpPr>
+        <p:spPr>
+          <a:xfrm>
+            <a:off x="504000" y="565560"/>
+            <a:ext cx="9071280" cy="946080"/>
+          </a:xfrm>
+          <a:prstGeom prst="rect">
+            <a:avLst/>
+          </a:prstGeom>
+        </p:spPr>
+        <p:txBody>
+          <a:bodyPr lIns="0" rIns="0" tIns="0" bIns="0" anchor="ctr">
+            <a:noAutofit/>
+          </a:bodyPr>
+          <a:p>
+            <a:r>
+              <a:rPr b="0" lang="pt-BR" sz="1800" spc="-1" strike="noStrike">
+                <a:latin typeface="Arial"/>
+              </a:rPr>
+              <a:t>Click to edit the title text format</a:t>
+            </a:r>
+            <a:endParaRPr b="0" lang="pt-BR" sz="1800" spc="-1" strike="noStrike">
+              <a:latin typeface="Arial"/>
+            </a:endParaRPr>
+          </a:p>
+        </p:txBody>
+      </p:sp>
+      <p:sp>
+        <p:nvSpPr>
+          <p:cNvPr id="3" name="PlaceHolder 2"/>
+          <p:cNvSpPr>
+            <a:spLocks noGrp="1"/>
+          </p:cNvSpPr>
+          <p:nvPr>
+            <p:ph type="body"/>
+          </p:nvPr>
+        </p:nvSpPr>
+        <p:spPr>
+          <a:xfrm>
+            <a:off x="504000" y="1326600"/>
+            <a:ext cx="9072000" cy="3288600"/>
+          </a:xfrm>
+          <a:prstGeom prst="rect">
+            <a:avLst/>
+          </a:prstGeom>
+        </p:spPr>
+        <p:txBody>
+          <a:bodyPr lIns="0" rIns="0" tIns="0" bIns="0">
+            <a:normAutofit/>
+          </a:bodyPr>
+          <a:p>
+            <a:pPr marL="432000" indent="-324000">
+              <a:spcBef>
+                <a:spcPts val="1417"/>
+              </a:spcBef>
+              <a:buClr>
+                <a:srgbClr val="000000"/>
+              </a:buClr>
+              <a:buSzPct val="45000"/>
+              <a:buFont typeface="Wingdings" charset="2"/>
+              <a:buChar char=""/>
+            </a:pPr>
+            <a:r>
+              <a:rPr b="0" lang="pt-BR" sz="3200" spc="-1" strike="noStrike">
+                <a:latin typeface="Arial"/>
+              </a:rPr>
+              <a:t>Click to edit the outline text format</a:t>
+            </a:r>
+            <a:endParaRPr b="0" lang="pt-BR" sz="3200" spc="-1" strike="noStrike">
+              <a:latin typeface="Arial"/>
+            </a:endParaRPr>
+          </a:p>
+          <a:p>
+            <a:pPr lvl="1" marL="864000" indent="-324000">
+              <a:spcBef>
+                <a:spcPts val="1134"/>
+              </a:spcBef>
+              <a:buClr>
+                <a:srgbClr val="000000"/>
+              </a:buClr>
+              <a:buSzPct val="75000"/>
+              <a:buFont typeface="Symbol" charset="2"/>
+              <a:buChar char=""/>
+            </a:pPr>
+            <a:r>
+              <a:rPr b="0" lang="pt-BR" sz="2800" spc="-1" strike="noStrike">
+                <a:latin typeface="Arial"/>
+              </a:rPr>
+              <a:t>Second Outline Level</a:t>
+            </a:r>
+            <a:endParaRPr b="0" lang="pt-BR" sz="2800" spc="-1" strike="noStrike">
+              <a:latin typeface="Arial"/>
+            </a:endParaRPr>
+          </a:p>
+          <a:p>
+            <a:pPr lvl="2" marL="1296000" indent="-288000">
+              <a:spcBef>
+                <a:spcPts val="850"/>
+              </a:spcBef>
+              <a:buClr>
+                <a:srgbClr val="000000"/>
+              </a:buClr>
+              <a:buSzPct val="45000"/>
+              <a:buFont typeface="Wingdings" charset="2"/>
+              <a:buChar char=""/>
+            </a:pPr>
+            <a:r>
+              <a:rPr b="0" lang="pt-BR" sz="2400" spc="-1" strike="noStrike">
+                <a:latin typeface="Arial"/>
+              </a:rPr>
+              <a:t>Third Outline Level</a:t>
+            </a:r>
+            <a:endParaRPr b="0" lang="pt-BR" sz="2400" spc="-1" strike="noStrike">
+              <a:latin typeface="Arial"/>
+            </a:endParaRPr>
+          </a:p>
+          <a:p>
+            <a:pPr lvl="3" marL="1728000" indent="-216000">
+              <a:spcBef>
+                <a:spcPts val="567"/>
+              </a:spcBef>
+              <a:buClr>
+                <a:srgbClr val="000000"/>
+              </a:buClr>
+              <a:buSzPct val="75000"/>
+              <a:buFont typeface="Symbol" charset="2"/>
+              <a:buChar char=""/>
+            </a:pPr>
+            <a:r>
+              <a:rPr b="0" lang="pt-BR" sz="2000" spc="-1" strike="noStrike">
+                <a:latin typeface="Arial"/>
+              </a:rPr>
+              <a:t>Fourth Outline Level</a:t>
+            </a:r>
+            <a:endParaRPr b="0" lang="pt-BR" sz="2000" spc="-1" strike="noStrike">
+              <a:latin typeface="Arial"/>
+            </a:endParaRPr>
+          </a:p>
+          <a:p>
+            <a:pPr lvl="4" marL="2160000" indent="-216000">
+              <a:spcBef>
+                <a:spcPts val="283"/>
+              </a:spcBef>
+              <a:buClr>
+                <a:srgbClr val="000000"/>
+              </a:buClr>
+              <a:buSzPct val="45000"/>
+              <a:buFont typeface="Wingdings" charset="2"/>
+              <a:buChar char=""/>
+            </a:pPr>
+            <a:r>
+              <a:rPr b="0" lang="pt-BR" sz="2000" spc="-1" strike="noStrike">
+                <a:latin typeface="Arial"/>
+              </a:rPr>
+              <a:t>Fifth Outline Level</a:t>
+            </a:r>
+            <a:endParaRPr b="0" lang="pt-BR" sz="2000" spc="-1" strike="noStrike">
+              <a:latin typeface="Arial"/>
+            </a:endParaRPr>
+          </a:p>
+          <a:p>
+            <a:pPr lvl="5" marL="2592000" indent="-216000">
+              <a:spcBef>
+                <a:spcPts val="283"/>
+              </a:spcBef>
+              <a:buClr>
+                <a:srgbClr val="000000"/>
+              </a:buClr>
+              <a:buSzPct val="45000"/>
+              <a:buFont typeface="Wingdings" charset="2"/>
+              <a:buChar char=""/>
+            </a:pPr>
+            <a:r>
+              <a:rPr b="0" lang="pt-BR" sz="2000" spc="-1" strike="noStrike">
+                <a:latin typeface="Arial"/>
+              </a:rPr>
+              <a:t>Sixth Outline Level</a:t>
+            </a:r>
+            <a:endParaRPr b="0" lang="pt-BR" sz="2000" spc="-1" strike="noStrike">
+              <a:latin typeface="Arial"/>
+            </a:endParaRPr>
+          </a:p>
+          <a:p>
+            <a:pPr lvl="6" marL="3024000" indent="-216000">
+              <a:spcBef>
+                <a:spcPts val="283"/>
+              </a:spcBef>
+              <a:buClr>
+                <a:srgbClr val="000000"/>
+              </a:buClr>
+              <a:buSzPct val="45000"/>
+              <a:buFont typeface="Wingdings" charset="2"/>
+              <a:buChar char=""/>
+            </a:pPr>
+            <a:r>
+              <a:rPr b="0" lang="pt-BR" sz="2000" spc="-1" strike="noStrike">
+                <a:latin typeface="Arial"/>
+              </a:rPr>
+              <a:t>Seventh Outline Level</a:t>
+            </a:r>
+            <a:endParaRPr b="0" lang="pt-BR" sz="2000" spc="-1" strike="noStrike">
+              <a:latin typeface="Arial"/>
+            </a:endParaRPr>
+          </a:p>
+        </p:txBody>
+      </p:sp>
     </p:spTree>
   </p:cSld>
   <p:clrMap bg1="lt1" bg2="lt2" tx1="dk1" tx2="dk2" accent1="accent1" accent2="accent2" accent3="accent3" accent4="accent4" accent5="accent5" accent6="accent6" hlink="hlink" folHlink="folHlink"/>
@@ -3226,7 +4410,7 @@
       </p:grpSpPr>
       <p:pic>
         <p:nvPicPr>
-          <p:cNvPr id="43" name="" descr=""/>
+          <p:cNvPr id="40" name="" descr=""/>
           <p:cNvPicPr/>
           <p:nvPr/>
         </p:nvPicPr>
@@ -3237,7 +4421,7 @@
         <p:spPr>
           <a:xfrm>
             <a:off x="6120" y="0"/>
-            <a:ext cx="10080000" cy="324000"/>
+            <a:ext cx="10079640" cy="323640"/>
           </a:xfrm>
           <a:prstGeom prst="rect">
             <a:avLst/>
@@ -3249,7 +4433,7 @@
       </p:pic>
       <p:pic>
         <p:nvPicPr>
-          <p:cNvPr id="44" name="" descr=""/>
+          <p:cNvPr id="41" name="" descr=""/>
           <p:cNvPicPr/>
           <p:nvPr/>
         </p:nvPicPr>
@@ -3260,7 +4444,7 @@
         <p:spPr>
           <a:xfrm>
             <a:off x="6120" y="5357160"/>
-            <a:ext cx="10080000" cy="324000"/>
+            <a:ext cx="10079640" cy="323640"/>
           </a:xfrm>
           <a:prstGeom prst="rect">
             <a:avLst/>
@@ -3272,7 +4456,157 @@
       </p:pic>
       <p:sp>
         <p:nvSpPr>
-          <p:cNvPr id="45" name="PlaceHolder 1"/>
+          <p:cNvPr id="42" name="CustomShape 1"/>
+          <p:cNvSpPr/>
+          <p:nvPr/>
+        </p:nvSpPr>
+        <p:spPr>
+          <a:xfrm>
+            <a:off x="1728360" y="5400360"/>
+            <a:ext cx="2347920" cy="390600"/>
+          </a:xfrm>
+          <a:prstGeom prst="rect">
+            <a:avLst/>
+          </a:prstGeom>
+          <a:noFill/>
+          <a:ln>
+            <a:noFill/>
+          </a:ln>
+        </p:spPr>
+        <p:style>
+          <a:lnRef idx="0"/>
+          <a:fillRef idx="0"/>
+          <a:effectRef idx="0"/>
+          <a:fontRef idx="minor"/>
+        </p:style>
+        <p:txBody>
+          <a:bodyPr lIns="0" rIns="0" tIns="0" bIns="0">
+            <a:noAutofit/>
+          </a:bodyPr>
+          <a:p>
+            <a:pPr>
+              <a:lnSpc>
+                <a:spcPct val="100000"/>
+              </a:lnSpc>
+            </a:pPr>
+            <a:r>
+              <a:rPr b="0" lang="pt-BR" sz="1400" spc="-1" strike="noStrike">
+                <a:solidFill>
+                  <a:srgbClr val="ffffff"/>
+                </a:solidFill>
+                <a:latin typeface="Arial"/>
+              </a:rPr>
+              <a:t>&lt;date/time&gt;</a:t>
+            </a:r>
+            <a:endParaRPr b="0" lang="pt-BR" sz="1400" spc="-1" strike="noStrike">
+              <a:latin typeface="Arial"/>
+            </a:endParaRPr>
+          </a:p>
+        </p:txBody>
+      </p:sp>
+      <p:sp>
+        <p:nvSpPr>
+          <p:cNvPr id="43" name="CustomShape 2"/>
+          <p:cNvSpPr/>
+          <p:nvPr/>
+        </p:nvSpPr>
+        <p:spPr>
+          <a:xfrm>
+            <a:off x="4221360" y="5400360"/>
+            <a:ext cx="3194640" cy="390600"/>
+          </a:xfrm>
+          <a:prstGeom prst="rect">
+            <a:avLst/>
+          </a:prstGeom>
+          <a:noFill/>
+          <a:ln>
+            <a:noFill/>
+          </a:ln>
+        </p:spPr>
+        <p:style>
+          <a:lnRef idx="0"/>
+          <a:fillRef idx="0"/>
+          <a:effectRef idx="0"/>
+          <a:fontRef idx="minor"/>
+        </p:style>
+        <p:txBody>
+          <a:bodyPr lIns="0" rIns="0" tIns="0" bIns="0">
+            <a:noAutofit/>
+          </a:bodyPr>
+          <a:p>
+            <a:pPr algn="ctr">
+              <a:lnSpc>
+                <a:spcPct val="100000"/>
+              </a:lnSpc>
+            </a:pPr>
+            <a:r>
+              <a:rPr b="0" lang="pt-BR" sz="1400" spc="-1" strike="noStrike">
+                <a:solidFill>
+                  <a:srgbClr val="ffffff"/>
+                </a:solidFill>
+                <a:latin typeface="Arial"/>
+              </a:rPr>
+              <a:t>&lt;footer&gt;</a:t>
+            </a:r>
+            <a:endParaRPr b="0" lang="pt-BR" sz="1400" spc="-1" strike="noStrike">
+              <a:latin typeface="Arial"/>
+            </a:endParaRPr>
+          </a:p>
+        </p:txBody>
+      </p:sp>
+      <p:sp>
+        <p:nvSpPr>
+          <p:cNvPr id="44" name="CustomShape 3"/>
+          <p:cNvSpPr/>
+          <p:nvPr/>
+        </p:nvSpPr>
+        <p:spPr>
+          <a:xfrm>
+            <a:off x="7659720" y="5400360"/>
+            <a:ext cx="2347920" cy="390600"/>
+          </a:xfrm>
+          <a:prstGeom prst="rect">
+            <a:avLst/>
+          </a:prstGeom>
+          <a:noFill/>
+          <a:ln>
+            <a:noFill/>
+          </a:ln>
+        </p:spPr>
+        <p:style>
+          <a:lnRef idx="0"/>
+          <a:fillRef idx="0"/>
+          <a:effectRef idx="0"/>
+          <a:fontRef idx="minor"/>
+        </p:style>
+        <p:txBody>
+          <a:bodyPr lIns="0" rIns="0" tIns="0" bIns="0">
+            <a:noAutofit/>
+          </a:bodyPr>
+          <a:p>
+            <a:pPr algn="r">
+              <a:lnSpc>
+                <a:spcPct val="100000"/>
+              </a:lnSpc>
+            </a:pPr>
+            <a:fld id="{F4B72376-836A-4757-82EC-8ECC63E42F29}" type="slidenum">
+              <a:rPr b="0" lang="pt-BR" sz="1400" spc="-1" strike="noStrike">
+                <a:solidFill>
+                  <a:srgbClr val="ffffff"/>
+                </a:solidFill>
+                <a:latin typeface="Arial"/>
+              </a:rPr>
+              <a:t>&lt;number&gt;</a:t>
+            </a:fld>
+            <a:endParaRPr b="0" lang="pt-BR" sz="1400" spc="-1" strike="noStrike">
+              <a:latin typeface="Arial"/>
+            </a:endParaRPr>
+          </a:p>
+        </p:txBody>
+      </p:sp>
+      <p:sp>
+        <p:nvSpPr>
+          <p:cNvPr id="45" name="PlaceHolder 4"/>
           <p:cNvSpPr>
             <a:spLocks noGrp="1"/>
           </p:cNvSpPr>
@@ -3283,7 +4617,7 @@
         <p:spPr>
           <a:xfrm>
             <a:off x="504000" y="565560"/>
-            <a:ext cx="9071640" cy="946440"/>
+            <a:ext cx="9071280" cy="946080"/>
           </a:xfrm>
           <a:prstGeom prst="rect">
             <a:avLst/>
@@ -3295,26 +4629,20 @@
           </a:bodyPr>
           <a:p>
             <a:r>
-              <a:rPr b="0" lang="pt-BR" sz="4400" spc="-1" strike="noStrike">
-                <a:solidFill>
-                  <a:srgbClr val="c7243a"/>
-                </a:solidFill>
+              <a:rPr b="0" lang="pt-BR" sz="1800" spc="-1" strike="noStrike">
                 <a:latin typeface="Arial"/>
               </a:rPr>
               <a:t>Click to edit the title text format</a:t>
             </a:r>
-            <a:endParaRPr b="0" lang="pt-BR" sz="4400" spc="-1" strike="noStrike">
-              <a:solidFill>
-                <a:srgbClr val="c7243a"/>
-              </a:solidFill>
-              <a:latin typeface="Arial"/>
-            </a:endParaRPr>
-          </a:p>
-        </p:txBody>
-      </p:sp>
-      <p:sp>
-        <p:nvSpPr>
-          <p:cNvPr id="46" name="PlaceHolder 2"/>
+            <a:endParaRPr b="0" lang="pt-BR" sz="1800" spc="-1" strike="noStrike">
+              <a:latin typeface="Arial"/>
+            </a:endParaRPr>
+          </a:p>
+        </p:txBody>
+      </p:sp>
+      <p:sp>
+        <p:nvSpPr>
+          <p:cNvPr id="46" name="PlaceHolder 5"/>
           <p:cNvSpPr>
             <a:spLocks noGrp="1"/>
           </p:cNvSpPr>
@@ -3325,7 +4653,7 @@
         <p:spPr>
           <a:xfrm>
             <a:off x="504000" y="1656000"/>
-            <a:ext cx="9071640" cy="2958840"/>
+            <a:ext cx="9071280" cy="2958480"/>
           </a:xfrm>
           <a:prstGeom prst="rect">
             <a:avLst/>
@@ -3337,9 +4665,9 @@
           </a:bodyPr>
           <a:p>
             <a:pPr marL="432000" indent="-324000">
-              <a:spcAft>
-                <a:spcPts val="1414"/>
-              </a:spcAft>
+              <a:spcBef>
+                <a:spcPts val="1417"/>
+              </a:spcBef>
               <a:buClr>
                 <a:srgbClr val="000000"/>
               </a:buClr>
@@ -3348,20 +4676,20 @@
               <a:buChar char=""/>
             </a:pPr>
             <a:r>
-              <a:rPr b="0" lang="pt-BR" sz="3200" spc="-1" strike="noStrike">
+              <a:rPr b="0" lang="pt-BR" sz="1800" spc="-1" strike="noStrike">
                 <a:latin typeface="Arial"/>
               </a:rPr>
               <a:t>Click to edit the outline text format</a:t>
             </a:r>
-            <a:endParaRPr b="0" lang="pt-BR" sz="3200" spc="-1" strike="noStrike">
+            <a:endParaRPr b="0" lang="pt-BR" sz="1800" spc="-1" strike="noStrike">
               <a:latin typeface="Arial"/>
             </a:endParaRPr>
           </a:p>
           <a:p>
             <a:pPr lvl="1" marL="864000" indent="-324000">
-              <a:spcAft>
+              <a:spcBef>
                 <a:spcPts val="1134"/>
-              </a:spcAft>
+              </a:spcBef>
               <a:buClr>
                 <a:srgbClr val="000000"/>
               </a:buClr>
@@ -3370,20 +4698,20 @@
               <a:buChar char=""/>
             </a:pPr>
             <a:r>
-              <a:rPr b="0" lang="pt-BR" sz="2800" spc="-1" strike="noStrike">
+              <a:rPr b="0" lang="pt-BR" sz="1800" spc="-1" strike="noStrike">
                 <a:latin typeface="Arial"/>
               </a:rPr>
               <a:t>Second Outline Level</a:t>
             </a:r>
-            <a:endParaRPr b="0" lang="pt-BR" sz="2800" spc="-1" strike="noStrike">
+            <a:endParaRPr b="0" lang="pt-BR" sz="1800" spc="-1" strike="noStrike">
               <a:latin typeface="Arial"/>
             </a:endParaRPr>
           </a:p>
           <a:p>
             <a:pPr lvl="2" marL="1296000" indent="-288000">
-              <a:spcAft>
+              <a:spcBef>
                 <a:spcPts val="850"/>
-              </a:spcAft>
+              </a:spcBef>
               <a:buClr>
                 <a:srgbClr val="000000"/>
               </a:buClr>
@@ -3392,20 +4720,20 @@
               <a:buChar char=""/>
             </a:pPr>
             <a:r>
-              <a:rPr b="0" lang="pt-BR" sz="2400" spc="-1" strike="noStrike">
+              <a:rPr b="0" lang="pt-BR" sz="1800" spc="-1" strike="noStrike">
                 <a:latin typeface="Arial"/>
               </a:rPr>
               <a:t>Third Outline Level</a:t>
             </a:r>
-            <a:endParaRPr b="0" lang="pt-BR" sz="2400" spc="-1" strike="noStrike">
+            <a:endParaRPr b="0" lang="pt-BR" sz="1800" spc="-1" strike="noStrike">
               <a:latin typeface="Arial"/>
             </a:endParaRPr>
           </a:p>
           <a:p>
             <a:pPr lvl="3" marL="1728000" indent="-216000">
-              <a:spcAft>
+              <a:spcBef>
                 <a:spcPts val="567"/>
-              </a:spcAft>
+              </a:spcBef>
               <a:buClr>
                 <a:srgbClr val="000000"/>
               </a:buClr>
@@ -3414,20 +4742,20 @@
               <a:buChar char=""/>
             </a:pPr>
             <a:r>
-              <a:rPr b="0" lang="pt-BR" sz="2000" spc="-1" strike="noStrike">
+              <a:rPr b="0" lang="pt-BR" sz="1800" spc="-1" strike="noStrike">
                 <a:latin typeface="Arial"/>
               </a:rPr>
               <a:t>Fourth Outline Level</a:t>
             </a:r>
-            <a:endParaRPr b="0" lang="pt-BR" sz="2000" spc="-1" strike="noStrike">
+            <a:endParaRPr b="0" lang="pt-BR" sz="1800" spc="-1" strike="noStrike">
               <a:latin typeface="Arial"/>
             </a:endParaRPr>
           </a:p>
           <a:p>
             <a:pPr lvl="4" marL="2160000" indent="-216000">
-              <a:spcAft>
+              <a:spcBef>
                 <a:spcPts val="283"/>
-              </a:spcAft>
+              </a:spcBef>
               <a:buClr>
                 <a:srgbClr val="000000"/>
               </a:buClr>
@@ -3436,20 +4764,20 @@
               <a:buChar char=""/>
             </a:pPr>
             <a:r>
-              <a:rPr b="0" lang="pt-BR" sz="2000" spc="-1" strike="noStrike">
+              <a:rPr b="0" lang="pt-BR" sz="1800" spc="-1" strike="noStrike">
                 <a:latin typeface="Arial"/>
               </a:rPr>
               <a:t>Fifth Outline Level</a:t>
             </a:r>
-            <a:endParaRPr b="0" lang="pt-BR" sz="2000" spc="-1" strike="noStrike">
+            <a:endParaRPr b="0" lang="pt-BR" sz="1800" spc="-1" strike="noStrike">
               <a:latin typeface="Arial"/>
             </a:endParaRPr>
           </a:p>
           <a:p>
             <a:pPr lvl="5" marL="2592000" indent="-216000">
-              <a:spcAft>
+              <a:spcBef>
                 <a:spcPts val="283"/>
-              </a:spcAft>
+              </a:spcBef>
               <a:buClr>
                 <a:srgbClr val="000000"/>
               </a:buClr>
@@ -3458,20 +4786,20 @@
               <a:buChar char=""/>
             </a:pPr>
             <a:r>
-              <a:rPr b="0" lang="pt-BR" sz="2000" spc="-1" strike="noStrike">
+              <a:rPr b="0" lang="pt-BR" sz="1800" spc="-1" strike="noStrike">
                 <a:latin typeface="Arial"/>
               </a:rPr>
               <a:t>Sixth Outline Level</a:t>
             </a:r>
-            <a:endParaRPr b="0" lang="pt-BR" sz="2000" spc="-1" strike="noStrike">
+            <a:endParaRPr b="0" lang="pt-BR" sz="1800" spc="-1" strike="noStrike">
               <a:latin typeface="Arial"/>
             </a:endParaRPr>
           </a:p>
           <a:p>
             <a:pPr lvl="6" marL="3024000" indent="-216000">
-              <a:spcAft>
+              <a:spcBef>
                 <a:spcPts val="283"/>
-              </a:spcAft>
+              </a:spcBef>
               <a:buClr>
                 <a:srgbClr val="000000"/>
               </a:buClr>
@@ -3480,167 +4808,12 @@
               <a:buChar char=""/>
             </a:pPr>
             <a:r>
-              <a:rPr b="0" lang="pt-BR" sz="2000" spc="-1" strike="noStrike">
+              <a:rPr b="0" lang="pt-BR" sz="1800" spc="-1" strike="noStrike">
                 <a:latin typeface="Arial"/>
               </a:rPr>
               <a:t>Seventh Outline Level</a:t>
             </a:r>
-            <a:endParaRPr b="0" lang="pt-BR" sz="2000" spc="-1" strike="noStrike">
-              <a:latin typeface="Arial"/>
-            </a:endParaRPr>
-          </a:p>
-        </p:txBody>
-      </p:sp>
-      <p:sp>
-        <p:nvSpPr>
-          <p:cNvPr id="47" name="PlaceHolder 3"/>
-          <p:cNvSpPr>
-            <a:spLocks noGrp="1"/>
-          </p:cNvSpPr>
-          <p:nvPr>
-            <p:ph type="dt"/>
-          </p:nvPr>
-        </p:nvSpPr>
-        <p:spPr>
-          <a:xfrm>
-            <a:off x="1008000" y="5400720"/>
-            <a:ext cx="2240280" cy="390600"/>
-          </a:xfrm>
-          <a:prstGeom prst="rect">
-            <a:avLst/>
-          </a:prstGeom>
-        </p:spPr>
-        <p:txBody>
-          <a:bodyPr lIns="0" rIns="0" tIns="0" bIns="0">
-            <a:noAutofit/>
-          </a:bodyPr>
-          <a:p>
-            <a:r>
-              <a:rPr b="0" lang="pt-BR" sz="1400" spc="-1" strike="noStrike">
-                <a:latin typeface="Arial"/>
-              </a:rPr>
-              <a:t>&lt;date/time&gt;</a:t>
-            </a:r>
-            <a:endParaRPr b="0" lang="pt-BR" sz="1400" spc="-1" strike="noStrike">
-              <a:latin typeface="Arial"/>
-            </a:endParaRPr>
-          </a:p>
-        </p:txBody>
-      </p:sp>
-      <p:sp>
-        <p:nvSpPr>
-          <p:cNvPr id="48" name="TextShape 4"/>
-          <p:cNvSpPr txBox="1"/>
-          <p:nvPr/>
-        </p:nvSpPr>
-        <p:spPr>
-          <a:xfrm>
-            <a:off x="1728360" y="5400360"/>
-            <a:ext cx="2348280" cy="390960"/>
-          </a:xfrm>
-          <a:prstGeom prst="rect">
-            <a:avLst/>
-          </a:prstGeom>
-          <a:noFill/>
-          <a:ln>
-            <a:noFill/>
-          </a:ln>
-        </p:spPr>
-        <p:txBody>
-          <a:bodyPr lIns="0" rIns="0" tIns="0" bIns="0">
-            <a:noAutofit/>
-          </a:bodyPr>
-          <a:p>
-            <a:r>
-              <a:rPr b="0" lang="pt-BR" sz="1400" spc="-1" strike="noStrike">
-                <a:solidFill>
-                  <a:srgbClr val="ffffff"/>
-                </a:solidFill>
-                <a:latin typeface="Arial"/>
-              </a:rPr>
-              <a:t>&lt;date/time&gt;</a:t>
-            </a:r>
-            <a:endParaRPr b="0" lang="pt-BR" sz="1400" spc="-1" strike="noStrike">
-              <a:latin typeface="Arial"/>
-            </a:endParaRPr>
-          </a:p>
-        </p:txBody>
-      </p:sp>
-      <p:sp>
-        <p:nvSpPr>
-          <p:cNvPr id="49" name="TextShape 5"/>
-          <p:cNvSpPr txBox="1"/>
-          <p:nvPr/>
-        </p:nvSpPr>
-        <p:spPr>
-          <a:xfrm>
-            <a:off x="4221360" y="5400360"/>
-            <a:ext cx="3195000" cy="390960"/>
-          </a:xfrm>
-          <a:prstGeom prst="rect">
-            <a:avLst/>
-          </a:prstGeom>
-          <a:noFill/>
-          <a:ln>
-            <a:noFill/>
-          </a:ln>
-        </p:spPr>
-        <p:txBody>
-          <a:bodyPr lIns="0" rIns="0" tIns="0" bIns="0">
-            <a:noAutofit/>
-          </a:bodyPr>
-          <a:p>
-            <a:pPr algn="ctr"/>
-            <a:r>
-              <a:rPr b="0" lang="pt-BR" sz="1400" spc="-1" strike="noStrike">
-                <a:solidFill>
-                  <a:srgbClr val="ffffff"/>
-                </a:solidFill>
-                <a:latin typeface="Arial"/>
-              </a:rPr>
-              <a:t>&lt;footer&gt;</a:t>
-            </a:r>
-            <a:endParaRPr b="0" lang="pt-BR" sz="1400" spc="-1" strike="noStrike">
-              <a:latin typeface="Arial"/>
-            </a:endParaRPr>
-          </a:p>
-        </p:txBody>
-      </p:sp>
-      <p:sp>
-        <p:nvSpPr>
-          <p:cNvPr id="50" name="TextShape 6"/>
-          <p:cNvSpPr txBox="1"/>
-          <p:nvPr/>
-        </p:nvSpPr>
-        <p:spPr>
-          <a:xfrm>
-            <a:off x="7659720" y="5400360"/>
-            <a:ext cx="2348280" cy="390960"/>
-          </a:xfrm>
-          <a:prstGeom prst="rect">
-            <a:avLst/>
-          </a:prstGeom>
-          <a:noFill/>
-          <a:ln>
-            <a:noFill/>
-          </a:ln>
-        </p:spPr>
-        <p:txBody>
-          <a:bodyPr lIns="0" rIns="0" tIns="0" bIns="0">
-            <a:noAutofit/>
-          </a:bodyPr>
-          <a:p>
-            <a:pPr algn="r"/>
-            <a:fld id="{9D0C942D-9B8A-4FBE-96ED-B9CF76BC3E3E}" type="slidenum">
-              <a:rPr b="0" lang="pt-BR" sz="1400" spc="-1" strike="noStrike">
-                <a:solidFill>
-                  <a:srgbClr val="ffffff"/>
-                </a:solidFill>
-                <a:latin typeface="Arial"/>
-              </a:rPr>
-              <a:t>&lt;number&gt;</a:t>
-            </a:fld>
-            <a:endParaRPr b="0" lang="pt-BR" sz="1400" spc="-1" strike="noStrike">
+            <a:endParaRPr b="0" lang="pt-BR" sz="1800" spc="-1" strike="noStrike">
               <a:latin typeface="Arial"/>
             </a:endParaRPr>
           </a:p>
@@ -3662,6 +4835,454 @@
     <p:sldLayoutId id="2147483671" r:id="rId13"/>
     <p:sldLayoutId id="2147483672" r:id="rId14"/>
     <p:sldLayoutId id="2147483673" r:id="rId15"/>
+  </p:sldLayoutIdLst>
+</p:sldMaster>
+</file>
+
+<file path=ppt/slideMasters/slideMaster3.xml><?xml version="1.0" encoding="utf-8"?>
+<p:sldMaster xmlns:a="http://schemas.openxmlformats.org/drawingml/2006/main" xmlns:p="http://schemas.openxmlformats.org/presentationml/2006/main" xmlns:r="http://schemas.openxmlformats.org/officeDocument/2006/relationships" xmlns:p14="http://schemas.microsoft.com/office/powerpoint/2010/main" xmlns:p15="http://schemas.microsoft.com/office/powerpoint/2012/main" xmlns:mc="http://schemas.openxmlformats.org/markup-compatibility/2006">
+  <p:cSld>
+    <p:spTree>
+      <p:nvGrpSpPr>
+        <p:cNvPr id="1" name=""/>
+        <p:cNvGrpSpPr/>
+        <p:nvPr/>
+      </p:nvGrpSpPr>
+      <p:grpSpPr>
+        <a:xfrm>
+          <a:off x="0" y="0"/>
+          <a:ext cx="0" cy="0"/>
+          <a:chOff x="0" y="0"/>
+          <a:chExt cx="0" cy="0"/>
+        </a:xfrm>
+      </p:grpSpPr>
+      <p:pic>
+        <p:nvPicPr>
+          <p:cNvPr id="83" name="" descr=""/>
+          <p:cNvPicPr/>
+          <p:nvPr/>
+        </p:nvPicPr>
+        <p:blipFill>
+          <a:blip r:embed="rId2"/>
+          <a:stretch/>
+        </p:blipFill>
+        <p:spPr>
+          <a:xfrm>
+            <a:off x="6120" y="0"/>
+            <a:ext cx="10079640" cy="323640"/>
+          </a:xfrm>
+          <a:prstGeom prst="rect">
+            <a:avLst/>
+          </a:prstGeom>
+          <a:ln>
+            <a:noFill/>
+          </a:ln>
+        </p:spPr>
+      </p:pic>
+      <p:pic>
+        <p:nvPicPr>
+          <p:cNvPr id="84" name="" descr=""/>
+          <p:cNvPicPr/>
+          <p:nvPr/>
+        </p:nvPicPr>
+        <p:blipFill>
+          <a:blip r:embed="rId3"/>
+          <a:stretch/>
+        </p:blipFill>
+        <p:spPr>
+          <a:xfrm>
+            <a:off x="6120" y="5357160"/>
+            <a:ext cx="10079640" cy="323640"/>
+          </a:xfrm>
+          <a:prstGeom prst="rect">
+            <a:avLst/>
+          </a:prstGeom>
+          <a:ln>
+            <a:noFill/>
+          </a:ln>
+        </p:spPr>
+      </p:pic>
+      <p:sp>
+        <p:nvSpPr>
+          <p:cNvPr id="85" name="CustomShape 1"/>
+          <p:cNvSpPr/>
+          <p:nvPr/>
+        </p:nvSpPr>
+        <p:spPr>
+          <a:xfrm>
+            <a:off x="1728360" y="5400360"/>
+            <a:ext cx="2347920" cy="390600"/>
+          </a:xfrm>
+          <a:prstGeom prst="rect">
+            <a:avLst/>
+          </a:prstGeom>
+          <a:noFill/>
+          <a:ln>
+            <a:noFill/>
+          </a:ln>
+        </p:spPr>
+        <p:style>
+          <a:lnRef idx="0"/>
+          <a:fillRef idx="0"/>
+          <a:effectRef idx="0"/>
+          <a:fontRef idx="minor"/>
+        </p:style>
+        <p:txBody>
+          <a:bodyPr lIns="0" rIns="0" tIns="0" bIns="0">
+            <a:noAutofit/>
+          </a:bodyPr>
+          <a:p>
+            <a:pPr>
+              <a:lnSpc>
+                <a:spcPct val="100000"/>
+              </a:lnSpc>
+            </a:pPr>
+            <a:r>
+              <a:rPr b="0" lang="pt-BR" sz="1400" spc="-1" strike="noStrike">
+                <a:solidFill>
+                  <a:srgbClr val="ffffff"/>
+                </a:solidFill>
+                <a:latin typeface="Arial"/>
+              </a:rPr>
+              <a:t>&lt;date/time&gt;</a:t>
+            </a:r>
+            <a:endParaRPr b="0" lang="pt-BR" sz="1400" spc="-1" strike="noStrike">
+              <a:latin typeface="Arial"/>
+            </a:endParaRPr>
+          </a:p>
+        </p:txBody>
+      </p:sp>
+      <p:sp>
+        <p:nvSpPr>
+          <p:cNvPr id="86" name="CustomShape 2"/>
+          <p:cNvSpPr/>
+          <p:nvPr/>
+        </p:nvSpPr>
+        <p:spPr>
+          <a:xfrm>
+            <a:off x="4221360" y="5400360"/>
+            <a:ext cx="3194640" cy="390600"/>
+          </a:xfrm>
+          <a:prstGeom prst="rect">
+            <a:avLst/>
+          </a:prstGeom>
+          <a:noFill/>
+          <a:ln>
+            <a:noFill/>
+          </a:ln>
+        </p:spPr>
+        <p:style>
+          <a:lnRef idx="0"/>
+          <a:fillRef idx="0"/>
+          <a:effectRef idx="0"/>
+          <a:fontRef idx="minor"/>
+        </p:style>
+        <p:txBody>
+          <a:bodyPr lIns="0" rIns="0" tIns="0" bIns="0">
+            <a:noAutofit/>
+          </a:bodyPr>
+          <a:p>
+            <a:pPr algn="ctr">
+              <a:lnSpc>
+                <a:spcPct val="100000"/>
+              </a:lnSpc>
+            </a:pPr>
+            <a:r>
+              <a:rPr b="0" lang="pt-BR" sz="1400" spc="-1" strike="noStrike">
+                <a:solidFill>
+                  <a:srgbClr val="ffffff"/>
+                </a:solidFill>
+                <a:latin typeface="Arial"/>
+              </a:rPr>
+              <a:t>&lt;footer&gt;</a:t>
+            </a:r>
+            <a:endParaRPr b="0" lang="pt-BR" sz="1400" spc="-1" strike="noStrike">
+              <a:latin typeface="Arial"/>
+            </a:endParaRPr>
+          </a:p>
+        </p:txBody>
+      </p:sp>
+      <p:sp>
+        <p:nvSpPr>
+          <p:cNvPr id="87" name="CustomShape 3"/>
+          <p:cNvSpPr/>
+          <p:nvPr/>
+        </p:nvSpPr>
+        <p:spPr>
+          <a:xfrm>
+            <a:off x="7659720" y="5400360"/>
+            <a:ext cx="2347920" cy="390600"/>
+          </a:xfrm>
+          <a:prstGeom prst="rect">
+            <a:avLst/>
+          </a:prstGeom>
+          <a:noFill/>
+          <a:ln>
+            <a:noFill/>
+          </a:ln>
+        </p:spPr>
+        <p:style>
+          <a:lnRef idx="0"/>
+          <a:fillRef idx="0"/>
+          <a:effectRef idx="0"/>
+          <a:fontRef idx="minor"/>
+        </p:style>
+        <p:txBody>
+          <a:bodyPr lIns="0" rIns="0" tIns="0" bIns="0">
+            <a:noAutofit/>
+          </a:bodyPr>
+          <a:p>
+            <a:pPr algn="r">
+              <a:lnSpc>
+                <a:spcPct val="100000"/>
+              </a:lnSpc>
+            </a:pPr>
+            <a:fld id="{024DCC1E-3703-4416-9E6F-55F43FF03016}" type="slidenum">
+              <a:rPr b="0" lang="pt-BR" sz="1400" spc="-1" strike="noStrike">
+                <a:solidFill>
+                  <a:srgbClr val="ffffff"/>
+                </a:solidFill>
+                <a:latin typeface="Arial"/>
+              </a:rPr>
+              <a:t>&lt;number&gt;</a:t>
+            </a:fld>
+            <a:endParaRPr b="0" lang="pt-BR" sz="1400" spc="-1" strike="noStrike">
+              <a:latin typeface="Arial"/>
+            </a:endParaRPr>
+          </a:p>
+        </p:txBody>
+      </p:sp>
+      <p:sp>
+        <p:nvSpPr>
+          <p:cNvPr id="88" name="PlaceHolder 4"/>
+          <p:cNvSpPr>
+            <a:spLocks noGrp="1"/>
+          </p:cNvSpPr>
+          <p:nvPr>
+            <p:ph type="title"/>
+          </p:nvPr>
+        </p:nvSpPr>
+        <p:spPr>
+          <a:xfrm>
+            <a:off x="504000" y="565560"/>
+            <a:ext cx="9071280" cy="946080"/>
+          </a:xfrm>
+          <a:prstGeom prst="rect">
+            <a:avLst/>
+          </a:prstGeom>
+        </p:spPr>
+        <p:txBody>
+          <a:bodyPr lIns="0" rIns="0" tIns="0" bIns="0" anchor="ctr">
+            <a:noAutofit/>
+          </a:bodyPr>
+          <a:p>
+            <a:r>
+              <a:rPr b="0" lang="pt-BR" sz="1800" spc="-1" strike="noStrike">
+                <a:latin typeface="Arial"/>
+              </a:rPr>
+              <a:t>Click to edit the title text format</a:t>
+            </a:r>
+            <a:endParaRPr b="0" lang="pt-BR" sz="1800" spc="-1" strike="noStrike">
+              <a:latin typeface="Arial"/>
+            </a:endParaRPr>
+          </a:p>
+        </p:txBody>
+      </p:sp>
+      <p:sp>
+        <p:nvSpPr>
+          <p:cNvPr id="89" name="PlaceHolder 5"/>
+          <p:cNvSpPr>
+            <a:spLocks noGrp="1"/>
+          </p:cNvSpPr>
+          <p:nvPr>
+            <p:ph type="body"/>
+          </p:nvPr>
+        </p:nvSpPr>
+        <p:spPr>
+          <a:xfrm>
+            <a:off x="504000" y="1656000"/>
+            <a:ext cx="9071280" cy="2958480"/>
+          </a:xfrm>
+          <a:prstGeom prst="rect">
+            <a:avLst/>
+          </a:prstGeom>
+        </p:spPr>
+        <p:txBody>
+          <a:bodyPr lIns="0" rIns="0" tIns="0" bIns="0">
+            <a:normAutofit/>
+          </a:bodyPr>
+          <a:p>
+            <a:pPr marL="432000" indent="-324000">
+              <a:spcBef>
+                <a:spcPts val="1417"/>
+              </a:spcBef>
+              <a:buClr>
+                <a:srgbClr val="000000"/>
+              </a:buClr>
+              <a:buSzPct val="45000"/>
+              <a:buFont typeface="Wingdings" charset="2"/>
+              <a:buChar char=""/>
+            </a:pPr>
+            <a:r>
+              <a:rPr b="0" lang="pt-BR" sz="1800" spc="-1" strike="noStrike">
+                <a:latin typeface="Arial"/>
+              </a:rPr>
+              <a:t>Click to edit the outline text format</a:t>
+            </a:r>
+            <a:endParaRPr b="0" lang="pt-BR" sz="1800" spc="-1" strike="noStrike">
+              <a:latin typeface="Arial"/>
+            </a:endParaRPr>
+          </a:p>
+          <a:p>
+            <a:pPr lvl="1" marL="864000" indent="-324000">
+              <a:spcBef>
+                <a:spcPts val="1134"/>
+              </a:spcBef>
+              <a:buClr>
+                <a:srgbClr val="000000"/>
+              </a:buClr>
+              <a:buSzPct val="75000"/>
+              <a:buFont typeface="Symbol" charset="2"/>
+              <a:buChar char=""/>
+            </a:pPr>
+            <a:r>
+              <a:rPr b="0" lang="pt-BR" sz="1800" spc="-1" strike="noStrike">
+                <a:latin typeface="Arial"/>
+              </a:rPr>
+              <a:t>Second Outline Level</a:t>
+            </a:r>
+            <a:endParaRPr b="0" lang="pt-BR" sz="1800" spc="-1" strike="noStrike">
+              <a:latin typeface="Arial"/>
+            </a:endParaRPr>
+          </a:p>
+          <a:p>
+            <a:pPr lvl="2" marL="1296000" indent="-288000">
+              <a:spcBef>
+                <a:spcPts val="850"/>
+              </a:spcBef>
+              <a:buClr>
+                <a:srgbClr val="000000"/>
+              </a:buClr>
+              <a:buSzPct val="45000"/>
+              <a:buFont typeface="Wingdings" charset="2"/>
+              <a:buChar char=""/>
+            </a:pPr>
+            <a:r>
+              <a:rPr b="0" lang="pt-BR" sz="1800" spc="-1" strike="noStrike">
+                <a:latin typeface="Arial"/>
+              </a:rPr>
+              <a:t>Third Outline Level</a:t>
+            </a:r>
+            <a:endParaRPr b="0" lang="pt-BR" sz="1800" spc="-1" strike="noStrike">
+              <a:latin typeface="Arial"/>
+            </a:endParaRPr>
+          </a:p>
+          <a:p>
+            <a:pPr lvl="3" marL="1728000" indent="-216000">
+              <a:spcBef>
+                <a:spcPts val="567"/>
+              </a:spcBef>
+              <a:buClr>
+                <a:srgbClr val="000000"/>
+              </a:buClr>
+              <a:buSzPct val="75000"/>
+              <a:buFont typeface="Symbol" charset="2"/>
+              <a:buChar char=""/>
+            </a:pPr>
+            <a:r>
+              <a:rPr b="0" lang="pt-BR" sz="1800" spc="-1" strike="noStrike">
+                <a:latin typeface="Arial"/>
+              </a:rPr>
+              <a:t>Fourth Outline Level</a:t>
+            </a:r>
+            <a:endParaRPr b="0" lang="pt-BR" sz="1800" spc="-1" strike="noStrike">
+              <a:latin typeface="Arial"/>
+            </a:endParaRPr>
+          </a:p>
+          <a:p>
+            <a:pPr lvl="4" marL="2160000" indent="-216000">
+              <a:spcBef>
+                <a:spcPts val="283"/>
+              </a:spcBef>
+              <a:buClr>
+                <a:srgbClr val="000000"/>
+              </a:buClr>
+              <a:buSzPct val="45000"/>
+              <a:buFont typeface="Wingdings" charset="2"/>
+              <a:buChar char=""/>
+            </a:pPr>
+            <a:r>
+              <a:rPr b="0" lang="pt-BR" sz="1800" spc="-1" strike="noStrike">
+                <a:latin typeface="Arial"/>
+              </a:rPr>
+              <a:t>Fifth Outline Level</a:t>
+            </a:r>
+            <a:endParaRPr b="0" lang="pt-BR" sz="1800" spc="-1" strike="noStrike">
+              <a:latin typeface="Arial"/>
+            </a:endParaRPr>
+          </a:p>
+          <a:p>
+            <a:pPr lvl="5" marL="2592000" indent="-216000">
+              <a:spcBef>
+                <a:spcPts val="283"/>
+              </a:spcBef>
+              <a:buClr>
+                <a:srgbClr val="000000"/>
+              </a:buClr>
+              <a:buSzPct val="45000"/>
+              <a:buFont typeface="Wingdings" charset="2"/>
+              <a:buChar char=""/>
+            </a:pPr>
+            <a:r>
+              <a:rPr b="0" lang="pt-BR" sz="1800" spc="-1" strike="noStrike">
+                <a:latin typeface="Arial"/>
+              </a:rPr>
+              <a:t>Sixth Outline Level</a:t>
+            </a:r>
+            <a:endParaRPr b="0" lang="pt-BR" sz="1800" spc="-1" strike="noStrike">
+              <a:latin typeface="Arial"/>
+            </a:endParaRPr>
+          </a:p>
+          <a:p>
+            <a:pPr lvl="6" marL="3024000" indent="-216000">
+              <a:spcBef>
+                <a:spcPts val="283"/>
+              </a:spcBef>
+              <a:buClr>
+                <a:srgbClr val="000000"/>
+              </a:buClr>
+              <a:buSzPct val="45000"/>
+              <a:buFont typeface="Wingdings" charset="2"/>
+              <a:buChar char=""/>
+            </a:pPr>
+            <a:r>
+              <a:rPr b="0" lang="pt-BR" sz="1800" spc="-1" strike="noStrike">
+                <a:latin typeface="Arial"/>
+              </a:rPr>
+              <a:t>Seventh Outline Level</a:t>
+            </a:r>
+            <a:endParaRPr b="0" lang="pt-BR" sz="1800" spc="-1" strike="noStrike">
+              <a:latin typeface="Arial"/>
+            </a:endParaRPr>
+          </a:p>
+        </p:txBody>
+      </p:sp>
+    </p:spTree>
+  </p:cSld>
+  <p:clrMap bg1="lt1" bg2="lt2" tx1="dk1" tx2="dk2" accent1="accent1" accent2="accent2" accent3="accent3" accent4="accent4" accent5="accent5" accent6="accent6" hlink="hlink" folHlink="folHlink"/>
+  <p:sldLayoutIdLst>
+    <p:sldLayoutId id="2147483675" r:id="rId4"/>
+    <p:sldLayoutId id="2147483676" r:id="rId5"/>
+    <p:sldLayoutId id="2147483677" r:id="rId6"/>
+    <p:sldLayoutId id="2147483678" r:id="rId7"/>
+    <p:sldLayoutId id="2147483679" r:id="rId8"/>
+    <p:sldLayoutId id="2147483680" r:id="rId9"/>
+    <p:sldLayoutId id="2147483681" r:id="rId10"/>
+    <p:sldLayoutId id="2147483682" r:id="rId11"/>
+    <p:sldLayoutId id="2147483683" r:id="rId12"/>
+    <p:sldLayoutId id="2147483684" r:id="rId13"/>
+    <p:sldLayoutId id="2147483685" r:id="rId14"/>
+    <p:sldLayoutId id="2147483686" r:id="rId15"/>
   </p:sldLayoutIdLst>
 </p:sldMaster>
 </file>
@@ -3685,14 +5306,14 @@
       </p:grpSpPr>
       <p:sp>
         <p:nvSpPr>
-          <p:cNvPr id="87" name="TextShape 1"/>
-          <p:cNvSpPr txBox="1"/>
+          <p:cNvPr id="126" name="CustomShape 1"/>
+          <p:cNvSpPr/>
           <p:nvPr/>
         </p:nvSpPr>
         <p:spPr>
           <a:xfrm>
             <a:off x="7920" y="648000"/>
-            <a:ext cx="9071640" cy="2736000"/>
+            <a:ext cx="9071280" cy="2735640"/>
           </a:xfrm>
           <a:prstGeom prst="rect">
             <a:avLst/>
@@ -3704,11 +5325,22 @@
             <a:noFill/>
           </a:ln>
         </p:spPr>
+        <p:style>
+          <a:lnRef idx="0"/>
+          <a:fillRef idx="0"/>
+          <a:effectRef idx="0"/>
+          <a:fontRef idx="minor"/>
+        </p:style>
         <p:txBody>
           <a:bodyPr lIns="72000" rIns="0" tIns="0" bIns="0" anchor="ctr">
             <a:noAutofit/>
           </a:bodyPr>
           <a:p>
+            <a:pPr>
+              <a:lnSpc>
+                <a:spcPct val="100000"/>
+              </a:lnSpc>
+            </a:pPr>
             <a:r>
               <a:rPr b="0" lang="pt-BR" sz="4400" spc="-1" strike="noStrike">
                 <a:solidFill>
@@ -3719,24 +5351,21 @@
               <a:t>Unit Test with VS code</a:t>
             </a:r>
             <a:endParaRPr b="0" lang="pt-BR" sz="4400" spc="-1" strike="noStrike">
-              <a:solidFill>
-                <a:srgbClr val="ffffff"/>
-              </a:solidFill>
-              <a:latin typeface="Arial"/>
-            </a:endParaRPr>
-          </a:p>
-        </p:txBody>
-      </p:sp>
-      <p:sp>
-        <p:nvSpPr>
-          <p:cNvPr id="88" name="TextShape 2"/>
-          <p:cNvSpPr txBox="1"/>
+              <a:latin typeface="Arial"/>
+            </a:endParaRPr>
+          </a:p>
+        </p:txBody>
+      </p:sp>
+      <p:sp>
+        <p:nvSpPr>
+          <p:cNvPr id="127" name="CustomShape 2"/>
+          <p:cNvSpPr/>
           <p:nvPr/>
         </p:nvSpPr>
         <p:spPr>
           <a:xfrm>
             <a:off x="3816000" y="3600000"/>
-            <a:ext cx="5255640" cy="1367640"/>
+            <a:ext cx="5255280" cy="1367280"/>
           </a:xfrm>
           <a:prstGeom prst="rect">
             <a:avLst/>
@@ -3746,12 +5375,22 @@
             <a:noFill/>
           </a:ln>
         </p:spPr>
+        <p:style>
+          <a:lnRef idx="0"/>
+          <a:fillRef idx="0"/>
+          <a:effectRef idx="0"/>
+          <a:fontRef idx="minor"/>
+        </p:style>
         <p:txBody>
           <a:bodyPr lIns="0" rIns="0" tIns="0" bIns="0">
             <a:noAutofit/>
           </a:bodyPr>
           <a:p>
-            <a:pPr algn="ctr"/>
+            <a:pPr algn="ctr">
+              <a:lnSpc>
+                <a:spcPct val="100000"/>
+              </a:lnSpc>
+            </a:pPr>
             <a:r>
               <a:rPr b="0" lang="pt-BR" sz="3200" spc="-1" strike="noStrike">
                 <a:latin typeface="Arial"/>
@@ -3763,7 +5402,11 @@
             </a:endParaRPr>
           </a:p>
           <a:p>
-            <a:pPr algn="ctr"/>
+            <a:pPr algn="ctr">
+              <a:lnSpc>
+                <a:spcPct val="100000"/>
+              </a:lnSpc>
+            </a:pPr>
             <a:r>
               <a:rPr b="0" lang="pt-BR" sz="3200" spc="-1" strike="noStrike">
                 <a:latin typeface="Arial"/>
@@ -3775,7 +5418,11 @@
             </a:endParaRPr>
           </a:p>
           <a:p>
-            <a:pPr algn="ctr"/>
+            <a:pPr algn="ctr">
+              <a:lnSpc>
+                <a:spcPct val="100000"/>
+              </a:lnSpc>
+            </a:pPr>
             <a:r>
               <a:rPr b="0" lang="pt-BR" sz="3200" spc="-1" strike="noStrike">
                 <a:latin typeface="Arial"/>
@@ -3820,14 +5467,14 @@
       </p:grpSpPr>
       <p:sp>
         <p:nvSpPr>
-          <p:cNvPr id="113" name="TextShape 1"/>
-          <p:cNvSpPr txBox="1"/>
+          <p:cNvPr id="150" name="CustomShape 1"/>
+          <p:cNvSpPr/>
           <p:nvPr/>
         </p:nvSpPr>
         <p:spPr>
           <a:xfrm>
-            <a:off x="504000" y="527400"/>
-            <a:ext cx="9071640" cy="1021680"/>
+            <a:off x="504000" y="541080"/>
+            <a:ext cx="9071280" cy="993960"/>
           </a:xfrm>
           <a:prstGeom prst="rect">
             <a:avLst/>
@@ -3837,11 +5484,22 @@
             <a:noFill/>
           </a:ln>
         </p:spPr>
+        <p:style>
+          <a:lnRef idx="0"/>
+          <a:fillRef idx="0"/>
+          <a:effectRef idx="0"/>
+          <a:fontRef idx="minor"/>
+        </p:style>
         <p:txBody>
           <a:bodyPr lIns="0" rIns="0" tIns="0" bIns="0" anchor="ctr">
             <a:noAutofit/>
           </a:bodyPr>
           <a:p>
+            <a:pPr>
+              <a:lnSpc>
+                <a:spcPct val="100000"/>
+              </a:lnSpc>
+            </a:pPr>
             <a:r>
               <a:rPr b="0" lang="pt-BR" sz="4400" spc="-1" strike="noStrike">
                 <a:solidFill>
@@ -3849,11 +5507,11 @@
                 </a:solidFill>
                 <a:latin typeface="Arial"/>
               </a:rPr>
-              <a:t>Configuring VS code for unit test</a:t>
+              <a:t>Unit test script file</a:t>
             </a:r>
             <a:br/>
             <a:r>
-              <a:rPr b="0" lang="pt-BR" sz="2800" spc="-1" strike="noStrike">
+              <a:rPr b="0" lang="pt-BR" sz="2600" spc="-1" strike="noStrike">
                 <a:solidFill>
                   <a:srgbClr val="c7243a"/>
                 </a:solidFill>
@@ -3861,25 +5519,22 @@
               </a:rPr>
               <a:t>(read at your own leisure)</a:t>
             </a:r>
-            <a:endParaRPr b="0" lang="pt-BR" sz="2800" spc="-1" strike="noStrike">
-              <a:solidFill>
-                <a:srgbClr val="c7243a"/>
-              </a:solidFill>
-              <a:latin typeface="Arial"/>
-            </a:endParaRPr>
-          </a:p>
-        </p:txBody>
-      </p:sp>
-      <p:sp>
-        <p:nvSpPr>
-          <p:cNvPr id="114" name="TextShape 2"/>
-          <p:cNvSpPr txBox="1"/>
+            <a:endParaRPr b="0" lang="pt-BR" sz="2600" spc="-1" strike="noStrike">
+              <a:latin typeface="Arial"/>
+            </a:endParaRPr>
+          </a:p>
+        </p:txBody>
+      </p:sp>
+      <p:sp>
+        <p:nvSpPr>
+          <p:cNvPr id="151" name="CustomShape 2"/>
+          <p:cNvSpPr/>
           <p:nvPr/>
         </p:nvSpPr>
         <p:spPr>
           <a:xfrm>
-            <a:off x="216000" y="2016000"/>
-            <a:ext cx="3096000" cy="2592000"/>
+            <a:off x="216000" y="1728000"/>
+            <a:ext cx="3599640" cy="3383640"/>
           </a:xfrm>
           <a:prstGeom prst="rect">
             <a:avLst/>
@@ -3889,12 +5544,21 @@
             <a:noFill/>
           </a:ln>
         </p:spPr>
-        <p:txBody>
-          <a:bodyPr lIns="0" rIns="0" tIns="0" bIns="0">
-            <a:normAutofit fontScale="28000"/>
-          </a:bodyPr>
-          <a:p>
-            <a:pPr marL="432000" indent="-324000">
+        <p:style>
+          <a:lnRef idx="0"/>
+          <a:fillRef idx="0"/>
+          <a:effectRef idx="0"/>
+          <a:fontRef idx="minor"/>
+        </p:style>
+        <p:txBody>
+          <a:bodyPr lIns="0" rIns="0" tIns="0" bIns="0">
+            <a:normAutofit fontScale="10000"/>
+          </a:bodyPr>
+          <a:p>
+            <a:pPr marL="432000" indent="-323640">
+              <a:lnSpc>
+                <a:spcPct val="100000"/>
+              </a:lnSpc>
               <a:spcAft>
                 <a:spcPts val="1414"/>
               </a:spcAft>
@@ -3916,7 +5580,10 @@
             </a:endParaRPr>
           </a:p>
           <a:p>
-            <a:pPr marL="432000" indent="-324000">
+            <a:pPr marL="432000" indent="-323640">
+              <a:lnSpc>
+                <a:spcPct val="100000"/>
+              </a:lnSpc>
               <a:spcAft>
                 <a:spcPts val="1414"/>
               </a:spcAft>
@@ -3931,14 +5598,67 @@
               <a:rPr b="0" lang="pt-BR" sz="3200" spc="-1" strike="noStrike">
                 <a:latin typeface="Arial"/>
               </a:rPr>
-              <a:t>Open the project folder</a:t>
-            </a:r>
-            <a:endParaRPr b="0" lang="pt-BR" sz="3200" spc="-1" strike="noStrike">
-              <a:latin typeface="Arial"/>
-            </a:endParaRPr>
-          </a:p>
-          <a:p>
-            <a:pPr marL="432000" indent="-324000">
+              <a:t>Create file </a:t>
+            </a:r>
+            <a:endParaRPr b="0" lang="pt-BR" sz="3200" spc="-1" strike="noStrike">
+              <a:latin typeface="Arial"/>
+            </a:endParaRPr>
+          </a:p>
+          <a:p>
+            <a:pPr lvl="1" marL="864000" indent="-323640">
+              <a:lnSpc>
+                <a:spcPct val="100000"/>
+              </a:lnSpc>
+              <a:spcAft>
+                <a:spcPts val="1134"/>
+              </a:spcAft>
+              <a:buClr>
+                <a:srgbClr val="000000"/>
+              </a:buClr>
+              <a:buSzPct val="75000"/>
+              <a:buFont typeface="Symbol"/>
+              <a:buChar char=""/>
+            </a:pPr>
+            <a:r>
+              <a:rPr b="0" lang="pt-BR" sz="2800" spc="-1" strike="noStrike">
+                <a:latin typeface="Arial"/>
+              </a:rPr>
+              <a:t>Name starting with test </a:t>
+            </a:r>
+            <a:endParaRPr b="0" lang="pt-BR" sz="2800" spc="-1" strike="noStrike">
+              <a:latin typeface="Arial"/>
+            </a:endParaRPr>
+          </a:p>
+          <a:p>
+            <a:pPr lvl="1" marL="864000" indent="-323640">
+              <a:lnSpc>
+                <a:spcPct val="100000"/>
+              </a:lnSpc>
+              <a:spcAft>
+                <a:spcPts val="1134"/>
+              </a:spcAft>
+              <a:buClr>
+                <a:srgbClr val="000000"/>
+              </a:buClr>
+              <a:buSzPct val="75000"/>
+              <a:buFont typeface="Symbol"/>
+              <a:buChar char=""/>
+            </a:pPr>
+            <a:r>
+              <a:rPr b="0" lang="pt-BR" sz="2800" spc="-1" strike="noStrike">
+                <a:latin typeface="Arial"/>
+              </a:rPr>
+              <a:t>File in the test folder</a:t>
+            </a:r>
+            <a:endParaRPr b="0" lang="pt-BR" sz="2800" spc="-1" strike="noStrike">
+              <a:latin typeface="Arial"/>
+            </a:endParaRPr>
+          </a:p>
+          <a:p>
+            <a:pPr marL="432000" indent="-323640">
+              <a:lnSpc>
+                <a:spcPct val="100000"/>
+              </a:lnSpc>
               <a:spcAft>
                 <a:spcPts val="1414"/>
               </a:spcAft>
@@ -3953,14 +5673,17 @@
               <a:rPr b="0" lang="pt-BR" sz="3200" spc="-1" strike="noStrike">
                 <a:latin typeface="Arial"/>
               </a:rPr>
-              <a:t>Create test (or tests) folder</a:t>
-            </a:r>
-            <a:endParaRPr b="0" lang="pt-BR" sz="3200" spc="-1" strike="noStrike">
-              <a:latin typeface="Arial"/>
-            </a:endParaRPr>
-          </a:p>
-          <a:p>
-            <a:pPr marL="432000" indent="-324000">
+              <a:t>Import unittest and modules </a:t>
+            </a:r>
+            <a:endParaRPr b="0" lang="pt-BR" sz="3200" spc="-1" strike="noStrike">
+              <a:latin typeface="Arial"/>
+            </a:endParaRPr>
+          </a:p>
+          <a:p>
+            <a:pPr marL="432000" indent="-323640">
+              <a:lnSpc>
+                <a:spcPct val="100000"/>
+              </a:lnSpc>
               <a:spcAft>
                 <a:spcPts val="1414"/>
               </a:spcAft>
@@ -3975,14 +5698,23 @@
               <a:rPr b="0" lang="pt-BR" sz="3200" spc="-1" strike="noStrike">
                 <a:latin typeface="Arial"/>
               </a:rPr>
-              <a:t>Ctrl shift p </a:t>
-            </a:r>
-            <a:endParaRPr b="0" lang="pt-BR" sz="3200" spc="-1" strike="noStrike">
-              <a:latin typeface="Arial"/>
-            </a:endParaRPr>
-          </a:p>
-          <a:p>
-            <a:pPr marL="432000" indent="-324000">
+              <a:t>→ </a:t>
+            </a:r>
+            <a:r>
+              <a:rPr b="0" lang="pt-BR" sz="3200" spc="-1" strike="noStrike">
+                <a:latin typeface="Arial"/>
+              </a:rPr>
+              <a:t>do not use sys.path!</a:t>
+            </a:r>
+            <a:endParaRPr b="0" lang="pt-BR" sz="3200" spc="-1" strike="noStrike">
+              <a:latin typeface="Arial"/>
+            </a:endParaRPr>
+          </a:p>
+          <a:p>
+            <a:pPr marL="432000" indent="-323640">
+              <a:lnSpc>
+                <a:spcPct val="100000"/>
+              </a:lnSpc>
               <a:spcAft>
                 <a:spcPts val="1414"/>
               </a:spcAft>
@@ -3997,14 +5729,48 @@
               <a:rPr b="0" lang="pt-BR" sz="3200" spc="-1" strike="noStrike">
                 <a:latin typeface="Arial"/>
               </a:rPr>
-              <a:t>Python configure tests</a:t>
-            </a:r>
-            <a:endParaRPr b="0" lang="pt-BR" sz="3200" spc="-1" strike="noStrike">
-              <a:latin typeface="Arial"/>
-            </a:endParaRPr>
-          </a:p>
-          <a:p>
-            <a:pPr marL="432000" indent="-324000">
+              <a:t>→ </a:t>
+            </a:r>
+            <a:r>
+              <a:rPr b="0" lang="pt-BR" sz="3200" spc="-1" strike="noStrike">
+                <a:latin typeface="Arial"/>
+              </a:rPr>
+              <a:t>if module.py in MODULES folder,</a:t>
+            </a:r>
+            <a:endParaRPr b="0" lang="pt-BR" sz="3200" spc="-1" strike="noStrike">
+              <a:latin typeface="Arial"/>
+            </a:endParaRPr>
+          </a:p>
+          <a:p>
+            <a:pPr lvl="1" marL="864000" indent="-323640">
+              <a:lnSpc>
+                <a:spcPct val="100000"/>
+              </a:lnSpc>
+              <a:spcAft>
+                <a:spcPts val="1134"/>
+              </a:spcAft>
+              <a:buClr>
+                <a:srgbClr val="000000"/>
+              </a:buClr>
+              <a:buSzPct val="75000"/>
+              <a:buFont typeface="Symbol"/>
+              <a:buChar char=""/>
+            </a:pPr>
+            <a:r>
+              <a:rPr b="0" lang="pt-BR" sz="2800" spc="-1" strike="noStrike">
+                <a:latin typeface="Arial"/>
+              </a:rPr>
+              <a:t>Use import MODULES.module </a:t>
+            </a:r>
+            <a:endParaRPr b="0" lang="pt-BR" sz="2800" spc="-1" strike="noStrike">
+              <a:latin typeface="Arial"/>
+            </a:endParaRPr>
+          </a:p>
+          <a:p>
+            <a:pPr marL="432000" indent="-323640">
+              <a:lnSpc>
+                <a:spcPct val="100000"/>
+              </a:lnSpc>
               <a:spcAft>
                 <a:spcPts val="1414"/>
               </a:spcAft>
@@ -4019,7 +5785,82 @@
               <a:rPr b="0" lang="pt-BR" sz="3200" spc="-1" strike="noStrike">
                 <a:latin typeface="Arial"/>
               </a:rPr>
-              <a:t>&gt; unittest &gt; test &gt; test*.py</a:t>
+              <a:t>Create class with argument unittest.TestCase</a:t>
+            </a:r>
+            <a:endParaRPr b="0" lang="pt-BR" sz="3200" spc="-1" strike="noStrike">
+              <a:latin typeface="Arial"/>
+            </a:endParaRPr>
+          </a:p>
+          <a:p>
+            <a:pPr marL="432000" indent="-323640">
+              <a:lnSpc>
+                <a:spcPct val="100000"/>
+              </a:lnSpc>
+              <a:spcAft>
+                <a:spcPts val="1414"/>
+              </a:spcAft>
+              <a:buClr>
+                <a:srgbClr val="000000"/>
+              </a:buClr>
+              <a:buSzPct val="45000"/>
+              <a:buFont typeface="Wingdings" charset="2"/>
+              <a:buChar char=""/>
+            </a:pPr>
+            <a:r>
+              <a:rPr b="0" lang="pt-BR" sz="3200" spc="-1" strike="noStrike">
+                <a:latin typeface="Arial"/>
+              </a:rPr>
+              <a:t>Create functions beginning with word ‘test’</a:t>
+            </a:r>
+            <a:endParaRPr b="0" lang="pt-BR" sz="3200" spc="-1" strike="noStrike">
+              <a:latin typeface="Arial"/>
+            </a:endParaRPr>
+          </a:p>
+          <a:p>
+            <a:pPr marL="432000" indent="-323640">
+              <a:lnSpc>
+                <a:spcPct val="100000"/>
+              </a:lnSpc>
+              <a:spcAft>
+                <a:spcPts val="1414"/>
+              </a:spcAft>
+              <a:buClr>
+                <a:srgbClr val="000000"/>
+              </a:buClr>
+              <a:buSzPct val="45000"/>
+              <a:buFont typeface="Wingdings" charset="2"/>
+              <a:buChar char=""/>
+            </a:pPr>
+            <a:r>
+              <a:rPr b="0" lang="pt-BR" sz="3200" spc="-1" strike="noStrike">
+                <a:latin typeface="Arial"/>
+              </a:rPr>
+              <a:t>Create assertions inside test functions</a:t>
+            </a:r>
+            <a:endParaRPr b="0" lang="pt-BR" sz="3200" spc="-1" strike="noStrike">
+              <a:latin typeface="Arial"/>
+            </a:endParaRPr>
+          </a:p>
+          <a:p>
+            <a:pPr marL="432000" indent="-323640">
+              <a:lnSpc>
+                <a:spcPct val="100000"/>
+              </a:lnSpc>
+              <a:spcAft>
+                <a:spcPts val="1414"/>
+              </a:spcAft>
+              <a:buClr>
+                <a:srgbClr val="000000"/>
+              </a:buClr>
+              <a:buSzPct val="45000"/>
+              <a:buFont typeface="Wingdings" charset="2"/>
+              <a:buChar char=""/>
+            </a:pPr>
+            <a:r>
+              <a:rPr b="0" lang="pt-BR" sz="3200" spc="-1" strike="noStrike">
+                <a:latin typeface="Arial"/>
+              </a:rPr>
+              <a:t>Call unittest.main(): only if calling script</a:t>
             </a:r>
             <a:endParaRPr b="0" lang="pt-BR" sz="3200" spc="-1" strike="noStrike">
               <a:latin typeface="Arial"/>
@@ -4029,19 +5870,18 @@
       </p:sp>
       <p:pic>
         <p:nvPicPr>
-          <p:cNvPr id="115" name="" descr=""/>
+          <p:cNvPr id="152" name="" descr=""/>
           <p:cNvPicPr/>
           <p:nvPr/>
         </p:nvPicPr>
         <p:blipFill>
           <a:blip r:embed="rId1"/>
-          <a:srcRect l="0" t="0" r="18892" b="39518"/>
           <a:stretch/>
         </p:blipFill>
         <p:spPr>
           <a:xfrm>
-            <a:off x="3714840" y="1872000"/>
-            <a:ext cx="4636800" cy="1943640"/>
+            <a:off x="3986640" y="1851840"/>
+            <a:ext cx="5949000" cy="2827800"/>
           </a:xfrm>
           <a:prstGeom prst="rect">
             <a:avLst/>
@@ -4051,6 +5891,56 @@
           </a:ln>
         </p:spPr>
       </p:pic>
+      <p:sp>
+        <p:nvSpPr>
+          <p:cNvPr id="153" name="CustomShape 3"/>
+          <p:cNvSpPr/>
+          <p:nvPr/>
+        </p:nvSpPr>
+        <p:spPr>
+          <a:xfrm>
+            <a:off x="4608000" y="4896000"/>
+            <a:ext cx="4121280" cy="315720"/>
+          </a:xfrm>
+          <a:prstGeom prst="rect">
+            <a:avLst/>
+          </a:prstGeom>
+          <a:noFill/>
+          <a:ln>
+            <a:noFill/>
+          </a:ln>
+        </p:spPr>
+        <p:style>
+          <a:lnRef idx="0"/>
+          <a:fillRef idx="0"/>
+          <a:effectRef idx="0"/>
+          <a:fontRef idx="minor"/>
+        </p:style>
+        <p:txBody>
+          <a:bodyPr lIns="90000" rIns="90000" tIns="45000" bIns="45000">
+            <a:noAutofit/>
+          </a:bodyPr>
+          <a:p>
+            <a:pPr>
+              <a:lnSpc>
+                <a:spcPct val="100000"/>
+              </a:lnSpc>
+            </a:pPr>
+            <a:r>
+              <a:rPr b="0" lang="pt-BR" sz="1600" spc="-1" strike="noStrike">
+                <a:solidFill>
+                  <a:srgbClr val="000000"/>
+                </a:solidFill>
+                <a:latin typeface="Arial"/>
+              </a:rPr>
+              <a:t>* I’m ignoring unittests functions on purpose</a:t>
+            </a:r>
+            <a:endParaRPr b="0" lang="pt-BR" sz="1600" spc="-1" strike="noStrike">
+              <a:latin typeface="Arial"/>
+            </a:endParaRPr>
+          </a:p>
+        </p:txBody>
+      </p:sp>
     </p:spTree>
   </p:cSld>
   <mc:AlternateContent>
@@ -4083,14 +5973,14 @@
       </p:grpSpPr>
       <p:sp>
         <p:nvSpPr>
-          <p:cNvPr id="116" name="TextShape 1"/>
-          <p:cNvSpPr txBox="1"/>
+          <p:cNvPr id="154" name="CustomShape 1"/>
+          <p:cNvSpPr/>
           <p:nvPr/>
         </p:nvSpPr>
         <p:spPr>
           <a:xfrm>
-            <a:off x="504000" y="412920"/>
-            <a:ext cx="9071640" cy="1250280"/>
+            <a:off x="504000" y="527400"/>
+            <a:ext cx="9071280" cy="1021320"/>
           </a:xfrm>
           <a:prstGeom prst="rect">
             <a:avLst/>
@@ -4100,11 +5990,22 @@
             <a:noFill/>
           </a:ln>
         </p:spPr>
+        <p:style>
+          <a:lnRef idx="0"/>
+          <a:fillRef idx="0"/>
+          <a:effectRef idx="0"/>
+          <a:fontRef idx="minor"/>
+        </p:style>
         <p:txBody>
           <a:bodyPr lIns="0" rIns="0" tIns="0" bIns="0" anchor="ctr">
             <a:noAutofit/>
           </a:bodyPr>
           <a:p>
+            <a:pPr>
+              <a:lnSpc>
+                <a:spcPct val="100000"/>
+              </a:lnSpc>
+            </a:pPr>
             <a:r>
               <a:rPr b="0" lang="pt-BR" sz="4400" spc="-1" strike="noStrike">
                 <a:solidFill>
@@ -4112,27 +6013,34 @@
                 </a:solidFill>
                 <a:latin typeface="Arial"/>
               </a:rPr>
-              <a:t>Final comment: running test_concat_tables.py</a:t>
-            </a:r>
-            <a:endParaRPr b="0" lang="pt-BR" sz="4400" spc="-1" strike="noStrike">
-              <a:solidFill>
-                <a:srgbClr val="c7243a"/>
-              </a:solidFill>
-              <a:latin typeface="Arial"/>
-            </a:endParaRPr>
-          </a:p>
-        </p:txBody>
-      </p:sp>
-      <p:sp>
-        <p:nvSpPr>
-          <p:cNvPr id="117" name="TextShape 2"/>
-          <p:cNvSpPr txBox="1"/>
+              <a:t>Configuring VS code for unit test</a:t>
+            </a:r>
+            <a:br/>
+            <a:r>
+              <a:rPr b="0" lang="pt-BR" sz="2800" spc="-1" strike="noStrike">
+                <a:solidFill>
+                  <a:srgbClr val="c7243a"/>
+                </a:solidFill>
+                <a:latin typeface="Arial"/>
+              </a:rPr>
+              <a:t>(read at your own leisure)</a:t>
+            </a:r>
+            <a:endParaRPr b="0" lang="pt-BR" sz="2800" spc="-1" strike="noStrike">
+              <a:latin typeface="Arial"/>
+            </a:endParaRPr>
+          </a:p>
+        </p:txBody>
+      </p:sp>
+      <p:sp>
+        <p:nvSpPr>
+          <p:cNvPr id="155" name="CustomShape 2"/>
+          <p:cNvSpPr/>
           <p:nvPr/>
         </p:nvSpPr>
         <p:spPr>
           <a:xfrm>
-            <a:off x="144000" y="2232000"/>
-            <a:ext cx="4608000" cy="2592000"/>
+            <a:off x="216000" y="2016000"/>
+            <a:ext cx="3095640" cy="2591640"/>
           </a:xfrm>
           <a:prstGeom prst="rect">
             <a:avLst/>
@@ -4142,12 +6050,21 @@
             <a:noFill/>
           </a:ln>
         </p:spPr>
-        <p:txBody>
-          <a:bodyPr lIns="0" rIns="0" tIns="0" bIns="0">
-            <a:normAutofit fontScale="45000"/>
-          </a:bodyPr>
-          <a:p>
-            <a:pPr marL="432000" indent="-324000">
+        <p:style>
+          <a:lnRef idx="0"/>
+          <a:fillRef idx="0"/>
+          <a:effectRef idx="0"/>
+          <a:fontRef idx="minor"/>
+        </p:style>
+        <p:txBody>
+          <a:bodyPr lIns="0" rIns="0" tIns="0" bIns="0">
+            <a:normAutofit fontScale="28000"/>
+          </a:bodyPr>
+          <a:p>
+            <a:pPr marL="432000" indent="-323640">
+              <a:lnSpc>
+                <a:spcPct val="100000"/>
+              </a:lnSpc>
               <a:spcAft>
                 <a:spcPts val="1414"/>
               </a:spcAft>
@@ -4162,14 +6079,17 @@
               <a:rPr b="0" lang="pt-BR" sz="3200" spc="-1" strike="noStrike">
                 <a:latin typeface="Arial"/>
               </a:rPr>
-              <a:t>- Add to the beginning </a:t>
-            </a:r>
-            <a:endParaRPr b="0" lang="pt-BR" sz="3200" spc="-1" strike="noStrike">
-              <a:latin typeface="Arial"/>
-            </a:endParaRPr>
-          </a:p>
-          <a:p>
-            <a:pPr marL="432000" indent="-324000">
+              <a:t>Steps followed here:</a:t>
+            </a:r>
+            <a:endParaRPr b="0" lang="pt-BR" sz="3200" spc="-1" strike="noStrike">
+              <a:latin typeface="Arial"/>
+            </a:endParaRPr>
+          </a:p>
+          <a:p>
+            <a:pPr marL="432000" indent="-323640">
+              <a:lnSpc>
+                <a:spcPct val="100000"/>
+              </a:lnSpc>
               <a:spcAft>
                 <a:spcPts val="1414"/>
               </a:spcAft>
@@ -4184,58 +6104,17 @@
               <a:rPr b="0" lang="pt-BR" sz="3200" spc="-1" strike="noStrike">
                 <a:latin typeface="Arial"/>
               </a:rPr>
-              <a:t>of the code:</a:t>
-            </a:r>
-            <a:endParaRPr b="0" lang="pt-BR" sz="3200" spc="-1" strike="noStrike">
-              <a:latin typeface="Arial"/>
-            </a:endParaRPr>
-          </a:p>
-          <a:p>
-            <a:pPr lvl="1" marL="864000" indent="-324000">
-              <a:spcAft>
-                <a:spcPts val="1134"/>
-              </a:spcAft>
-              <a:buClr>
-                <a:srgbClr val="000000"/>
-              </a:buClr>
-              <a:buSzPct val="75000"/>
-              <a:buFont typeface="Symbol" charset="2"/>
-              <a:buChar char=""/>
-            </a:pPr>
-            <a:r>
-              <a:rPr b="0" lang="pt-BR" sz="2800" spc="-1" strike="noStrike">
-                <a:latin typeface="Arial"/>
-              </a:rPr>
-              <a:t>import os</a:t>
-            </a:r>
-            <a:endParaRPr b="0" lang="pt-BR" sz="2800" spc="-1" strike="noStrike">
-              <a:latin typeface="Arial"/>
-            </a:endParaRPr>
-          </a:p>
-          <a:p>
-            <a:pPr lvl="1" marL="864000" indent="-324000">
-              <a:spcAft>
-                <a:spcPts val="1134"/>
-              </a:spcAft>
-              <a:buClr>
-                <a:srgbClr val="000000"/>
-              </a:buClr>
-              <a:buSzPct val="75000"/>
-              <a:buFont typeface="Symbol" charset="2"/>
-              <a:buChar char=""/>
-            </a:pPr>
-            <a:r>
-              <a:rPr b="0" lang="pt-BR" sz="2800" spc="-1" strike="noStrike">
-                <a:latin typeface="Arial"/>
-              </a:rPr>
-              <a:t>os.chdir(‘..’)</a:t>
-            </a:r>
-            <a:endParaRPr b="0" lang="pt-BR" sz="2800" spc="-1" strike="noStrike">
-              <a:latin typeface="Arial"/>
-            </a:endParaRPr>
-          </a:p>
-          <a:p>
-            <a:pPr marL="432000" indent="-324000">
+              <a:t>Open the project folder</a:t>
+            </a:r>
+            <a:endParaRPr b="0" lang="pt-BR" sz="3200" spc="-1" strike="noStrike">
+              <a:latin typeface="Arial"/>
+            </a:endParaRPr>
+          </a:p>
+          <a:p>
+            <a:pPr marL="432000" indent="-323640">
+              <a:lnSpc>
+                <a:spcPct val="100000"/>
+              </a:lnSpc>
               <a:spcAft>
                 <a:spcPts val="1414"/>
               </a:spcAft>
@@ -4250,36 +6129,17 @@
               <a:rPr b="0" lang="pt-BR" sz="3200" spc="-1" strike="noStrike">
                 <a:latin typeface="Arial"/>
               </a:rPr>
-              <a:t>Run from project folder</a:t>
-            </a:r>
-            <a:endParaRPr b="0" lang="pt-BR" sz="3200" spc="-1" strike="noStrike">
-              <a:latin typeface="Arial"/>
-            </a:endParaRPr>
-          </a:p>
-          <a:p>
-            <a:pPr lvl="1" marL="864000" indent="-324000">
-              <a:spcAft>
-                <a:spcPts val="1134"/>
-              </a:spcAft>
-              <a:buClr>
-                <a:srgbClr val="000000"/>
-              </a:buClr>
-              <a:buSzPct val="75000"/>
-              <a:buFont typeface="Symbol" charset="2"/>
-              <a:buChar char=""/>
-            </a:pPr>
-            <a:r>
-              <a:rPr b="0" lang="pt-BR" sz="2800" spc="-1" strike="noStrike">
-                <a:latin typeface="Arial"/>
-              </a:rPr>
-              <a:t>python3 test/test_concat_tables.py</a:t>
-            </a:r>
-            <a:endParaRPr b="0" lang="pt-BR" sz="2800" spc="-1" strike="noStrike">
-              <a:latin typeface="Arial"/>
-            </a:endParaRPr>
-          </a:p>
-          <a:p>
-            <a:pPr marL="432000" indent="-324000">
+              <a:t>Create test (or tests) folder</a:t>
+            </a:r>
+            <a:endParaRPr b="0" lang="pt-BR" sz="3200" spc="-1" strike="noStrike">
+              <a:latin typeface="Arial"/>
+            </a:endParaRPr>
+          </a:p>
+          <a:p>
+            <a:pPr marL="432000" indent="-323640">
+              <a:lnSpc>
+                <a:spcPct val="100000"/>
+              </a:lnSpc>
               <a:spcAft>
                 <a:spcPts val="1414"/>
               </a:spcAft>
@@ -4290,7 +6150,63 @@
               <a:buFont typeface="Wingdings" charset="2"/>
               <a:buChar char=""/>
             </a:pPr>
-            <a:endParaRPr b="0" lang="pt-BR" sz="2800" spc="-1" strike="noStrike">
+            <a:r>
+              <a:rPr b="0" lang="pt-BR" sz="3200" spc="-1" strike="noStrike">
+                <a:latin typeface="Arial"/>
+              </a:rPr>
+              <a:t>Ctrl shift p </a:t>
+            </a:r>
+            <a:endParaRPr b="0" lang="pt-BR" sz="3200" spc="-1" strike="noStrike">
+              <a:latin typeface="Arial"/>
+            </a:endParaRPr>
+          </a:p>
+          <a:p>
+            <a:pPr marL="432000" indent="-323640">
+              <a:lnSpc>
+                <a:spcPct val="100000"/>
+              </a:lnSpc>
+              <a:spcAft>
+                <a:spcPts val="1414"/>
+              </a:spcAft>
+              <a:buClr>
+                <a:srgbClr val="000000"/>
+              </a:buClr>
+              <a:buSzPct val="45000"/>
+              <a:buFont typeface="Wingdings" charset="2"/>
+              <a:buChar char=""/>
+            </a:pPr>
+            <a:r>
+              <a:rPr b="0" lang="pt-BR" sz="3200" spc="-1" strike="noStrike">
+                <a:latin typeface="Arial"/>
+              </a:rPr>
+              <a:t>Python configure tests</a:t>
+            </a:r>
+            <a:endParaRPr b="0" lang="pt-BR" sz="3200" spc="-1" strike="noStrike">
+              <a:latin typeface="Arial"/>
+            </a:endParaRPr>
+          </a:p>
+          <a:p>
+            <a:pPr marL="432000" indent="-323640">
+              <a:lnSpc>
+                <a:spcPct val="100000"/>
+              </a:lnSpc>
+              <a:spcAft>
+                <a:spcPts val="1414"/>
+              </a:spcAft>
+              <a:buClr>
+                <a:srgbClr val="000000"/>
+              </a:buClr>
+              <a:buSzPct val="45000"/>
+              <a:buFont typeface="Wingdings" charset="2"/>
+              <a:buChar char=""/>
+            </a:pPr>
+            <a:r>
+              <a:rPr b="0" lang="pt-BR" sz="3200" spc="-1" strike="noStrike">
+                <a:latin typeface="Arial"/>
+              </a:rPr>
+              <a:t>&gt; unittest &gt; test &gt; test*.py</a:t>
+            </a:r>
+            <a:endParaRPr b="0" lang="pt-BR" sz="3200" spc="-1" strike="noStrike">
               <a:latin typeface="Arial"/>
             </a:endParaRPr>
           </a:p>
@@ -4298,7 +6214,305 @@
       </p:sp>
       <p:pic>
         <p:nvPicPr>
-          <p:cNvPr id="118" name="" descr=""/>
+          <p:cNvPr id="156" name="" descr=""/>
+          <p:cNvPicPr/>
+          <p:nvPr/>
+        </p:nvPicPr>
+        <p:blipFill>
+          <a:blip r:embed="rId1"/>
+          <a:srcRect l="0" t="0" r="18889" b="39513"/>
+          <a:stretch/>
+        </p:blipFill>
+        <p:spPr>
+          <a:xfrm>
+            <a:off x="3714840" y="1872000"/>
+            <a:ext cx="4636440" cy="1943280"/>
+          </a:xfrm>
+          <a:prstGeom prst="rect">
+            <a:avLst/>
+          </a:prstGeom>
+          <a:ln>
+            <a:noFill/>
+          </a:ln>
+        </p:spPr>
+      </p:pic>
+    </p:spTree>
+  </p:cSld>
+  <mc:AlternateContent>
+    <mc:Choice Requires="p14">
+      <p:transition spd="slow" p14:dur="2000"/>
+    </mc:Choice>
+    <mc:Fallback>
+      <p:transition spd="slow"/>
+    </mc:Fallback>
+  </mc:AlternateContent>
+</p:sld>
+</file>
+
+<file path=ppt/slides/slide12.xml><?xml version="1.0" encoding="utf-8"?>
+<p:sld xmlns:a="http://schemas.openxmlformats.org/drawingml/2006/main" xmlns:p="http://schemas.openxmlformats.org/presentationml/2006/main" xmlns:r="http://schemas.openxmlformats.org/officeDocument/2006/relationships" xmlns:p14="http://schemas.microsoft.com/office/powerpoint/2010/main" xmlns:p15="http://schemas.microsoft.com/office/powerpoint/2012/main" xmlns:mc="http://schemas.openxmlformats.org/markup-compatibility/2006">
+  <p:cSld>
+    <p:spTree>
+      <p:nvGrpSpPr>
+        <p:cNvPr id="1" name=""/>
+        <p:cNvGrpSpPr/>
+        <p:nvPr/>
+      </p:nvGrpSpPr>
+      <p:grpSpPr>
+        <a:xfrm>
+          <a:off x="0" y="0"/>
+          <a:ext cx="0" cy="0"/>
+          <a:chOff x="0" y="0"/>
+          <a:chExt cx="0" cy="0"/>
+        </a:xfrm>
+      </p:grpSpPr>
+      <p:sp>
+        <p:nvSpPr>
+          <p:cNvPr id="157" name="CustomShape 1"/>
+          <p:cNvSpPr/>
+          <p:nvPr/>
+        </p:nvSpPr>
+        <p:spPr>
+          <a:xfrm>
+            <a:off x="504000" y="412920"/>
+            <a:ext cx="9071280" cy="1249920"/>
+          </a:xfrm>
+          <a:prstGeom prst="rect">
+            <a:avLst/>
+          </a:prstGeom>
+          <a:noFill/>
+          <a:ln>
+            <a:noFill/>
+          </a:ln>
+        </p:spPr>
+        <p:style>
+          <a:lnRef idx="0"/>
+          <a:fillRef idx="0"/>
+          <a:effectRef idx="0"/>
+          <a:fontRef idx="minor"/>
+        </p:style>
+        <p:txBody>
+          <a:bodyPr lIns="0" rIns="0" tIns="0" bIns="0" anchor="ctr">
+            <a:noAutofit/>
+          </a:bodyPr>
+          <a:p>
+            <a:pPr>
+              <a:lnSpc>
+                <a:spcPct val="100000"/>
+              </a:lnSpc>
+            </a:pPr>
+            <a:r>
+              <a:rPr b="0" lang="pt-BR" sz="4400" spc="-1" strike="noStrike">
+                <a:solidFill>
+                  <a:srgbClr val="c7243a"/>
+                </a:solidFill>
+                <a:latin typeface="Arial"/>
+              </a:rPr>
+              <a:t>Final comment: running test_concat_tables.py</a:t>
+            </a:r>
+            <a:endParaRPr b="0" lang="pt-BR" sz="4400" spc="-1" strike="noStrike">
+              <a:latin typeface="Arial"/>
+            </a:endParaRPr>
+          </a:p>
+        </p:txBody>
+      </p:sp>
+      <p:sp>
+        <p:nvSpPr>
+          <p:cNvPr id="158" name="CustomShape 2"/>
+          <p:cNvSpPr/>
+          <p:nvPr/>
+        </p:nvSpPr>
+        <p:spPr>
+          <a:xfrm>
+            <a:off x="144000" y="2232000"/>
+            <a:ext cx="4607640" cy="2591640"/>
+          </a:xfrm>
+          <a:prstGeom prst="rect">
+            <a:avLst/>
+          </a:prstGeom>
+          <a:noFill/>
+          <a:ln>
+            <a:noFill/>
+          </a:ln>
+        </p:spPr>
+        <p:style>
+          <a:lnRef idx="0"/>
+          <a:fillRef idx="0"/>
+          <a:effectRef idx="0"/>
+          <a:fontRef idx="minor"/>
+        </p:style>
+        <p:txBody>
+          <a:bodyPr lIns="0" rIns="0" tIns="0" bIns="0">
+            <a:normAutofit fontScale="45000"/>
+          </a:bodyPr>
+          <a:p>
+            <a:pPr marL="432000" indent="-323640">
+              <a:lnSpc>
+                <a:spcPct val="100000"/>
+              </a:lnSpc>
+              <a:spcAft>
+                <a:spcPts val="1414"/>
+              </a:spcAft>
+              <a:buClr>
+                <a:srgbClr val="000000"/>
+              </a:buClr>
+              <a:buSzPct val="45000"/>
+              <a:buFont typeface="Wingdings" charset="2"/>
+              <a:buChar char=""/>
+            </a:pPr>
+            <a:r>
+              <a:rPr b="0" lang="pt-BR" sz="3200" spc="-1" strike="noStrike">
+                <a:latin typeface="Arial"/>
+              </a:rPr>
+              <a:t>- Add to the beginning </a:t>
+            </a:r>
+            <a:endParaRPr b="0" lang="pt-BR" sz="3200" spc="-1" strike="noStrike">
+              <a:latin typeface="Arial"/>
+            </a:endParaRPr>
+          </a:p>
+          <a:p>
+            <a:pPr marL="432000" indent="-323640">
+              <a:lnSpc>
+                <a:spcPct val="100000"/>
+              </a:lnSpc>
+              <a:spcAft>
+                <a:spcPts val="1414"/>
+              </a:spcAft>
+              <a:buClr>
+                <a:srgbClr val="000000"/>
+              </a:buClr>
+              <a:buSzPct val="45000"/>
+              <a:buFont typeface="Wingdings" charset="2"/>
+              <a:buChar char=""/>
+            </a:pPr>
+            <a:r>
+              <a:rPr b="0" lang="pt-BR" sz="3200" spc="-1" strike="noStrike">
+                <a:latin typeface="Arial"/>
+              </a:rPr>
+              <a:t>of the code:</a:t>
+            </a:r>
+            <a:endParaRPr b="0" lang="pt-BR" sz="3200" spc="-1" strike="noStrike">
+              <a:latin typeface="Arial"/>
+            </a:endParaRPr>
+          </a:p>
+          <a:p>
+            <a:pPr lvl="1" marL="864000" indent="-323640">
+              <a:lnSpc>
+                <a:spcPct val="100000"/>
+              </a:lnSpc>
+              <a:spcAft>
+                <a:spcPts val="1134"/>
+              </a:spcAft>
+              <a:buClr>
+                <a:srgbClr val="000000"/>
+              </a:buClr>
+              <a:buSzPct val="75000"/>
+              <a:buFont typeface="Symbol"/>
+              <a:buChar char=""/>
+            </a:pPr>
+            <a:r>
+              <a:rPr b="0" lang="pt-BR" sz="2800" spc="-1" strike="noStrike">
+                <a:latin typeface="Arial"/>
+              </a:rPr>
+              <a:t>import os</a:t>
+            </a:r>
+            <a:endParaRPr b="0" lang="pt-BR" sz="2800" spc="-1" strike="noStrike">
+              <a:latin typeface="Arial"/>
+            </a:endParaRPr>
+          </a:p>
+          <a:p>
+            <a:pPr lvl="1" marL="864000" indent="-323640">
+              <a:lnSpc>
+                <a:spcPct val="100000"/>
+              </a:lnSpc>
+              <a:spcAft>
+                <a:spcPts val="1134"/>
+              </a:spcAft>
+              <a:buClr>
+                <a:srgbClr val="000000"/>
+              </a:buClr>
+              <a:buSzPct val="75000"/>
+              <a:buFont typeface="Symbol"/>
+              <a:buChar char=""/>
+            </a:pPr>
+            <a:r>
+              <a:rPr b="0" lang="pt-BR" sz="2800" spc="-1" strike="noStrike">
+                <a:latin typeface="Arial"/>
+              </a:rPr>
+              <a:t>os.chdir(‘..’)</a:t>
+            </a:r>
+            <a:endParaRPr b="0" lang="pt-BR" sz="2800" spc="-1" strike="noStrike">
+              <a:latin typeface="Arial"/>
+            </a:endParaRPr>
+          </a:p>
+          <a:p>
+            <a:pPr marL="432000" indent="-323640">
+              <a:lnSpc>
+                <a:spcPct val="100000"/>
+              </a:lnSpc>
+              <a:spcAft>
+                <a:spcPts val="1414"/>
+              </a:spcAft>
+              <a:buClr>
+                <a:srgbClr val="000000"/>
+              </a:buClr>
+              <a:buSzPct val="45000"/>
+              <a:buFont typeface="Wingdings" charset="2"/>
+              <a:buChar char=""/>
+            </a:pPr>
+            <a:r>
+              <a:rPr b="0" lang="pt-BR" sz="3200" spc="-1" strike="noStrike">
+                <a:latin typeface="Arial"/>
+              </a:rPr>
+              <a:t>Run from project folder</a:t>
+            </a:r>
+            <a:endParaRPr b="0" lang="pt-BR" sz="3200" spc="-1" strike="noStrike">
+              <a:latin typeface="Arial"/>
+            </a:endParaRPr>
+          </a:p>
+          <a:p>
+            <a:pPr lvl="1" marL="864000" indent="-323640">
+              <a:lnSpc>
+                <a:spcPct val="100000"/>
+              </a:lnSpc>
+              <a:spcAft>
+                <a:spcPts val="1134"/>
+              </a:spcAft>
+              <a:buClr>
+                <a:srgbClr val="000000"/>
+              </a:buClr>
+              <a:buSzPct val="75000"/>
+              <a:buFont typeface="Symbol"/>
+              <a:buChar char=""/>
+            </a:pPr>
+            <a:r>
+              <a:rPr b="0" lang="pt-BR" sz="2800" spc="-1" strike="noStrike">
+                <a:latin typeface="Arial"/>
+              </a:rPr>
+              <a:t>python3 test/test_concat_tables.py</a:t>
+            </a:r>
+            <a:endParaRPr b="0" lang="pt-BR" sz="2800" spc="-1" strike="noStrike">
+              <a:latin typeface="Arial"/>
+            </a:endParaRPr>
+          </a:p>
+          <a:p>
+            <a:pPr>
+              <a:lnSpc>
+                <a:spcPct val="100000"/>
+              </a:lnSpc>
+              <a:spcAft>
+                <a:spcPts val="1414"/>
+              </a:spcAft>
+            </a:pPr>
+            <a:endParaRPr b="0" lang="pt-BR" sz="2800" spc="-1" strike="noStrike">
+              <a:latin typeface="Arial"/>
+            </a:endParaRPr>
+          </a:p>
+        </p:txBody>
+      </p:sp>
+      <p:pic>
+        <p:nvPicPr>
+          <p:cNvPr id="159" name="" descr=""/>
           <p:cNvPicPr/>
           <p:nvPr/>
         </p:nvPicPr>
@@ -4309,7 +6523,7 @@
         <p:spPr>
           <a:xfrm>
             <a:off x="4485960" y="2356920"/>
-            <a:ext cx="5162040" cy="1819080"/>
+            <a:ext cx="5161680" cy="1818720"/>
           </a:xfrm>
           <a:prstGeom prst="rect">
             <a:avLst/>
@@ -4351,14 +6565,14 @@
       </p:grpSpPr>
       <p:sp>
         <p:nvSpPr>
-          <p:cNvPr id="89" name="TextShape 1"/>
-          <p:cNvSpPr txBox="1"/>
+          <p:cNvPr id="128" name="CustomShape 1"/>
+          <p:cNvSpPr/>
           <p:nvPr/>
         </p:nvSpPr>
         <p:spPr>
           <a:xfrm>
             <a:off x="504000" y="1656000"/>
-            <a:ext cx="9071640" cy="2958840"/>
+            <a:ext cx="9071280" cy="2958480"/>
           </a:xfrm>
           <a:prstGeom prst="rect">
             <a:avLst/>
@@ -4368,12 +6582,21 @@
             <a:noFill/>
           </a:ln>
         </p:spPr>
+        <p:style>
+          <a:lnRef idx="0"/>
+          <a:fillRef idx="0"/>
+          <a:effectRef idx="0"/>
+          <a:fontRef idx="minor"/>
+        </p:style>
         <p:txBody>
           <a:bodyPr lIns="0" rIns="0" tIns="0" bIns="0">
             <a:normAutofit/>
           </a:bodyPr>
           <a:p>
-            <a:pPr marL="432000" indent="-324000">
+            <a:pPr marL="432000" indent="-323640">
+              <a:lnSpc>
+                <a:spcPct val="100000"/>
+              </a:lnSpc>
               <a:spcAft>
                 <a:spcPts val="1414"/>
               </a:spcAft>
@@ -4395,7 +6618,10 @@
             </a:endParaRPr>
           </a:p>
           <a:p>
-            <a:pPr marL="432000" indent="-324000">
+            <a:pPr marL="432000" indent="-323640">
+              <a:lnSpc>
+                <a:spcPct val="100000"/>
+              </a:lnSpc>
               <a:spcAft>
                 <a:spcPts val="1414"/>
               </a:spcAft>
@@ -4407,7 +6633,11 @@
               <a:buChar char=""/>
             </a:pPr>
             <a:r>
-              <a:rPr b="0" lang="pt-BR" sz="2000" spc="-1" strike="noStrike">
+              <a:rPr b="0" lang="pt-BR" sz="2000" spc="-1" strike="noStrike" u="sng">
+                <a:solidFill>
+                  <a:srgbClr val="0000ff"/>
+                </a:solidFill>
+                <a:uFillTx/>
                 <a:latin typeface="Arial"/>
                 <a:hlinkClick r:id="rId1"/>
               </a:rPr>
@@ -4418,7 +6648,10 @@
             </a:endParaRPr>
           </a:p>
           <a:p>
-            <a:pPr marL="432000" indent="-324000">
+            <a:pPr marL="432000" indent="-323640">
+              <a:lnSpc>
+                <a:spcPct val="100000"/>
+              </a:lnSpc>
               <a:spcAft>
                 <a:spcPts val="1414"/>
               </a:spcAft>
@@ -4431,6 +6664,9 @@
             </a:pPr>
             <a:r>
               <a:rPr b="0" lang="pt-BR" sz="2000" spc="-1" strike="noStrike">
+                <a:solidFill>
+                  <a:srgbClr val="0000ff"/>
+                </a:solidFill>
                 <a:latin typeface="Arial"/>
               </a:rPr>
               <a:t>Youtube: Corey Schafer: unit test in python</a:t>
@@ -4440,7 +6676,10 @@
             </a:endParaRPr>
           </a:p>
           <a:p>
-            <a:pPr marL="432000" indent="-324000">
+            <a:pPr marL="432000" indent="-323640">
+              <a:lnSpc>
+                <a:spcPct val="100000"/>
+              </a:lnSpc>
               <a:spcAft>
                 <a:spcPts val="1414"/>
               </a:spcAft>
@@ -4452,7 +6691,11 @@
               <a:buChar char=""/>
             </a:pPr>
             <a:r>
-              <a:rPr b="0" lang="pt-BR" sz="2000" spc="-1" strike="noStrike">
+              <a:rPr b="0" lang="pt-BR" sz="2000" spc="-1" strike="noStrike" u="sng">
+                <a:solidFill>
+                  <a:srgbClr val="0000ff"/>
+                </a:solidFill>
+                <a:uFillTx/>
                 <a:latin typeface="Arial"/>
                 <a:hlinkClick r:id="rId2"/>
               </a:rPr>
@@ -4463,7 +6706,10 @@
             </a:endParaRPr>
           </a:p>
           <a:p>
-            <a:pPr marL="432000" indent="-324000">
+            <a:pPr marL="432000" indent="-323640">
+              <a:lnSpc>
+                <a:spcPct val="100000"/>
+              </a:lnSpc>
               <a:spcAft>
                 <a:spcPts val="1414"/>
               </a:spcAft>
@@ -4476,6 +6722,9 @@
             </a:pPr>
             <a:r>
               <a:rPr b="0" lang="pt-BR" sz="2000" spc="-1" strike="noStrike">
+                <a:solidFill>
+                  <a:srgbClr val="0000ff"/>
+                </a:solidFill>
                 <a:latin typeface="Arial"/>
               </a:rPr>
               <a:t>Youtube: Socratica: Unit Tests in python</a:t>
@@ -4485,7 +6734,10 @@
             </a:endParaRPr>
           </a:p>
           <a:p>
-            <a:pPr marL="432000" indent="-324000">
+            <a:pPr marL="432000" indent="-323640">
+              <a:lnSpc>
+                <a:spcPct val="100000"/>
+              </a:lnSpc>
               <a:spcAft>
                 <a:spcPts val="1414"/>
               </a:spcAft>
@@ -4498,6 +6750,9 @@
             </a:pPr>
             <a:r>
               <a:rPr b="0" lang="pt-BR" sz="2000" spc="-1" strike="noStrike">
+                <a:solidFill>
+                  <a:srgbClr val="0000ff"/>
+                </a:solidFill>
                 <a:latin typeface="Arial"/>
               </a:rPr>
               <a:t>https://www.youtube.com/watch?v=1Lfv5tUGsn8&amp;t=296s</a:t>
@@ -4510,14 +6765,14 @@
       </p:sp>
       <p:sp>
         <p:nvSpPr>
-          <p:cNvPr id="90" name="TextShape 2"/>
-          <p:cNvSpPr txBox="1"/>
+          <p:cNvPr id="129" name="CustomShape 2"/>
+          <p:cNvSpPr/>
           <p:nvPr/>
         </p:nvSpPr>
         <p:spPr>
           <a:xfrm>
             <a:off x="504000" y="565560"/>
-            <a:ext cx="9071640" cy="946440"/>
+            <a:ext cx="9071280" cy="946080"/>
           </a:xfrm>
           <a:prstGeom prst="rect">
             <a:avLst/>
@@ -4527,11 +6782,22 @@
             <a:noFill/>
           </a:ln>
         </p:spPr>
+        <p:style>
+          <a:lnRef idx="0"/>
+          <a:fillRef idx="0"/>
+          <a:effectRef idx="0"/>
+          <a:fontRef idx="minor"/>
+        </p:style>
         <p:txBody>
           <a:bodyPr lIns="0" rIns="0" tIns="0" bIns="0" anchor="ctr">
             <a:noAutofit/>
           </a:bodyPr>
           <a:p>
+            <a:pPr>
+              <a:lnSpc>
+                <a:spcPct val="100000"/>
+              </a:lnSpc>
+            </a:pPr>
             <a:r>
               <a:rPr b="0" lang="pt-BR" sz="4400" spc="-1" strike="noStrike">
                 <a:solidFill>
@@ -4542,9 +6808,6 @@
               <a:t>References</a:t>
             </a:r>
             <a:endParaRPr b="0" lang="pt-BR" sz="4400" spc="-1" strike="noStrike">
-              <a:solidFill>
-                <a:srgbClr val="c7243a"/>
-              </a:solidFill>
               <a:latin typeface="Arial"/>
             </a:endParaRPr>
           </a:p>
@@ -4582,14 +6845,14 @@
       </p:grpSpPr>
       <p:sp>
         <p:nvSpPr>
-          <p:cNvPr id="91" name="TextShape 1"/>
-          <p:cNvSpPr txBox="1"/>
+          <p:cNvPr id="130" name="CustomShape 1"/>
+          <p:cNvSpPr/>
           <p:nvPr/>
         </p:nvSpPr>
         <p:spPr>
           <a:xfrm>
             <a:off x="504000" y="565560"/>
-            <a:ext cx="9071640" cy="946440"/>
+            <a:ext cx="9071280" cy="946080"/>
           </a:xfrm>
           <a:prstGeom prst="rect">
             <a:avLst/>
@@ -4599,11 +6862,22 @@
             <a:noFill/>
           </a:ln>
         </p:spPr>
+        <p:style>
+          <a:lnRef idx="0"/>
+          <a:fillRef idx="0"/>
+          <a:effectRef idx="0"/>
+          <a:fontRef idx="minor"/>
+        </p:style>
         <p:txBody>
           <a:bodyPr lIns="0" rIns="0" tIns="0" bIns="0" anchor="ctr">
             <a:noAutofit/>
           </a:bodyPr>
           <a:p>
+            <a:pPr>
+              <a:lnSpc>
+                <a:spcPct val="100000"/>
+              </a:lnSpc>
+            </a:pPr>
             <a:r>
               <a:rPr b="0" lang="pt-BR" sz="4400" spc="-1" strike="noStrike">
                 <a:solidFill>
@@ -4614,24 +6888,21 @@
               <a:t>TL;DR: 1</a:t>
             </a:r>
             <a:endParaRPr b="0" lang="pt-BR" sz="4400" spc="-1" strike="noStrike">
-              <a:solidFill>
-                <a:srgbClr val="c7243a"/>
-              </a:solidFill>
-              <a:latin typeface="Arial"/>
-            </a:endParaRPr>
-          </a:p>
-        </p:txBody>
-      </p:sp>
-      <p:sp>
-        <p:nvSpPr>
-          <p:cNvPr id="92" name="TextShape 2"/>
-          <p:cNvSpPr txBox="1"/>
+              <a:latin typeface="Arial"/>
+            </a:endParaRPr>
+          </a:p>
+        </p:txBody>
+      </p:sp>
+      <p:sp>
+        <p:nvSpPr>
+          <p:cNvPr id="131" name="CustomShape 2"/>
+          <p:cNvSpPr/>
           <p:nvPr/>
         </p:nvSpPr>
         <p:spPr>
           <a:xfrm>
             <a:off x="504000" y="1656000"/>
-            <a:ext cx="9071640" cy="3528000"/>
+            <a:ext cx="9071280" cy="3527640"/>
           </a:xfrm>
           <a:prstGeom prst="rect">
             <a:avLst/>
@@ -4641,12 +6912,21 @@
             <a:noFill/>
           </a:ln>
         </p:spPr>
+        <p:style>
+          <a:lnRef idx="0"/>
+          <a:fillRef idx="0"/>
+          <a:effectRef idx="0"/>
+          <a:fontRef idx="minor"/>
+        </p:style>
         <p:txBody>
           <a:bodyPr lIns="0" rIns="0" tIns="0" bIns="0">
             <a:normAutofit/>
           </a:bodyPr>
           <a:p>
-            <a:pPr marL="432000" indent="-324000">
+            <a:pPr marL="432000" indent="-323640">
+              <a:lnSpc>
+                <a:spcPct val="100000"/>
+              </a:lnSpc>
               <a:spcAft>
                 <a:spcPts val="1414"/>
               </a:spcAft>
@@ -4668,7 +6948,10 @@
             </a:endParaRPr>
           </a:p>
           <a:p>
-            <a:pPr marL="432000" indent="-324000">
+            <a:pPr marL="432000" indent="-323640">
+              <a:lnSpc>
+                <a:spcPct val="100000"/>
+              </a:lnSpc>
               <a:spcAft>
                 <a:spcPts val="1414"/>
               </a:spcAft>
@@ -4723,14 +7006,14 @@
       </p:grpSpPr>
       <p:sp>
         <p:nvSpPr>
-          <p:cNvPr id="93" name="TextShape 1"/>
-          <p:cNvSpPr txBox="1"/>
+          <p:cNvPr id="132" name="CustomShape 1"/>
+          <p:cNvSpPr/>
           <p:nvPr/>
         </p:nvSpPr>
         <p:spPr>
           <a:xfrm>
             <a:off x="504000" y="565560"/>
-            <a:ext cx="9071640" cy="946440"/>
+            <a:ext cx="9071280" cy="946080"/>
           </a:xfrm>
           <a:prstGeom prst="rect">
             <a:avLst/>
@@ -4740,11 +7023,22 @@
             <a:noFill/>
           </a:ln>
         </p:spPr>
+        <p:style>
+          <a:lnRef idx="0"/>
+          <a:fillRef idx="0"/>
+          <a:effectRef idx="0"/>
+          <a:fontRef idx="minor"/>
+        </p:style>
         <p:txBody>
           <a:bodyPr lIns="0" rIns="0" tIns="0" bIns="0" anchor="ctr">
             <a:noAutofit/>
           </a:bodyPr>
           <a:p>
+            <a:pPr>
+              <a:lnSpc>
+                <a:spcPct val="100000"/>
+              </a:lnSpc>
+            </a:pPr>
             <a:r>
               <a:rPr b="0" lang="pt-BR" sz="4400" spc="-1" strike="noStrike">
                 <a:solidFill>
@@ -4755,9 +7049,6 @@
               <a:t>TL;DR 2</a:t>
             </a:r>
             <a:endParaRPr b="0" lang="pt-BR" sz="4400" spc="-1" strike="noStrike">
-              <a:solidFill>
-                <a:srgbClr val="c7243a"/>
-              </a:solidFill>
               <a:latin typeface="Arial"/>
             </a:endParaRPr>
           </a:p>
@@ -4765,19 +7056,19 @@
       </p:sp>
       <p:pic>
         <p:nvPicPr>
-          <p:cNvPr id="94" name="" descr=""/>
+          <p:cNvPr id="133" name="" descr=""/>
           <p:cNvPicPr/>
           <p:nvPr/>
         </p:nvPicPr>
         <p:blipFill>
           <a:blip r:embed="rId1"/>
-          <a:srcRect l="0" t="0" r="3868" b="52702"/>
+          <a:srcRect l="0" t="0" r="3868" b="52692"/>
           <a:stretch/>
         </p:blipFill>
         <p:spPr>
           <a:xfrm>
             <a:off x="216000" y="2448000"/>
-            <a:ext cx="9633600" cy="2664000"/>
+            <a:ext cx="9633240" cy="2663640"/>
           </a:xfrm>
           <a:prstGeom prst="rect">
             <a:avLst/>
@@ -4789,14 +7080,14 @@
       </p:pic>
       <p:sp>
         <p:nvSpPr>
-          <p:cNvPr id="95" name="TextShape 2"/>
-          <p:cNvSpPr txBox="1"/>
+          <p:cNvPr id="134" name="CustomShape 2"/>
+          <p:cNvSpPr/>
           <p:nvPr/>
         </p:nvSpPr>
         <p:spPr>
           <a:xfrm>
             <a:off x="576000" y="1440000"/>
-            <a:ext cx="2519640" cy="864000"/>
+            <a:ext cx="2519280" cy="863640"/>
           </a:xfrm>
           <a:prstGeom prst="rect">
             <a:avLst/>
@@ -4806,12 +7097,22 @@
             <a:noFill/>
           </a:ln>
         </p:spPr>
+        <p:style>
+          <a:lnRef idx="0"/>
+          <a:fillRef idx="0"/>
+          <a:effectRef idx="0"/>
+          <a:fontRef idx="minor"/>
+        </p:style>
         <p:txBody>
           <a:bodyPr lIns="0" rIns="0" tIns="0" bIns="0">
             <a:noAutofit/>
           </a:bodyPr>
           <a:p>
-            <a:pPr algn="ctr"/>
+            <a:pPr algn="ctr">
+              <a:lnSpc>
+                <a:spcPct val="100000"/>
+              </a:lnSpc>
+            </a:pPr>
             <a:r>
               <a:rPr b="0" lang="pt-BR" sz="1600" spc="-1" strike="noStrike">
                 <a:latin typeface="Arial"/>
@@ -4823,7 +7124,11 @@
             </a:endParaRPr>
           </a:p>
           <a:p>
-            <a:pPr algn="ctr"/>
+            <a:pPr algn="ctr">
+              <a:lnSpc>
+                <a:spcPct val="100000"/>
+              </a:lnSpc>
+            </a:pPr>
             <a:r>
               <a:rPr b="0" lang="pt-BR" sz="1600" spc="-1" strike="noStrike">
                 <a:latin typeface="Arial"/>
@@ -4835,7 +7140,11 @@
             </a:endParaRPr>
           </a:p>
           <a:p>
-            <a:pPr algn="ctr"/>
+            <a:pPr algn="ctr">
+              <a:lnSpc>
+                <a:spcPct val="100000"/>
+              </a:lnSpc>
+            </a:pPr>
             <a:r>
               <a:rPr b="0" lang="pt-BR" sz="1600" spc="-1" strike="noStrike">
                 <a:latin typeface="Arial"/>
@@ -4850,14 +7159,14 @@
       </p:sp>
       <p:sp>
         <p:nvSpPr>
-          <p:cNvPr id="96" name="TextShape 3"/>
-          <p:cNvSpPr txBox="1"/>
+          <p:cNvPr id="135" name="CustomShape 3"/>
+          <p:cNvSpPr/>
           <p:nvPr/>
         </p:nvSpPr>
         <p:spPr>
           <a:xfrm>
             <a:off x="5472360" y="1440000"/>
-            <a:ext cx="2519640" cy="864000"/>
+            <a:ext cx="2519280" cy="863640"/>
           </a:xfrm>
           <a:prstGeom prst="rect">
             <a:avLst/>
@@ -4867,12 +7176,22 @@
             <a:noFill/>
           </a:ln>
         </p:spPr>
+        <p:style>
+          <a:lnRef idx="0"/>
+          <a:fillRef idx="0"/>
+          <a:effectRef idx="0"/>
+          <a:fontRef idx="minor"/>
+        </p:style>
         <p:txBody>
           <a:bodyPr lIns="0" rIns="0" tIns="0" bIns="0">
             <a:noAutofit/>
           </a:bodyPr>
           <a:p>
-            <a:pPr algn="ctr"/>
+            <a:pPr algn="ctr">
+              <a:lnSpc>
+                <a:spcPct val="100000"/>
+              </a:lnSpc>
+            </a:pPr>
             <a:r>
               <a:rPr b="0" lang="pt-BR" sz="1600" spc="-1" strike="noStrike">
                 <a:latin typeface="Arial"/>
@@ -4917,14 +7236,14 @@
       </p:grpSpPr>
       <p:sp>
         <p:nvSpPr>
-          <p:cNvPr id="97" name="TextShape 1"/>
-          <p:cNvSpPr txBox="1"/>
+          <p:cNvPr id="136" name="CustomShape 1"/>
+          <p:cNvSpPr/>
           <p:nvPr/>
         </p:nvSpPr>
         <p:spPr>
           <a:xfrm>
             <a:off x="504000" y="565560"/>
-            <a:ext cx="9071640" cy="946440"/>
+            <a:ext cx="9071280" cy="946080"/>
           </a:xfrm>
           <a:prstGeom prst="rect">
             <a:avLst/>
@@ -4934,11 +7253,22 @@
             <a:noFill/>
           </a:ln>
         </p:spPr>
+        <p:style>
+          <a:lnRef idx="0"/>
+          <a:fillRef idx="0"/>
+          <a:effectRef idx="0"/>
+          <a:fontRef idx="minor"/>
+        </p:style>
         <p:txBody>
           <a:bodyPr lIns="0" rIns="0" tIns="0" bIns="0" anchor="ctr">
             <a:noAutofit/>
           </a:bodyPr>
           <a:p>
+            <a:pPr>
+              <a:lnSpc>
+                <a:spcPct val="100000"/>
+              </a:lnSpc>
+            </a:pPr>
             <a:r>
               <a:rPr b="0" lang="pt-BR" sz="4400" spc="-1" strike="noStrike">
                 <a:solidFill>
@@ -4946,27 +7276,24 @@
                 </a:solidFill>
                 <a:latin typeface="Arial"/>
               </a:rPr>
-              <a:t>How to practice unit test:</a:t>
+              <a:t>How this class will be:</a:t>
             </a:r>
             <a:endParaRPr b="0" lang="pt-BR" sz="4400" spc="-1" strike="noStrike">
-              <a:solidFill>
-                <a:srgbClr val="c7243a"/>
-              </a:solidFill>
-              <a:latin typeface="Arial"/>
-            </a:endParaRPr>
-          </a:p>
-        </p:txBody>
-      </p:sp>
-      <p:sp>
-        <p:nvSpPr>
-          <p:cNvPr id="98" name="TextShape 2"/>
-          <p:cNvSpPr txBox="1"/>
+              <a:latin typeface="Arial"/>
+            </a:endParaRPr>
+          </a:p>
+        </p:txBody>
+      </p:sp>
+      <p:sp>
+        <p:nvSpPr>
+          <p:cNvPr id="137" name="CustomShape 2"/>
+          <p:cNvSpPr/>
           <p:nvPr/>
         </p:nvSpPr>
         <p:spPr>
           <a:xfrm>
             <a:off x="504000" y="1656000"/>
-            <a:ext cx="9071640" cy="2958840"/>
+            <a:ext cx="9071280" cy="2958480"/>
           </a:xfrm>
           <a:prstGeom prst="rect">
             <a:avLst/>
@@ -4976,12 +7303,21 @@
             <a:noFill/>
           </a:ln>
         </p:spPr>
+        <p:style>
+          <a:lnRef idx="0"/>
+          <a:fillRef idx="0"/>
+          <a:effectRef idx="0"/>
+          <a:fontRef idx="minor"/>
+        </p:style>
         <p:txBody>
           <a:bodyPr lIns="0" rIns="0" tIns="0" bIns="0">
             <a:normAutofit/>
           </a:bodyPr>
           <a:p>
-            <a:pPr marL="432000" indent="-324000">
+            <a:pPr marL="432000" indent="-323640">
+              <a:lnSpc>
+                <a:spcPct val="100000"/>
+              </a:lnSpc>
               <a:spcAft>
                 <a:spcPts val="1414"/>
               </a:spcAft>
@@ -5003,7 +7339,10 @@
             </a:endParaRPr>
           </a:p>
           <a:p>
-            <a:pPr marL="432000" indent="-324000">
+            <a:pPr marL="432000" indent="-323640">
+              <a:lnSpc>
+                <a:spcPct val="100000"/>
+              </a:lnSpc>
               <a:spcAft>
                 <a:spcPts val="1414"/>
               </a:spcAft>
@@ -5025,7 +7364,10 @@
             </a:endParaRPr>
           </a:p>
           <a:p>
-            <a:pPr lvl="1" marL="864000" indent="-324000">
+            <a:pPr lvl="1" marL="864000" indent="-323640">
+              <a:lnSpc>
+                <a:spcPct val="100000"/>
+              </a:lnSpc>
               <a:spcAft>
                 <a:spcPts val="1134"/>
               </a:spcAft>
@@ -5033,7 +7375,7 @@
                 <a:srgbClr val="000000"/>
               </a:buClr>
               <a:buSzPct val="75000"/>
-              <a:buFont typeface="Symbol" charset="2"/>
+              <a:buFont typeface="Symbol"/>
               <a:buChar char=""/>
             </a:pPr>
             <a:r>
@@ -5047,7 +7389,10 @@
             </a:endParaRPr>
           </a:p>
           <a:p>
-            <a:pPr marL="432000" indent="-324000">
+            <a:pPr marL="432000" indent="-323640">
+              <a:lnSpc>
+                <a:spcPct val="100000"/>
+              </a:lnSpc>
               <a:spcAft>
                 <a:spcPts val="1414"/>
               </a:spcAft>
@@ -5102,14 +7447,14 @@
       </p:grpSpPr>
       <p:sp>
         <p:nvSpPr>
-          <p:cNvPr id="99" name="TextShape 1"/>
-          <p:cNvSpPr txBox="1"/>
+          <p:cNvPr id="138" name="CustomShape 1"/>
+          <p:cNvSpPr/>
           <p:nvPr/>
         </p:nvSpPr>
         <p:spPr>
           <a:xfrm>
             <a:off x="504000" y="565560"/>
-            <a:ext cx="9071640" cy="946440"/>
+            <a:ext cx="9071280" cy="946080"/>
           </a:xfrm>
           <a:prstGeom prst="rect">
             <a:avLst/>
@@ -5119,11 +7464,22 @@
             <a:noFill/>
           </a:ln>
         </p:spPr>
+        <p:style>
+          <a:lnRef idx="0"/>
+          <a:fillRef idx="0"/>
+          <a:effectRef idx="0"/>
+          <a:fontRef idx="minor"/>
+        </p:style>
         <p:txBody>
           <a:bodyPr lIns="0" rIns="0" tIns="0" bIns="0" anchor="ctr">
             <a:noAutofit/>
           </a:bodyPr>
           <a:p>
+            <a:pPr>
+              <a:lnSpc>
+                <a:spcPct val="100000"/>
+              </a:lnSpc>
+            </a:pPr>
             <a:r>
               <a:rPr b="0" lang="pt-BR" sz="4400" spc="-1" strike="noStrike">
                 <a:solidFill>
@@ -5131,27 +7487,24 @@
                 </a:solidFill>
                 <a:latin typeface="Arial"/>
               </a:rPr>
-              <a:t>Part 1: the “project”</a:t>
+              <a:t>Take into consideration:</a:t>
             </a:r>
             <a:endParaRPr b="0" lang="pt-BR" sz="4400" spc="-1" strike="noStrike">
-              <a:solidFill>
-                <a:srgbClr val="c7243a"/>
-              </a:solidFill>
-              <a:latin typeface="Arial"/>
-            </a:endParaRPr>
-          </a:p>
-        </p:txBody>
-      </p:sp>
-      <p:sp>
-        <p:nvSpPr>
-          <p:cNvPr id="100" name="TextShape 2"/>
-          <p:cNvSpPr txBox="1"/>
+              <a:latin typeface="Arial"/>
+            </a:endParaRPr>
+          </a:p>
+        </p:txBody>
+      </p:sp>
+      <p:sp>
+        <p:nvSpPr>
+          <p:cNvPr id="139" name="CustomShape 2"/>
+          <p:cNvSpPr/>
           <p:nvPr/>
         </p:nvSpPr>
         <p:spPr>
           <a:xfrm>
             <a:off x="504000" y="1656000"/>
-            <a:ext cx="9071640" cy="1800000"/>
+            <a:ext cx="9071280" cy="2958480"/>
           </a:xfrm>
           <a:prstGeom prst="rect">
             <a:avLst/>
@@ -5161,12 +7514,21 @@
             <a:noFill/>
           </a:ln>
         </p:spPr>
+        <p:style>
+          <a:lnRef idx="0"/>
+          <a:fillRef idx="0"/>
+          <a:effectRef idx="0"/>
+          <a:fontRef idx="minor"/>
+        </p:style>
         <p:txBody>
           <a:bodyPr lIns="0" rIns="0" tIns="0" bIns="0">
             <a:normAutofit/>
           </a:bodyPr>
           <a:p>
-            <a:pPr marL="432000" indent="-324000">
+            <a:pPr marL="432000" indent="-323640">
+              <a:lnSpc>
+                <a:spcPct val="100000"/>
+              </a:lnSpc>
               <a:spcAft>
                 <a:spcPts val="1414"/>
               </a:spcAft>
@@ -5181,14 +7543,17 @@
               <a:rPr b="0" lang="pt-BR" sz="3200" spc="-1" strike="noStrike">
                 <a:latin typeface="Arial"/>
               </a:rPr>
-              <a:t>Our client will send us tables periodically</a:t>
-            </a:r>
-            <a:endParaRPr b="0" lang="pt-BR" sz="3200" spc="-1" strike="noStrike">
-              <a:latin typeface="Arial"/>
-            </a:endParaRPr>
-          </a:p>
-          <a:p>
-            <a:pPr marL="432000" indent="-324000">
+              <a:t>VS Code test is extremelly sensitive!</a:t>
+            </a:r>
+            <a:endParaRPr b="0" lang="pt-BR" sz="3200" spc="-1" strike="noStrike">
+              <a:latin typeface="Arial"/>
+            </a:endParaRPr>
+          </a:p>
+          <a:p>
+            <a:pPr marL="432000" indent="-323640">
+              <a:lnSpc>
+                <a:spcPct val="100000"/>
+              </a:lnSpc>
               <a:spcAft>
                 <a:spcPts val="1414"/>
               </a:spcAft>
@@ -5203,14 +7568,23 @@
               <a:rPr b="0" lang="pt-BR" sz="3200" spc="-1" strike="noStrike">
                 <a:latin typeface="Arial"/>
               </a:rPr>
-              <a:t>We need to concatenate the tables in one file</a:t>
-            </a:r>
-            <a:endParaRPr b="0" lang="pt-BR" sz="3200" spc="-1" strike="noStrike">
-              <a:latin typeface="Arial"/>
-            </a:endParaRPr>
-          </a:p>
-          <a:p>
-            <a:pPr marL="432000" indent="-324000">
+              <a:t>Any wrong step will make the tests disappear </a:t>
+            </a:r>
+            <a:r>
+              <a:rPr b="0" lang="pt-BR" sz="3200" spc="-1" strike="noStrike">
+                <a:latin typeface="Arial"/>
+              </a:rPr>
+              <a:t>from the test bar!</a:t>
+            </a:r>
+            <a:endParaRPr b="0" lang="pt-BR" sz="3200" spc="-1" strike="noStrike">
+              <a:latin typeface="Arial"/>
+            </a:endParaRPr>
+          </a:p>
+          <a:p>
+            <a:pPr marL="432000" indent="-323640">
+              <a:lnSpc>
+                <a:spcPct val="100000"/>
+              </a:lnSpc>
               <a:spcAft>
                 <a:spcPts val="1414"/>
               </a:spcAft>
@@ -5221,72 +7595,13 @@
               <a:buFont typeface="Wingdings" charset="2"/>
               <a:buChar char=""/>
             </a:pPr>
-            <a:endParaRPr b="0" lang="pt-BR" sz="3200" spc="-1" strike="noStrike">
-              <a:latin typeface="Arial"/>
-            </a:endParaRPr>
-          </a:p>
-        </p:txBody>
-      </p:sp>
-      <p:pic>
-        <p:nvPicPr>
-          <p:cNvPr id="101" name="" descr=""/>
-          <p:cNvPicPr/>
-          <p:nvPr/>
-        </p:nvPicPr>
-        <p:blipFill>
-          <a:blip r:embed="rId1"/>
-          <a:stretch/>
-        </p:blipFill>
-        <p:spPr>
-          <a:xfrm>
-            <a:off x="2664000" y="3678120"/>
-            <a:ext cx="4247640" cy="1361880"/>
-          </a:xfrm>
-          <a:prstGeom prst="rect">
-            <a:avLst/>
-          </a:prstGeom>
-          <a:ln>
-            <a:noFill/>
-          </a:ln>
-        </p:spPr>
-      </p:pic>
-      <p:sp>
-        <p:nvSpPr>
-          <p:cNvPr id="102" name="TextShape 3"/>
-          <p:cNvSpPr txBox="1"/>
-          <p:nvPr/>
-        </p:nvSpPr>
-        <p:spPr>
-          <a:xfrm>
-            <a:off x="3893040" y="3037680"/>
-            <a:ext cx="1434960" cy="346320"/>
-          </a:xfrm>
-          <a:prstGeom prst="rect">
-            <a:avLst/>
-          </a:prstGeom>
-          <a:noFill/>
-          <a:ln>
-            <a:noFill/>
-          </a:ln>
-        </p:spPr>
-        <p:txBody>
-          <a:bodyPr lIns="90000" rIns="90000" tIns="45000" bIns="45000">
-            <a:noAutofit/>
-          </a:bodyPr>
-          <a:p>
-            <a:r>
-              <a:rPr b="0" lang="pt-BR" sz="1800" spc="-1" strike="noStrike">
-                <a:solidFill>
-                  <a:srgbClr val="000000"/>
-                </a:solidFill>
-                <a:latin typeface="Arial"/>
-              </a:rPr>
-              <a:t>Clients table</a:t>
-            </a:r>
-            <a:endParaRPr b="0" lang="pt-BR" sz="1800" spc="-1" strike="noStrike">
-              <a:solidFill>
-                <a:srgbClr val="000000"/>
-              </a:solidFill>
+            <a:r>
+              <a:rPr b="0" lang="pt-BR" sz="3200" spc="-1" strike="noStrike">
+                <a:latin typeface="Arial"/>
+              </a:rPr>
+              <a:t>Always proceed while verifying the results!</a:t>
+            </a:r>
+            <a:endParaRPr b="0" lang="pt-BR" sz="3200" spc="-1" strike="noStrike">
               <a:latin typeface="Arial"/>
             </a:endParaRPr>
           </a:p>
@@ -5324,14 +7639,14 @@
       </p:grpSpPr>
       <p:sp>
         <p:nvSpPr>
-          <p:cNvPr id="103" name="TextShape 1"/>
-          <p:cNvSpPr txBox="1"/>
+          <p:cNvPr id="140" name="CustomShape 1"/>
+          <p:cNvSpPr/>
           <p:nvPr/>
         </p:nvSpPr>
         <p:spPr>
           <a:xfrm>
             <a:off x="504000" y="565560"/>
-            <a:ext cx="9071640" cy="946440"/>
+            <a:ext cx="9071280" cy="946080"/>
           </a:xfrm>
           <a:prstGeom prst="rect">
             <a:avLst/>
@@ -5341,11 +7656,22 @@
             <a:noFill/>
           </a:ln>
         </p:spPr>
+        <p:style>
+          <a:lnRef idx="0"/>
+          <a:fillRef idx="0"/>
+          <a:effectRef idx="0"/>
+          <a:fontRef idx="minor"/>
+        </p:style>
         <p:txBody>
           <a:bodyPr lIns="0" rIns="0" tIns="0" bIns="0" anchor="ctr">
             <a:noAutofit/>
           </a:bodyPr>
           <a:p>
+            <a:pPr>
+              <a:lnSpc>
+                <a:spcPct val="100000"/>
+              </a:lnSpc>
+            </a:pPr>
             <a:r>
               <a:rPr b="0" lang="pt-BR" sz="4400" spc="-1" strike="noStrike">
                 <a:solidFill>
@@ -5353,27 +7679,24 @@
                 </a:solidFill>
                 <a:latin typeface="Arial"/>
               </a:rPr>
-              <a:t>Part 2: joining the tables</a:t>
+              <a:t>Part 1: the “project”</a:t>
             </a:r>
             <a:endParaRPr b="0" lang="pt-BR" sz="4400" spc="-1" strike="noStrike">
-              <a:solidFill>
-                <a:srgbClr val="c7243a"/>
-              </a:solidFill>
-              <a:latin typeface="Arial"/>
-            </a:endParaRPr>
-          </a:p>
-        </p:txBody>
-      </p:sp>
-      <p:sp>
-        <p:nvSpPr>
-          <p:cNvPr id="104" name="TextShape 2"/>
-          <p:cNvSpPr txBox="1"/>
+              <a:latin typeface="Arial"/>
+            </a:endParaRPr>
+          </a:p>
+        </p:txBody>
+      </p:sp>
+      <p:sp>
+        <p:nvSpPr>
+          <p:cNvPr id="141" name="CustomShape 2"/>
+          <p:cNvSpPr/>
           <p:nvPr/>
         </p:nvSpPr>
         <p:spPr>
           <a:xfrm>
             <a:off x="504000" y="1656000"/>
-            <a:ext cx="9071640" cy="1512000"/>
+            <a:ext cx="9071280" cy="1799640"/>
           </a:xfrm>
           <a:prstGeom prst="rect">
             <a:avLst/>
@@ -5383,12 +7706,21 @@
             <a:noFill/>
           </a:ln>
         </p:spPr>
+        <p:style>
+          <a:lnRef idx="0"/>
+          <a:fillRef idx="0"/>
+          <a:effectRef idx="0"/>
+          <a:fontRef idx="minor"/>
+        </p:style>
         <p:txBody>
           <a:bodyPr lIns="0" rIns="0" tIns="0" bIns="0">
             <a:normAutofit/>
           </a:bodyPr>
           <a:p>
-            <a:pPr marL="432000" indent="-324000">
+            <a:pPr marL="432000" indent="-323640">
+              <a:lnSpc>
+                <a:spcPct val="100000"/>
+              </a:lnSpc>
               <a:spcAft>
                 <a:spcPts val="1414"/>
               </a:spcAft>
@@ -5403,36 +7735,17 @@
               <a:rPr b="0" lang="pt-BR" sz="3200" spc="-1" strike="noStrike">
                 <a:latin typeface="Arial"/>
               </a:rPr>
-              <a:t>1: concatenate dados_clientes</a:t>
-            </a:r>
-            <a:endParaRPr b="0" lang="pt-BR" sz="3200" spc="-1" strike="noStrike">
-              <a:latin typeface="Arial"/>
-            </a:endParaRPr>
-          </a:p>
-          <a:p>
-            <a:pPr lvl="1" marL="864000" indent="-324000">
-              <a:spcAft>
-                <a:spcPts val="1134"/>
-              </a:spcAft>
-              <a:buClr>
-                <a:srgbClr val="000000"/>
-              </a:buClr>
-              <a:buSzPct val="75000"/>
-              <a:buFont typeface="Symbol" charset="2"/>
-              <a:buChar char=""/>
-            </a:pPr>
-            <a:r>
-              <a:rPr b="0" lang="pt-BR" sz="2800" spc="-1" strike="noStrike">
-                <a:latin typeface="Arial"/>
-              </a:rPr>
-              <a:t>Create function that concatenates tables</a:t>
-            </a:r>
-            <a:endParaRPr b="0" lang="pt-BR" sz="2800" spc="-1" strike="noStrike">
-              <a:latin typeface="Arial"/>
-            </a:endParaRPr>
-          </a:p>
-          <a:p>
-            <a:pPr marL="432000" indent="-324000">
+              <a:t>Our client will send us tables periodically</a:t>
+            </a:r>
+            <a:endParaRPr b="0" lang="pt-BR" sz="3200" spc="-1" strike="noStrike">
+              <a:latin typeface="Arial"/>
+            </a:endParaRPr>
+          </a:p>
+          <a:p>
+            <a:pPr marL="432000" indent="-323640">
+              <a:lnSpc>
+                <a:spcPct val="100000"/>
+              </a:lnSpc>
               <a:spcAft>
                 <a:spcPts val="1414"/>
               </a:spcAft>
@@ -5443,7 +7756,26 @@
               <a:buFont typeface="Wingdings" charset="2"/>
               <a:buChar char=""/>
             </a:pPr>
-            <a:endParaRPr b="0" lang="pt-BR" sz="2800" spc="-1" strike="noStrike">
+            <a:r>
+              <a:rPr b="0" lang="pt-BR" sz="3200" spc="-1" strike="noStrike">
+                <a:latin typeface="Arial"/>
+              </a:rPr>
+              <a:t>We need to concatenate the tables in one file</a:t>
+            </a:r>
+            <a:endParaRPr b="0" lang="pt-BR" sz="3200" spc="-1" strike="noStrike">
+              <a:latin typeface="Arial"/>
+            </a:endParaRPr>
+          </a:p>
+          <a:p>
+            <a:pPr>
+              <a:lnSpc>
+                <a:spcPct val="100000"/>
+              </a:lnSpc>
+              <a:spcAft>
+                <a:spcPts val="1414"/>
+              </a:spcAft>
+            </a:pPr>
+            <a:endParaRPr b="0" lang="pt-BR" sz="3200" spc="-1" strike="noStrike">
               <a:latin typeface="Arial"/>
             </a:endParaRPr>
           </a:p>
@@ -5451,19 +7783,18 @@
       </p:sp>
       <p:pic>
         <p:nvPicPr>
-          <p:cNvPr id="105" name="" descr=""/>
+          <p:cNvPr id="142" name="" descr=""/>
           <p:cNvPicPr/>
           <p:nvPr/>
         </p:nvPicPr>
         <p:blipFill>
           <a:blip r:embed="rId1"/>
-          <a:srcRect l="0" t="0" r="0" b="33374"/>
           <a:stretch/>
         </p:blipFill>
         <p:spPr>
           <a:xfrm>
-            <a:off x="3168000" y="3314880"/>
-            <a:ext cx="2664000" cy="1292760"/>
+            <a:off x="2664000" y="3678120"/>
+            <a:ext cx="4247280" cy="1361520"/>
           </a:xfrm>
           <a:prstGeom prst="rect">
             <a:avLst/>
@@ -5473,6 +7804,56 @@
           </a:ln>
         </p:spPr>
       </p:pic>
+      <p:sp>
+        <p:nvSpPr>
+          <p:cNvPr id="143" name="CustomShape 3"/>
+          <p:cNvSpPr/>
+          <p:nvPr/>
+        </p:nvSpPr>
+        <p:spPr>
+          <a:xfrm>
+            <a:off x="3893040" y="3037680"/>
+            <a:ext cx="1434600" cy="345960"/>
+          </a:xfrm>
+          <a:prstGeom prst="rect">
+            <a:avLst/>
+          </a:prstGeom>
+          <a:noFill/>
+          <a:ln>
+            <a:noFill/>
+          </a:ln>
+        </p:spPr>
+        <p:style>
+          <a:lnRef idx="0"/>
+          <a:fillRef idx="0"/>
+          <a:effectRef idx="0"/>
+          <a:fontRef idx="minor"/>
+        </p:style>
+        <p:txBody>
+          <a:bodyPr lIns="90000" rIns="90000" tIns="45000" bIns="45000">
+            <a:noAutofit/>
+          </a:bodyPr>
+          <a:p>
+            <a:pPr>
+              <a:lnSpc>
+                <a:spcPct val="100000"/>
+              </a:lnSpc>
+            </a:pPr>
+            <a:r>
+              <a:rPr b="0" lang="pt-BR" sz="1800" spc="-1" strike="noStrike">
+                <a:solidFill>
+                  <a:srgbClr val="000000"/>
+                </a:solidFill>
+                <a:latin typeface="Arial"/>
+              </a:rPr>
+              <a:t>Clients table</a:t>
+            </a:r>
+            <a:endParaRPr b="0" lang="pt-BR" sz="1800" spc="-1" strike="noStrike">
+              <a:latin typeface="Arial"/>
+            </a:endParaRPr>
+          </a:p>
+        </p:txBody>
+      </p:sp>
     </p:spTree>
   </p:cSld>
   <mc:AlternateContent>
@@ -5505,14 +7886,14 @@
       </p:grpSpPr>
       <p:sp>
         <p:nvSpPr>
-          <p:cNvPr id="106" name="TextShape 1"/>
-          <p:cNvSpPr txBox="1"/>
+          <p:cNvPr id="144" name="CustomShape 1"/>
+          <p:cNvSpPr/>
           <p:nvPr/>
         </p:nvSpPr>
         <p:spPr>
           <a:xfrm>
             <a:off x="504000" y="565560"/>
-            <a:ext cx="9071640" cy="946440"/>
+            <a:ext cx="9071280" cy="946080"/>
           </a:xfrm>
           <a:prstGeom prst="rect">
             <a:avLst/>
@@ -5522,11 +7903,22 @@
             <a:noFill/>
           </a:ln>
         </p:spPr>
+        <p:style>
+          <a:lnRef idx="0"/>
+          <a:fillRef idx="0"/>
+          <a:effectRef idx="0"/>
+          <a:fontRef idx="minor"/>
+        </p:style>
         <p:txBody>
           <a:bodyPr lIns="0" rIns="0" tIns="0" bIns="0" anchor="ctr">
             <a:noAutofit/>
           </a:bodyPr>
           <a:p>
+            <a:pPr>
+              <a:lnSpc>
+                <a:spcPct val="100000"/>
+              </a:lnSpc>
+            </a:pPr>
             <a:r>
               <a:rPr b="0" lang="pt-BR" sz="4400" spc="-1" strike="noStrike">
                 <a:solidFill>
@@ -5534,51 +7926,24 @@
                 </a:solidFill>
                 <a:latin typeface="Arial"/>
               </a:rPr>
-              <a:t>The code (continue on VS code)</a:t>
+              <a:t>Part 2: joining the tables</a:t>
             </a:r>
             <a:endParaRPr b="0" lang="pt-BR" sz="4400" spc="-1" strike="noStrike">
-              <a:solidFill>
-                <a:srgbClr val="c7243a"/>
-              </a:solidFill>
-              <a:latin typeface="Arial"/>
-            </a:endParaRPr>
-          </a:p>
-        </p:txBody>
-      </p:sp>
-      <p:pic>
-        <p:nvPicPr>
-          <p:cNvPr id="107" name="" descr=""/>
-          <p:cNvPicPr/>
+              <a:latin typeface="Arial"/>
+            </a:endParaRPr>
+          </a:p>
+        </p:txBody>
+      </p:sp>
+      <p:sp>
+        <p:nvSpPr>
+          <p:cNvPr id="145" name="CustomShape 2"/>
+          <p:cNvSpPr/>
           <p:nvPr/>
-        </p:nvPicPr>
-        <p:blipFill>
-          <a:blip r:embed="rId1"/>
-          <a:srcRect l="0" t="11516" r="1754" b="17333"/>
-          <a:stretch/>
-        </p:blipFill>
-        <p:spPr>
-          <a:xfrm>
-            <a:off x="3312000" y="2012400"/>
-            <a:ext cx="6552000" cy="2667600"/>
-          </a:xfrm>
-          <a:prstGeom prst="rect">
-            <a:avLst/>
-          </a:prstGeom>
-          <a:ln>
-            <a:noFill/>
-          </a:ln>
-        </p:spPr>
-      </p:pic>
-      <p:sp>
-        <p:nvSpPr>
-          <p:cNvPr id="108" name="TextShape 2"/>
-          <p:cNvSpPr txBox="1"/>
-          <p:nvPr/>
-        </p:nvSpPr>
-        <p:spPr>
-          <a:xfrm>
-            <a:off x="216000" y="2016000"/>
-            <a:ext cx="2808000" cy="2592000"/>
+        </p:nvSpPr>
+        <p:spPr>
+          <a:xfrm>
+            <a:off x="504000" y="1656000"/>
+            <a:ext cx="9071280" cy="1511640"/>
           </a:xfrm>
           <a:prstGeom prst="rect">
             <a:avLst/>
@@ -5588,12 +7953,21 @@
             <a:noFill/>
           </a:ln>
         </p:spPr>
-        <p:txBody>
-          <a:bodyPr lIns="0" rIns="0" tIns="0" bIns="0">
-            <a:normAutofit fontScale="36000"/>
-          </a:bodyPr>
-          <a:p>
-            <a:pPr marL="432000" indent="-324000">
+        <p:style>
+          <a:lnRef idx="0"/>
+          <a:fillRef idx="0"/>
+          <a:effectRef idx="0"/>
+          <a:fontRef idx="minor"/>
+        </p:style>
+        <p:txBody>
+          <a:bodyPr lIns="0" rIns="0" tIns="0" bIns="0">
+            <a:normAutofit/>
+          </a:bodyPr>
+          <a:p>
+            <a:pPr marL="432000" indent="-323640">
+              <a:lnSpc>
+                <a:spcPct val="100000"/>
+              </a:lnSpc>
               <a:spcAft>
                 <a:spcPts val="1414"/>
               </a:spcAft>
@@ -5608,124 +7982,76 @@
               <a:rPr b="0" lang="pt-BR" sz="3200" spc="-1" strike="noStrike">
                 <a:latin typeface="Arial"/>
               </a:rPr>
-              <a:t>Pipeline:</a:t>
-            </a:r>
-            <a:endParaRPr b="0" lang="pt-BR" sz="3200" spc="-1" strike="noStrike">
-              <a:latin typeface="Arial"/>
-            </a:endParaRPr>
-          </a:p>
-          <a:p>
-            <a:pPr marL="432000" indent="-324000">
+              <a:t>1: concatenate dados_clientes</a:t>
+            </a:r>
+            <a:endParaRPr b="0" lang="pt-BR" sz="3200" spc="-1" strike="noStrike">
+              <a:latin typeface="Arial"/>
+            </a:endParaRPr>
+          </a:p>
+          <a:p>
+            <a:pPr lvl="1" marL="864000" indent="-323640">
+              <a:lnSpc>
+                <a:spcPct val="100000"/>
+              </a:lnSpc>
               <a:spcAft>
-                <a:spcPts val="1414"/>
+                <a:spcPts val="1134"/>
               </a:spcAft>
               <a:buClr>
                 <a:srgbClr val="000000"/>
               </a:buClr>
-              <a:buSzPct val="45000"/>
-              <a:buFont typeface="Wingdings" charset="2"/>
-              <a:buChar char=""/>
-            </a:pPr>
-            <a:r>
-              <a:rPr b="0" lang="pt-BR" sz="3200" spc="-1" strike="noStrike">
-                <a:latin typeface="Arial"/>
-              </a:rPr>
-              <a:t>Run the code</a:t>
-            </a:r>
-            <a:endParaRPr b="0" lang="pt-BR" sz="3200" spc="-1" strike="noStrike">
-              <a:latin typeface="Arial"/>
-            </a:endParaRPr>
-          </a:p>
-          <a:p>
-            <a:pPr marL="432000" indent="-324000">
+              <a:buSzPct val="75000"/>
+              <a:buFont typeface="Symbol"/>
+              <a:buChar char=""/>
+            </a:pPr>
+            <a:r>
+              <a:rPr b="0" lang="pt-BR" sz="2800" spc="-1" strike="noStrike">
+                <a:latin typeface="Arial"/>
+              </a:rPr>
+              <a:t>Create function that concatenates tables</a:t>
+            </a:r>
+            <a:endParaRPr b="0" lang="pt-BR" sz="2800" spc="-1" strike="noStrike">
+              <a:latin typeface="Arial"/>
+            </a:endParaRPr>
+          </a:p>
+          <a:p>
+            <a:pPr>
+              <a:lnSpc>
+                <a:spcPct val="100000"/>
+              </a:lnSpc>
               <a:spcAft>
                 <a:spcPts val="1414"/>
               </a:spcAft>
-              <a:buClr>
-                <a:srgbClr val="000000"/>
-              </a:buClr>
-              <a:buSzPct val="45000"/>
-              <a:buFont typeface="Wingdings" charset="2"/>
-              <a:buChar char=""/>
-            </a:pPr>
-            <a:r>
-              <a:rPr b="0" lang="pt-BR" sz="3200" spc="-1" strike="noStrike">
-                <a:latin typeface="Arial"/>
-              </a:rPr>
-              <a:t>Find issues</a:t>
-            </a:r>
-            <a:endParaRPr b="0" lang="pt-BR" sz="3200" spc="-1" strike="noStrike">
-              <a:latin typeface="Arial"/>
-            </a:endParaRPr>
-          </a:p>
-          <a:p>
-            <a:pPr marL="432000" indent="-324000">
-              <a:spcAft>
-                <a:spcPts val="1414"/>
-              </a:spcAft>
-              <a:buClr>
-                <a:srgbClr val="000000"/>
-              </a:buClr>
-              <a:buSzPct val="45000"/>
-              <a:buFont typeface="Wingdings" charset="2"/>
-              <a:buChar char=""/>
-            </a:pPr>
-            <a:r>
-              <a:rPr b="0" lang="pt-BR" sz="3200" spc="-1" strike="noStrike">
-                <a:latin typeface="Arial"/>
-              </a:rPr>
-              <a:t>Fix issues</a:t>
-            </a:r>
-            <a:endParaRPr b="0" lang="pt-BR" sz="3200" spc="-1" strike="noStrike">
-              <a:latin typeface="Arial"/>
-            </a:endParaRPr>
-          </a:p>
-          <a:p>
-            <a:pPr marL="432000" indent="-324000">
-              <a:spcAft>
-                <a:spcPts val="1414"/>
-              </a:spcAft>
-              <a:buClr>
-                <a:srgbClr val="000000"/>
-              </a:buClr>
-              <a:buSzPct val="45000"/>
-              <a:buFont typeface="Wingdings" charset="2"/>
-              <a:buChar char=""/>
-            </a:pPr>
-            <a:r>
-              <a:rPr b="0" lang="pt-BR" sz="3200" spc="-1" strike="noStrike">
-                <a:latin typeface="Arial"/>
-              </a:rPr>
-              <a:t>Create tests for issues</a:t>
-            </a:r>
-            <a:endParaRPr b="0" lang="pt-BR" sz="3200" spc="-1" strike="noStrike">
-              <a:latin typeface="Arial"/>
-            </a:endParaRPr>
-          </a:p>
-          <a:p>
-            <a:pPr marL="432000" indent="-324000">
-              <a:spcAft>
-                <a:spcPts val="1414"/>
-              </a:spcAft>
-              <a:buClr>
-                <a:srgbClr val="000000"/>
-              </a:buClr>
-              <a:buSzPct val="45000"/>
-              <a:buFont typeface="Wingdings" charset="2"/>
-              <a:buChar char=""/>
-            </a:pPr>
-            <a:r>
-              <a:rPr b="0" lang="pt-BR" sz="3200" spc="-1" strike="noStrike">
-                <a:latin typeface="Arial"/>
-              </a:rPr>
-              <a:t>Rinse and repeat</a:t>
-            </a:r>
-            <a:endParaRPr b="0" lang="pt-BR" sz="3200" spc="-1" strike="noStrike">
-              <a:latin typeface="Arial"/>
-            </a:endParaRPr>
-          </a:p>
-        </p:txBody>
-      </p:sp>
+            </a:pPr>
+            <a:endParaRPr b="0" lang="pt-BR" sz="2800" spc="-1" strike="noStrike">
+              <a:latin typeface="Arial"/>
+            </a:endParaRPr>
+          </a:p>
+        </p:txBody>
+      </p:sp>
+      <p:pic>
+        <p:nvPicPr>
+          <p:cNvPr id="146" name="" descr=""/>
+          <p:cNvPicPr/>
+          <p:nvPr/>
+        </p:nvPicPr>
+        <p:blipFill>
+          <a:blip r:embed="rId1"/>
+          <a:srcRect l="0" t="0" r="0" b="33374"/>
+          <a:stretch/>
+        </p:blipFill>
+        <p:spPr>
+          <a:xfrm>
+            <a:off x="3168000" y="3314880"/>
+            <a:ext cx="2663640" cy="1292400"/>
+          </a:xfrm>
+          <a:prstGeom prst="rect">
+            <a:avLst/>
+          </a:prstGeom>
+          <a:ln>
+            <a:noFill/>
+          </a:ln>
+        </p:spPr>
+      </p:pic>
     </p:spTree>
   </p:cSld>
   <mc:AlternateContent>
@@ -5758,14 +8084,14 @@
       </p:grpSpPr>
       <p:sp>
         <p:nvSpPr>
-          <p:cNvPr id="109" name="TextShape 1"/>
-          <p:cNvSpPr txBox="1"/>
+          <p:cNvPr id="147" name="CustomShape 1"/>
+          <p:cNvSpPr/>
           <p:nvPr/>
         </p:nvSpPr>
         <p:spPr>
           <a:xfrm>
-            <a:off x="504000" y="541080"/>
-            <a:ext cx="9071640" cy="994320"/>
+            <a:off x="504000" y="565560"/>
+            <a:ext cx="9071280" cy="946080"/>
           </a:xfrm>
           <a:prstGeom prst="rect">
             <a:avLst/>
@@ -5775,11 +8101,22 @@
             <a:noFill/>
           </a:ln>
         </p:spPr>
+        <p:style>
+          <a:lnRef idx="0"/>
+          <a:fillRef idx="0"/>
+          <a:effectRef idx="0"/>
+          <a:fontRef idx="minor"/>
+        </p:style>
         <p:txBody>
           <a:bodyPr lIns="0" rIns="0" tIns="0" bIns="0" anchor="ctr">
             <a:noAutofit/>
           </a:bodyPr>
           <a:p>
+            <a:pPr>
+              <a:lnSpc>
+                <a:spcPct val="100000"/>
+              </a:lnSpc>
+            </a:pPr>
             <a:r>
               <a:rPr b="0" lang="pt-BR" sz="4400" spc="-1" strike="noStrike">
                 <a:solidFill>
@@ -5787,37 +8124,48 @@
                 </a:solidFill>
                 <a:latin typeface="Arial"/>
               </a:rPr>
-              <a:t>Unit test script file</a:t>
-            </a:r>
-            <a:br/>
-            <a:r>
-              <a:rPr b="0" lang="pt-BR" sz="2600" spc="-1" strike="noStrike">
-                <a:solidFill>
-                  <a:srgbClr val="c7243a"/>
-                </a:solidFill>
-                <a:latin typeface="Arial"/>
-              </a:rPr>
-              <a:t>(read at your own leisure)</a:t>
-            </a:r>
-            <a:endParaRPr b="0" lang="pt-BR" sz="2600" spc="-1" strike="noStrike">
-              <a:solidFill>
-                <a:srgbClr val="c7243a"/>
-              </a:solidFill>
-              <a:latin typeface="Arial"/>
-            </a:endParaRPr>
-          </a:p>
-        </p:txBody>
-      </p:sp>
-      <p:sp>
-        <p:nvSpPr>
-          <p:cNvPr id="110" name="TextShape 2"/>
-          <p:cNvSpPr txBox="1"/>
+              <a:t>The code (continue on VS code)</a:t>
+            </a:r>
+            <a:endParaRPr b="0" lang="pt-BR" sz="4400" spc="-1" strike="noStrike">
+              <a:latin typeface="Arial"/>
+            </a:endParaRPr>
+          </a:p>
+        </p:txBody>
+      </p:sp>
+      <p:pic>
+        <p:nvPicPr>
+          <p:cNvPr id="148" name="" descr=""/>
+          <p:cNvPicPr/>
           <p:nvPr/>
-        </p:nvSpPr>
-        <p:spPr>
-          <a:xfrm>
-            <a:off x="216000" y="1728000"/>
-            <a:ext cx="3600000" cy="3384000"/>
+        </p:nvPicPr>
+        <p:blipFill>
+          <a:blip r:embed="rId1"/>
+          <a:srcRect l="0" t="11516" r="1754" b="17333"/>
+          <a:stretch/>
+        </p:blipFill>
+        <p:spPr>
+          <a:xfrm>
+            <a:off x="3312000" y="2012400"/>
+            <a:ext cx="6551640" cy="2667240"/>
+          </a:xfrm>
+          <a:prstGeom prst="rect">
+            <a:avLst/>
+          </a:prstGeom>
+          <a:ln>
+            <a:noFill/>
+          </a:ln>
+        </p:spPr>
+      </p:pic>
+      <p:sp>
+        <p:nvSpPr>
+          <p:cNvPr id="149" name="CustomShape 2"/>
+          <p:cNvSpPr/>
+          <p:nvPr/>
+        </p:nvSpPr>
+        <p:spPr>
+          <a:xfrm>
+            <a:off x="216000" y="2016000"/>
+            <a:ext cx="2807640" cy="2591640"/>
           </a:xfrm>
           <a:prstGeom prst="rect">
             <a:avLst/>
@@ -5827,12 +8175,21 @@
             <a:noFill/>
           </a:ln>
         </p:spPr>
-        <p:txBody>
-          <a:bodyPr lIns="0" rIns="0" tIns="0" bIns="0">
-            <a:normAutofit fontScale="10000"/>
-          </a:bodyPr>
-          <a:p>
-            <a:pPr marL="432000" indent="-324000">
+        <p:style>
+          <a:lnRef idx="0"/>
+          <a:fillRef idx="0"/>
+          <a:effectRef idx="0"/>
+          <a:fontRef idx="minor"/>
+        </p:style>
+        <p:txBody>
+          <a:bodyPr lIns="0" rIns="0" tIns="0" bIns="0">
+            <a:normAutofit fontScale="36000"/>
+          </a:bodyPr>
+          <a:p>
+            <a:pPr marL="432000" indent="-323640">
+              <a:lnSpc>
+                <a:spcPct val="100000"/>
+              </a:lnSpc>
               <a:spcAft>
                 <a:spcPts val="1414"/>
               </a:spcAft>
@@ -5847,14 +8204,17 @@
               <a:rPr b="0" lang="pt-BR" sz="3200" spc="-1" strike="noStrike">
                 <a:latin typeface="Arial"/>
               </a:rPr>
-              <a:t>Steps followed here:</a:t>
-            </a:r>
-            <a:endParaRPr b="0" lang="pt-BR" sz="3200" spc="-1" strike="noStrike">
-              <a:latin typeface="Arial"/>
-            </a:endParaRPr>
-          </a:p>
-          <a:p>
-            <a:pPr marL="432000" indent="-324000">
+              <a:t>Pipeline:</a:t>
+            </a:r>
+            <a:endParaRPr b="0" lang="pt-BR" sz="3200" spc="-1" strike="noStrike">
+              <a:latin typeface="Arial"/>
+            </a:endParaRPr>
+          </a:p>
+          <a:p>
+            <a:pPr marL="432000" indent="-323640">
+              <a:lnSpc>
+                <a:spcPct val="100000"/>
+              </a:lnSpc>
               <a:spcAft>
                 <a:spcPts val="1414"/>
               </a:spcAft>
@@ -5869,58 +8229,17 @@
               <a:rPr b="0" lang="pt-BR" sz="3200" spc="-1" strike="noStrike">
                 <a:latin typeface="Arial"/>
               </a:rPr>
-              <a:t>Create file </a:t>
-            </a:r>
-            <a:endParaRPr b="0" lang="pt-BR" sz="3200" spc="-1" strike="noStrike">
-              <a:latin typeface="Arial"/>
-            </a:endParaRPr>
-          </a:p>
-          <a:p>
-            <a:pPr lvl="1" marL="864000" indent="-324000">
-              <a:spcAft>
-                <a:spcPts val="1134"/>
-              </a:spcAft>
-              <a:buClr>
-                <a:srgbClr val="000000"/>
-              </a:buClr>
-              <a:buSzPct val="75000"/>
-              <a:buFont typeface="Symbol" charset="2"/>
-              <a:buChar char=""/>
-            </a:pPr>
-            <a:r>
-              <a:rPr b="0" lang="pt-BR" sz="2800" spc="-1" strike="noStrike">
-                <a:latin typeface="Arial"/>
-              </a:rPr>
-              <a:t>Name starting with test </a:t>
-            </a:r>
-            <a:endParaRPr b="0" lang="pt-BR" sz="2800" spc="-1" strike="noStrike">
-              <a:latin typeface="Arial"/>
-            </a:endParaRPr>
-          </a:p>
-          <a:p>
-            <a:pPr lvl="1" marL="864000" indent="-324000">
-              <a:spcAft>
-                <a:spcPts val="1134"/>
-              </a:spcAft>
-              <a:buClr>
-                <a:srgbClr val="000000"/>
-              </a:buClr>
-              <a:buSzPct val="75000"/>
-              <a:buFont typeface="Symbol" charset="2"/>
-              <a:buChar char=""/>
-            </a:pPr>
-            <a:r>
-              <a:rPr b="0" lang="pt-BR" sz="2800" spc="-1" strike="noStrike">
-                <a:latin typeface="Arial"/>
-              </a:rPr>
-              <a:t>File in the test folder</a:t>
-            </a:r>
-            <a:endParaRPr b="0" lang="pt-BR" sz="2800" spc="-1" strike="noStrike">
-              <a:latin typeface="Arial"/>
-            </a:endParaRPr>
-          </a:p>
-          <a:p>
-            <a:pPr marL="432000" indent="-324000">
+              <a:t>Run the code</a:t>
+            </a:r>
+            <a:endParaRPr b="0" lang="pt-BR" sz="3200" spc="-1" strike="noStrike">
+              <a:latin typeface="Arial"/>
+            </a:endParaRPr>
+          </a:p>
+          <a:p>
+            <a:pPr marL="432000" indent="-323640">
+              <a:lnSpc>
+                <a:spcPct val="100000"/>
+              </a:lnSpc>
               <a:spcAft>
                 <a:spcPts val="1414"/>
               </a:spcAft>
@@ -5935,14 +8254,17 @@
               <a:rPr b="0" lang="pt-BR" sz="3200" spc="-1" strike="noStrike">
                 <a:latin typeface="Arial"/>
               </a:rPr>
-              <a:t>Import unittest and modules </a:t>
-            </a:r>
-            <a:endParaRPr b="0" lang="pt-BR" sz="3200" spc="-1" strike="noStrike">
-              <a:latin typeface="Arial"/>
-            </a:endParaRPr>
-          </a:p>
-          <a:p>
-            <a:pPr marL="432000" indent="-324000">
+              <a:t>Find issues</a:t>
+            </a:r>
+            <a:endParaRPr b="0" lang="pt-BR" sz="3200" spc="-1" strike="noStrike">
+              <a:latin typeface="Arial"/>
+            </a:endParaRPr>
+          </a:p>
+          <a:p>
+            <a:pPr marL="432000" indent="-323640">
+              <a:lnSpc>
+                <a:spcPct val="100000"/>
+              </a:lnSpc>
               <a:spcAft>
                 <a:spcPts val="1414"/>
               </a:spcAft>
@@ -5957,20 +8279,17 @@
               <a:rPr b="0" lang="pt-BR" sz="3200" spc="-1" strike="noStrike">
                 <a:latin typeface="Arial"/>
               </a:rPr>
-              <a:t>→ </a:t>
-            </a:r>
-            <a:r>
-              <a:rPr b="0" lang="pt-BR" sz="3200" spc="-1" strike="noStrike">
-                <a:latin typeface="Arial"/>
-              </a:rPr>
-              <a:t>do not use sys.path!</a:t>
-            </a:r>
-            <a:endParaRPr b="0" lang="pt-BR" sz="3200" spc="-1" strike="noStrike">
-              <a:latin typeface="Arial"/>
-            </a:endParaRPr>
-          </a:p>
-          <a:p>
-            <a:pPr marL="432000" indent="-324000">
+              <a:t>Fix issues</a:t>
+            </a:r>
+            <a:endParaRPr b="0" lang="pt-BR" sz="3200" spc="-1" strike="noStrike">
+              <a:latin typeface="Arial"/>
+            </a:endParaRPr>
+          </a:p>
+          <a:p>
+            <a:pPr marL="432000" indent="-323640">
+              <a:lnSpc>
+                <a:spcPct val="100000"/>
+              </a:lnSpc>
               <a:spcAft>
                 <a:spcPts val="1414"/>
               </a:spcAft>
@@ -5985,42 +8304,17 @@
               <a:rPr b="0" lang="pt-BR" sz="3200" spc="-1" strike="noStrike">
                 <a:latin typeface="Arial"/>
               </a:rPr>
-              <a:t>→ </a:t>
-            </a:r>
-            <a:r>
-              <a:rPr b="0" lang="pt-BR" sz="3200" spc="-1" strike="noStrike">
-                <a:latin typeface="Arial"/>
-              </a:rPr>
-              <a:t>if module.py in MODULES folder,</a:t>
-            </a:r>
-            <a:endParaRPr b="0" lang="pt-BR" sz="3200" spc="-1" strike="noStrike">
-              <a:latin typeface="Arial"/>
-            </a:endParaRPr>
-          </a:p>
-          <a:p>
-            <a:pPr lvl="1" marL="864000" indent="-324000">
-              <a:spcAft>
-                <a:spcPts val="1134"/>
-              </a:spcAft>
-              <a:buClr>
-                <a:srgbClr val="000000"/>
-              </a:buClr>
-              <a:buSzPct val="75000"/>
-              <a:buFont typeface="Symbol" charset="2"/>
-              <a:buChar char=""/>
-            </a:pPr>
-            <a:r>
-              <a:rPr b="0" lang="pt-BR" sz="2800" spc="-1" strike="noStrike">
-                <a:latin typeface="Arial"/>
-              </a:rPr>
-              <a:t>Use import MODULES.module </a:t>
-            </a:r>
-            <a:endParaRPr b="0" lang="pt-BR" sz="2800" spc="-1" strike="noStrike">
-              <a:latin typeface="Arial"/>
-            </a:endParaRPr>
-          </a:p>
-          <a:p>
-            <a:pPr marL="432000" indent="-324000">
+              <a:t>Create tests for issues</a:t>
+            </a:r>
+            <a:endParaRPr b="0" lang="pt-BR" sz="3200" spc="-1" strike="noStrike">
+              <a:latin typeface="Arial"/>
+            </a:endParaRPr>
+          </a:p>
+          <a:p>
+            <a:pPr marL="432000" indent="-323640">
+              <a:lnSpc>
+                <a:spcPct val="100000"/>
+              </a:lnSpc>
               <a:spcAft>
                 <a:spcPts val="1414"/>
               </a:spcAft>
@@ -6035,140 +8329,9 @@
               <a:rPr b="0" lang="pt-BR" sz="3200" spc="-1" strike="noStrike">
                 <a:latin typeface="Arial"/>
               </a:rPr>
-              <a:t>Create class with argument unittest.TestCase</a:t>
-            </a:r>
-            <a:endParaRPr b="0" lang="pt-BR" sz="3200" spc="-1" strike="noStrike">
-              <a:latin typeface="Arial"/>
-            </a:endParaRPr>
-          </a:p>
-          <a:p>
-            <a:pPr marL="432000" indent="-324000">
-              <a:spcAft>
-                <a:spcPts val="1414"/>
-              </a:spcAft>
-              <a:buClr>
-                <a:srgbClr val="000000"/>
-              </a:buClr>
-              <a:buSzPct val="45000"/>
-              <a:buFont typeface="Wingdings" charset="2"/>
-              <a:buChar char=""/>
-            </a:pPr>
-            <a:r>
-              <a:rPr b="0" lang="pt-BR" sz="3200" spc="-1" strike="noStrike">
-                <a:latin typeface="Arial"/>
-              </a:rPr>
-              <a:t>Create functions beginning with word ‘test’</a:t>
-            </a:r>
-            <a:endParaRPr b="0" lang="pt-BR" sz="3200" spc="-1" strike="noStrike">
-              <a:latin typeface="Arial"/>
-            </a:endParaRPr>
-          </a:p>
-          <a:p>
-            <a:pPr marL="432000" indent="-324000">
-              <a:spcAft>
-                <a:spcPts val="1414"/>
-              </a:spcAft>
-              <a:buClr>
-                <a:srgbClr val="000000"/>
-              </a:buClr>
-              <a:buSzPct val="45000"/>
-              <a:buFont typeface="Wingdings" charset="2"/>
-              <a:buChar char=""/>
-            </a:pPr>
-            <a:r>
-              <a:rPr b="0" lang="pt-BR" sz="3200" spc="-1" strike="noStrike">
-                <a:latin typeface="Arial"/>
-              </a:rPr>
-              <a:t>Create assertions inside test functions</a:t>
-            </a:r>
-            <a:endParaRPr b="0" lang="pt-BR" sz="3200" spc="-1" strike="noStrike">
-              <a:latin typeface="Arial"/>
-            </a:endParaRPr>
-          </a:p>
-          <a:p>
-            <a:pPr marL="432000" indent="-324000">
-              <a:spcAft>
-                <a:spcPts val="1414"/>
-              </a:spcAft>
-              <a:buClr>
-                <a:srgbClr val="000000"/>
-              </a:buClr>
-              <a:buSzPct val="45000"/>
-              <a:buFont typeface="Wingdings" charset="2"/>
-              <a:buChar char=""/>
-            </a:pPr>
-            <a:r>
-              <a:rPr b="0" lang="pt-BR" sz="3200" spc="-1" strike="noStrike">
-                <a:latin typeface="Arial"/>
-              </a:rPr>
-              <a:t>Call unittest.main(): only if calling script</a:t>
-            </a:r>
-            <a:endParaRPr b="0" lang="pt-BR" sz="3200" spc="-1" strike="noStrike">
-              <a:latin typeface="Arial"/>
-            </a:endParaRPr>
-          </a:p>
-        </p:txBody>
-      </p:sp>
-      <p:pic>
-        <p:nvPicPr>
-          <p:cNvPr id="111" name="" descr=""/>
-          <p:cNvPicPr/>
-          <p:nvPr/>
-        </p:nvPicPr>
-        <p:blipFill>
-          <a:blip r:embed="rId1"/>
-          <a:stretch/>
-        </p:blipFill>
-        <p:spPr>
-          <a:xfrm>
-            <a:off x="3986640" y="1851840"/>
-            <a:ext cx="5949360" cy="2828160"/>
-          </a:xfrm>
-          <a:prstGeom prst="rect">
-            <a:avLst/>
-          </a:prstGeom>
-          <a:ln>
-            <a:noFill/>
-          </a:ln>
-        </p:spPr>
-      </p:pic>
-      <p:sp>
-        <p:nvSpPr>
-          <p:cNvPr id="112" name="TextShape 3"/>
-          <p:cNvSpPr txBox="1"/>
-          <p:nvPr/>
-        </p:nvSpPr>
-        <p:spPr>
-          <a:xfrm>
-            <a:off x="4608000" y="4896000"/>
-            <a:ext cx="4121640" cy="316080"/>
-          </a:xfrm>
-          <a:prstGeom prst="rect">
-            <a:avLst/>
-          </a:prstGeom>
-          <a:noFill/>
-          <a:ln>
-            <a:noFill/>
-          </a:ln>
-        </p:spPr>
-        <p:txBody>
-          <a:bodyPr lIns="90000" rIns="90000" tIns="45000" bIns="45000">
-            <a:noAutofit/>
-          </a:bodyPr>
-          <a:p>
-            <a:r>
-              <a:rPr b="0" lang="pt-BR" sz="1600" spc="-1" strike="noStrike">
-                <a:solidFill>
-                  <a:srgbClr val="000000"/>
-                </a:solidFill>
-                <a:latin typeface="Arial"/>
-              </a:rPr>
-              <a:t>* I’m ignoring unittests functions on purpose</a:t>
-            </a:r>
-            <a:endParaRPr b="0" lang="pt-BR" sz="1600" spc="-1" strike="noStrike">
-              <a:solidFill>
-                <a:srgbClr val="000000"/>
-              </a:solidFill>
+              <a:t>Rinse and repeat</a:t>
+            </a:r>
+            <a:endParaRPr b="0" lang="pt-BR" sz="3200" spc="-1" strike="noStrike">
               <a:latin typeface="Arial"/>
             </a:endParaRPr>
           </a:p>
@@ -6637,4 +8800,230 @@
     </a:fmtScheme>
   </a:themeElements>
 </a:theme>
+</file>
+
+<file path=ppt/theme/theme3.xml><?xml version="1.0" encoding="utf-8"?>
+<a:theme xmlns:a="http://schemas.openxmlformats.org/drawingml/2006/main" name="Office Theme">
+  <a:themeElements>
+    <a:clrScheme name="Office">
+      <a:dk1>
+        <a:sysClr val="windowText" lastClr="000000"/>
+      </a:dk1>
+      <a:lt1>
+        <a:sysClr val="window" lastClr="FFFFFF"/>
+      </a:lt1>
+      <a:dk2>
+        <a:srgbClr val="1f497d"/>
+      </a:dk2>
+      <a:lt2>
+        <a:srgbClr val="eeece1"/>
+      </a:lt2>
+      <a:accent1>
+        <a:srgbClr val="4f81bd"/>
+      </a:accent1>
+      <a:accent2>
+        <a:srgbClr val="c0504d"/>
+      </a:accent2>
+      <a:accent3>
+        <a:srgbClr val="9bbb59"/>
+      </a:accent3>
+      <a:accent4>
+        <a:srgbClr val="8064a2"/>
+      </a:accent4>
+      <a:accent5>
+        <a:srgbClr val="4bacc6"/>
+      </a:accent5>
+      <a:accent6>
+        <a:srgbClr val="f79646"/>
+      </a:accent6>
+      <a:hlink>
+        <a:srgbClr val="0000ff"/>
+      </a:hlink>
+      <a:folHlink>
+        <a:srgbClr val="800080"/>
+      </a:folHlink>
+    </a:clrScheme>
+    <a:fontScheme name="Office">
+      <a:majorFont>
+        <a:latin typeface="Arial"/>
+        <a:ea typeface="DejaVu Sans"/>
+        <a:cs typeface="DejaVu Sans"/>
+      </a:majorFont>
+      <a:minorFont>
+        <a:latin typeface="Arial"/>
+        <a:ea typeface="DejaVu Sans"/>
+        <a:cs typeface="DejaVu Sans"/>
+      </a:minorFont>
+    </a:fontScheme>
+    <a:fmtScheme name="Office">
+      <a:fillStyleLst>
+        <a:solidFill>
+          <a:schemeClr val="phClr"/>
+        </a:solidFill>
+        <a:gradFill rotWithShape="1">
+          <a:gsLst>
+            <a:gs pos="0">
+              <a:schemeClr val="phClr">
+                <a:tint val="50000"/>
+                <a:satMod val="300000"/>
+              </a:schemeClr>
+            </a:gs>
+            <a:gs pos="35000">
+              <a:schemeClr val="phClr">
+                <a:tint val="37000"/>
+                <a:satMod val="300000"/>
+              </a:schemeClr>
+            </a:gs>
+            <a:gs pos="100000">
+              <a:schemeClr val="phClr">
+                <a:tint val="15000"/>
+                <a:satMod val="350000"/>
+              </a:schemeClr>
+            </a:gs>
+          </a:gsLst>
+          <a:lin ang="16200000" scaled="1"/>
+        </a:gradFill>
+        <a:gradFill rotWithShape="1">
+          <a:gsLst>
+            <a:gs pos="0">
+              <a:schemeClr val="phClr">
+                <a:shade val="51000"/>
+                <a:satMod val="130000"/>
+              </a:schemeClr>
+            </a:gs>
+            <a:gs pos="80000">
+              <a:schemeClr val="phClr">
+                <a:shade val="93000"/>
+                <a:satMod val="130000"/>
+              </a:schemeClr>
+            </a:gs>
+            <a:gs pos="100000">
+              <a:schemeClr val="phClr">
+                <a:shade val="94000"/>
+                <a:satMod val="135000"/>
+              </a:schemeClr>
+            </a:gs>
+          </a:gsLst>
+          <a:lin ang="16200000" scaled="0"/>
+        </a:gradFill>
+      </a:fillStyleLst>
+      <a:lnStyleLst>
+        <a:ln w="9525" cap="flat" cmpd="sng" algn="ctr">
+          <a:solidFill>
+            <a:schemeClr val="phClr">
+              <a:shade val="95000"/>
+              <a:satMod val="105000"/>
+            </a:schemeClr>
+          </a:solidFill>
+          <a:prstDash val="solid"/>
+          <a:miter/>
+        </a:ln>
+        <a:ln w="25400" cap="flat" cmpd="sng" algn="ctr">
+          <a:solidFill>
+            <a:schemeClr val="phClr"/>
+          </a:solidFill>
+          <a:prstDash val="solid"/>
+          <a:miter/>
+        </a:ln>
+        <a:ln w="38100" cap="flat" cmpd="sng" algn="ctr">
+          <a:solidFill>
+            <a:schemeClr val="phClr"/>
+          </a:solidFill>
+          <a:prstDash val="solid"/>
+          <a:miter/>
+        </a:ln>
+      </a:lnStyleLst>
+      <a:effectStyleLst>
+        <a:effectStyle>
+          <a:effectLst>
+            <a:outerShdw blurRad="40000" dist="20000" dir="5400000" rotWithShape="0">
+              <a:srgbClr val="000000">
+                <a:alpha val="38000"/>
+              </a:srgbClr>
+            </a:outerShdw>
+          </a:effectLst>
+        </a:effectStyle>
+        <a:effectStyle>
+          <a:effectLst>
+            <a:outerShdw blurRad="40000" dist="23000" dir="5400000" rotWithShape="0">
+              <a:srgbClr val="000000">
+                <a:alpha val="35000"/>
+              </a:srgbClr>
+            </a:outerShdw>
+          </a:effectLst>
+        </a:effectStyle>
+        <a:effectStyle>
+          <a:effectLst>
+            <a:outerShdw blurRad="40000" dist="23000" dir="5400000" rotWithShape="0">
+              <a:srgbClr val="000000">
+                <a:alpha val="35000"/>
+              </a:srgbClr>
+            </a:outerShdw>
+          </a:effectLst>
+          <a:scene3d>
+            <a:camera prst="orthographicFront">
+              <a:rot lat="0" lon="0" rev="0"/>
+            </a:camera>
+            <a:lightRig rig="threePt" dir="t">
+              <a:rot lat="0" lon="0" rev="1200000"/>
+            </a:lightRig>
+          </a:scene3d>
+          <a:sp3d>
+            <a:bevelT w="63500" h="25400"/>
+          </a:sp3d>
+        </a:effectStyle>
+      </a:effectStyleLst>
+      <a:bgFillStyleLst>
+        <a:solidFill>
+          <a:schemeClr val="phClr"/>
+        </a:solidFill>
+        <a:gradFill rotWithShape="1">
+          <a:gsLst>
+            <a:gs pos="0">
+              <a:schemeClr val="phClr">
+                <a:tint val="40000"/>
+                <a:satMod val="350000"/>
+              </a:schemeClr>
+            </a:gs>
+            <a:gs pos="40000">
+              <a:schemeClr val="phClr">
+                <a:tint val="45000"/>
+                <a:shade val="99000"/>
+                <a:satMod val="350000"/>
+              </a:schemeClr>
+            </a:gs>
+            <a:gs pos="100000">
+              <a:schemeClr val="phClr">
+                <a:shade val="20000"/>
+                <a:satMod val="255000"/>
+              </a:schemeClr>
+            </a:gs>
+          </a:gsLst>
+          <a:path path="circle">
+            <a:fillToRect l="50000" t="-80000" r="50000" b="180000"/>
+          </a:path>
+        </a:gradFill>
+        <a:gradFill rotWithShape="1">
+          <a:gsLst>
+            <a:gs pos="0">
+              <a:schemeClr val="phClr">
+                <a:tint val="80000"/>
+                <a:satMod val="300000"/>
+              </a:schemeClr>
+            </a:gs>
+            <a:gs pos="100000">
+              <a:schemeClr val="phClr">
+                <a:shade val="30000"/>
+                <a:satMod val="200000"/>
+              </a:schemeClr>
+            </a:gs>
+          </a:gsLst>
+          <a:path path="circle">
+            <a:fillToRect l="50000" t="50000" r="50000" b="50000"/>
+          </a:path>
+        </a:gradFill>
+      </a:bgFillStyleLst>
+    </a:fmtScheme>
+  </a:themeElements>
+</a:theme>
 </file>
--- a/testing_codes/vscode_unittest/sergio_vscode_unittest.pptx
+++ b/testing_codes/vscode_unittest/sergio_vscode_unittest.pptx
@@ -4589,7 +4589,7 @@
                 <a:spcPct val="100000"/>
               </a:lnSpc>
             </a:pPr>
-            <a:fld id="{F4B72376-836A-4757-82EC-8ECC63E42F29}" type="slidenum">
+            <a:fld id="{56B021DD-C009-4152-AA5B-278A6C41438C}" type="slidenum">
               <a:rPr b="0" lang="pt-BR" sz="1400" spc="-1" strike="noStrike">
                 <a:solidFill>
                   <a:srgbClr val="ffffff"/>
@@ -5037,7 +5037,7 @@
                 <a:spcPct val="100000"/>
               </a:lnSpc>
             </a:pPr>
-            <a:fld id="{024DCC1E-3703-4416-9E6F-55F43FF03016}" type="slidenum">
+            <a:fld id="{B4C013E1-A597-4D8F-94DB-A8651AB1EE20}" type="slidenum">
               <a:rPr b="0" lang="pt-BR" sz="1400" spc="-1" strike="noStrike">
                 <a:solidFill>
                   <a:srgbClr val="ffffff"/>
@@ -6343,7 +6343,7 @@
         </p:style>
         <p:txBody>
           <a:bodyPr lIns="0" rIns="0" tIns="0" bIns="0">
-            <a:normAutofit fontScale="45000"/>
+            <a:normAutofit fontScale="56000"/>
           </a:bodyPr>
           <a:p>
             <a:pPr marL="432000" indent="-323640">
@@ -6364,7 +6364,7 @@
               <a:rPr b="0" lang="pt-BR" sz="3200" spc="-1" strike="noStrike">
                 <a:latin typeface="Arial"/>
               </a:rPr>
-              <a:t>- Add to the beginning </a:t>
+              <a:t>Import sys</a:t>
             </a:r>
             <a:endParaRPr b="0" lang="pt-BR" sz="3200" spc="-1" strike="noStrike">
               <a:latin typeface="Arial"/>
@@ -6389,59 +6389,9 @@
               <a:rPr b="0" lang="pt-BR" sz="3200" spc="-1" strike="noStrike">
                 <a:latin typeface="Arial"/>
               </a:rPr>
-              <a:t>of the code:</a:t>
-            </a:r>
-            <a:endParaRPr b="0" lang="pt-BR" sz="3200" spc="-1" strike="noStrike">
-              <a:latin typeface="Arial"/>
-            </a:endParaRPr>
-          </a:p>
-          <a:p>
-            <a:pPr lvl="1" marL="864000" indent="-323640">
-              <a:lnSpc>
-                <a:spcPct val="100000"/>
-              </a:lnSpc>
-              <a:spcAft>
-                <a:spcPts val="1134"/>
-              </a:spcAft>
-              <a:buClr>
-                <a:srgbClr val="000000"/>
-              </a:buClr>
-              <a:buSzPct val="75000"/>
-              <a:buFont typeface="Symbol"/>
-              <a:buChar char=""/>
-            </a:pPr>
-            <a:r>
-              <a:rPr b="0" lang="pt-BR" sz="2800" spc="-1" strike="noStrike">
-                <a:latin typeface="Arial"/>
-              </a:rPr>
-              <a:t>import os</a:t>
-            </a:r>
-            <a:endParaRPr b="0" lang="pt-BR" sz="2800" spc="-1" strike="noStrike">
-              <a:latin typeface="Arial"/>
-            </a:endParaRPr>
-          </a:p>
-          <a:p>
-            <a:pPr lvl="1" marL="864000" indent="-323640">
-              <a:lnSpc>
-                <a:spcPct val="100000"/>
-              </a:lnSpc>
-              <a:spcAft>
-                <a:spcPts val="1134"/>
-              </a:spcAft>
-              <a:buClr>
-                <a:srgbClr val="000000"/>
-              </a:buClr>
-              <a:buSzPct val="75000"/>
-              <a:buFont typeface="Symbol"/>
-              <a:buChar char=""/>
-            </a:pPr>
-            <a:r>
-              <a:rPr b="0" lang="pt-BR" sz="2800" spc="-1" strike="noStrike">
-                <a:latin typeface="Arial"/>
-              </a:rPr>
-              <a:t>os.chdir(‘..’)</a:t>
-            </a:r>
-            <a:endParaRPr b="0" lang="pt-BR" sz="2800" spc="-1" strike="noStrike">
+              <a:t>sys.path.append(‘modules’)</a:t>
+            </a:r>
+            <a:endParaRPr b="0" lang="pt-BR" sz="3200" spc="-1" strike="noStrike">
               <a:latin typeface="Arial"/>
             </a:endParaRPr>
           </a:p>
